--- a/poster/lex2018_poster_Profilensembles.pptx
+++ b/poster/lex2018_poster_Profilensembles.pptx
@@ -295,7 +295,7 @@
               <a:pPr>
                 <a:defRPr/>
               </a:pPr>
-              <a:t>06.09.18</a:t>
+              <a:t>07.09.18</a:t>
             </a:fld>
             <a:endParaRPr lang="de-DE"/>
           </a:p>
@@ -1911,7 +1911,7 @@
         </p:blipFill>
         <p:spPr>
           <a:xfrm>
-            <a:off x="22704731" y="8400105"/>
+            <a:off x="23113333" y="11275753"/>
             <a:ext cx="3863159" cy="5664449"/>
           </a:xfrm>
           <a:prstGeom prst="rect">
@@ -1940,7 +1940,7 @@
         </p:blipFill>
         <p:spPr>
           <a:xfrm>
-            <a:off x="18205412" y="8400105"/>
+            <a:off x="18614014" y="11275753"/>
             <a:ext cx="4549803" cy="5664449"/>
           </a:xfrm>
           <a:prstGeom prst="rect">
@@ -1958,8 +1958,8 @@
         </p:nvSpPr>
         <p:spPr bwMode="auto">
           <a:xfrm>
-            <a:off x="1925018" y="33059689"/>
-            <a:ext cx="17929032" cy="1015600"/>
+            <a:off x="1835346" y="29164863"/>
+            <a:ext cx="15101823" cy="1323377"/>
           </a:xfrm>
           <a:prstGeom prst="rect">
             <a:avLst/>
@@ -2896,20 +2896,12 @@
               </a:lnSpc>
             </a:pPr>
             <a:r>
-              <a:rPr lang="de-DE" sz="6600" b="1">
+              <a:rPr lang="de-DE" sz="6600" b="1" dirty="0">
                 <a:solidFill>
                   <a:schemeClr val="tx1"/>
                 </a:solidFill>
               </a:rPr>
-              <a:t>Wie </a:t>
-            </a:r>
-            <a:r>
-              <a:rPr lang="de-DE" sz="6600" b="1" dirty="0">
-                <a:solidFill>
-                  <a:schemeClr val="tx1"/>
-                </a:solidFill>
-              </a:rPr>
-              <a:t>viel Zufall steckt im Ergebnis eines </a:t>
+              <a:t>Wie viel Zufall steckt im Ergebnis eines </a:t>
             </a:r>
           </a:p>
           <a:p>
@@ -3578,9 +3570,233 @@
           </a:p>
         </p:txBody>
       </p:sp>
+      <p:sp>
+        <p:nvSpPr>
+          <p:cNvPr id="8" name="Textfeld 7"/>
+          <p:cNvSpPr txBox="1"/>
+          <p:nvPr/>
+        </p:nvSpPr>
+        <p:spPr>
+          <a:xfrm>
+            <a:off x="19611002" y="14050266"/>
+            <a:ext cx="1277914" cy="492443"/>
+          </a:xfrm>
+          <a:prstGeom prst="rect">
+            <a:avLst/>
+          </a:prstGeom>
+          <a:noFill/>
+        </p:spPr>
+        <p:txBody>
+          <a:bodyPr wrap="none" rtlCol="0">
+            <a:spAutoFit/>
+          </a:bodyPr>
+          <a:lstStyle/>
+          <a:p>
+            <a:r>
+              <a:rPr lang="de-DE" dirty="0" err="1" smtClean="0"/>
+              <a:t>Helikite</a:t>
+            </a:r>
+            <a:endParaRPr lang="de-DE" dirty="0"/>
+          </a:p>
+        </p:txBody>
+      </p:sp>
+      <p:sp>
+        <p:nvSpPr>
+          <p:cNvPr id="30" name="Textfeld 29"/>
+          <p:cNvSpPr txBox="1"/>
+          <p:nvPr/>
+        </p:nvSpPr>
+        <p:spPr>
+          <a:xfrm>
+            <a:off x="24225052" y="14542709"/>
+            <a:ext cx="1967205" cy="492443"/>
+          </a:xfrm>
+          <a:prstGeom prst="rect">
+            <a:avLst/>
+          </a:prstGeom>
+          <a:noFill/>
+        </p:spPr>
+        <p:txBody>
+          <a:bodyPr wrap="none" rtlCol="0">
+            <a:spAutoFit/>
+          </a:bodyPr>
+          <a:lstStyle/>
+          <a:p>
+            <a:r>
+              <a:rPr lang="de-DE" dirty="0" smtClean="0"/>
+              <a:t>Radiosonde</a:t>
+            </a:r>
+            <a:endParaRPr lang="de-DE" dirty="0"/>
+          </a:p>
+        </p:txBody>
+      </p:sp>
+      <p:sp>
+        <p:nvSpPr>
+          <p:cNvPr id="14" name="Rechteck 13"/>
+          <p:cNvSpPr/>
+          <p:nvPr/>
+        </p:nvSpPr>
+        <p:spPr bwMode="auto">
+          <a:xfrm>
+            <a:off x="1220434" y="10738742"/>
+            <a:ext cx="26711150" cy="8138906"/>
+          </a:xfrm>
+          <a:prstGeom prst="rect">
+            <a:avLst/>
+          </a:prstGeom>
+          <a:noFill/>
+          <a:ln w="98425" cap="flat" cmpd="sng" algn="ctr">
+            <a:solidFill>
+              <a:srgbClr val="CB1028"/>
+            </a:solidFill>
+            <a:prstDash val="solid"/>
+            <a:round/>
+            <a:headEnd type="none" w="med" len="med"/>
+            <a:tailEnd type="none" w="med" len="med"/>
+          </a:ln>
+          <a:effectLst/>
+          <a:extLst>
+            <a:ext uri="{909E8E84-426E-40DD-AFC4-6F175D3DCCD1}">
+              <a14:hiddenFill xmlns:a14="http://schemas.microsoft.com/office/drawing/2010/main">
+                <a:solidFill>
+                  <a:schemeClr val="accent1"/>
+                </a:solidFill>
+              </a14:hiddenFill>
+            </a:ext>
+            <a:ext uri="{AF507438-7753-43E0-B8FC-AC1667EBCBE1}">
+              <a14:hiddenEffects xmlns:a14="http://schemas.microsoft.com/office/drawing/2010/main">
+                <a:effectLst>
+                  <a:outerShdw dist="35921" dir="2700000" algn="ctr" rotWithShape="0">
+                    <a:schemeClr val="bg2"/>
+                  </a:outerShdw>
+                </a:effectLst>
+              </a14:hiddenEffects>
+            </a:ext>
+          </a:extLst>
+        </p:spPr>
+        <p:txBody>
+          <a:bodyPr vert="horz" wrap="square" lIns="90000" tIns="46800" rIns="90000" bIns="46800" numCol="1" rtlCol="0" anchor="t" anchorCtr="0" compatLnSpc="1">
+            <a:prstTxWarp prst="textNoShape">
+              <a:avLst/>
+            </a:prstTxWarp>
+          </a:bodyPr>
+          <a:lstStyle/>
+          <a:p>
+            <a:pPr marL="0" marR="0" indent="0" algn="l" defTabSz="914400" rtl="0" eaLnBrk="0" fontAlgn="base" latinLnBrk="0" hangingPunct="0">
+              <a:lnSpc>
+                <a:spcPct val="100000"/>
+              </a:lnSpc>
+              <a:spcBef>
+                <a:spcPct val="0"/>
+              </a:spcBef>
+              <a:spcAft>
+                <a:spcPct val="0"/>
+              </a:spcAft>
+              <a:buClrTx/>
+              <a:buSzTx/>
+              <a:buFontTx/>
+              <a:buNone/>
+              <a:tabLst/>
+            </a:pPr>
+            <a:endParaRPr kumimoji="0" lang="de-DE" sz="2400" b="0" i="0" u="none" strike="noStrike" cap="none" normalizeH="0" baseline="0" smtClean="0">
+              <a:ln>
+                <a:noFill/>
+              </a:ln>
+              <a:solidFill>
+                <a:srgbClr val="000000"/>
+              </a:solidFill>
+              <a:effectLst/>
+              <a:latin typeface="Arial" charset="0"/>
+              <a:ea typeface="ＭＳ Ｐゴシック" pitchFamily="124" charset="-128"/>
+            </a:endParaRPr>
+          </a:p>
+        </p:txBody>
+      </p:sp>
+      <p:sp>
+        <p:nvSpPr>
+          <p:cNvPr id="32" name="Rechteck 31"/>
+          <p:cNvSpPr/>
+          <p:nvPr/>
+        </p:nvSpPr>
+        <p:spPr bwMode="auto">
+          <a:xfrm>
+            <a:off x="1220434" y="19273692"/>
+            <a:ext cx="26806603" cy="11133029"/>
+          </a:xfrm>
+          <a:prstGeom prst="rect">
+            <a:avLst/>
+          </a:prstGeom>
+          <a:noFill/>
+          <a:ln w="98425" cap="flat" cmpd="sng" algn="ctr">
+            <a:solidFill>
+              <a:srgbClr val="CB1028"/>
+            </a:solidFill>
+            <a:prstDash val="solid"/>
+            <a:round/>
+            <a:headEnd type="none" w="med" len="med"/>
+            <a:tailEnd type="none" w="med" len="med"/>
+          </a:ln>
+          <a:effectLst/>
+          <a:extLst>
+            <a:ext uri="{909E8E84-426E-40DD-AFC4-6F175D3DCCD1}">
+              <a14:hiddenFill xmlns:a14="http://schemas.microsoft.com/office/drawing/2010/main">
+                <a:solidFill>
+                  <a:schemeClr val="accent1"/>
+                </a:solidFill>
+              </a14:hiddenFill>
+            </a:ext>
+            <a:ext uri="{AF507438-7753-43E0-B8FC-AC1667EBCBE1}">
+              <a14:hiddenEffects xmlns:a14="http://schemas.microsoft.com/office/drawing/2010/main">
+                <a:effectLst>
+                  <a:outerShdw dist="35921" dir="2700000" algn="ctr" rotWithShape="0">
+                    <a:schemeClr val="bg2"/>
+                  </a:outerShdw>
+                </a:effectLst>
+              </a14:hiddenEffects>
+            </a:ext>
+          </a:extLst>
+        </p:spPr>
+        <p:txBody>
+          <a:bodyPr vert="horz" wrap="square" lIns="90000" tIns="46800" rIns="90000" bIns="46800" numCol="1" rtlCol="0" anchor="t" anchorCtr="0" compatLnSpc="1">
+            <a:prstTxWarp prst="textNoShape">
+              <a:avLst/>
+            </a:prstTxWarp>
+          </a:bodyPr>
+          <a:lstStyle/>
+          <a:p>
+            <a:pPr marL="0" marR="0" indent="0" algn="l" defTabSz="914400" rtl="0" eaLnBrk="0" fontAlgn="base" latinLnBrk="0" hangingPunct="0">
+              <a:lnSpc>
+                <a:spcPct val="100000"/>
+              </a:lnSpc>
+              <a:spcBef>
+                <a:spcPct val="0"/>
+              </a:spcBef>
+              <a:spcAft>
+                <a:spcPct val="0"/>
+              </a:spcAft>
+              <a:buClrTx/>
+              <a:buSzTx/>
+              <a:buFontTx/>
+              <a:buNone/>
+              <a:tabLst/>
+            </a:pPr>
+            <a:endParaRPr kumimoji="0" lang="de-DE" sz="2400" b="0" i="0" u="none" strike="noStrike" cap="none" normalizeH="0" baseline="0" smtClean="0">
+              <a:ln>
+                <a:noFill/>
+              </a:ln>
+              <a:solidFill>
+                <a:srgbClr val="000000"/>
+              </a:solidFill>
+              <a:effectLst/>
+              <a:latin typeface="Arial" charset="0"/>
+              <a:ea typeface="ＭＳ Ｐゴシック" pitchFamily="124" charset="-128"/>
+            </a:endParaRPr>
+          </a:p>
+        </p:txBody>
+      </p:sp>
       <p:pic>
         <p:nvPicPr>
-          <p:cNvPr id="7" name="Bild 6"/>
+          <p:cNvPr id="16" name="Bild 15"/>
           <p:cNvPicPr>
             <a:picLocks noChangeAspect="1"/>
           </p:cNvPicPr>
@@ -3600,8 +3816,8 @@
         </p:blipFill>
         <p:spPr>
           <a:xfrm>
-            <a:off x="809189" y="21233371"/>
-            <a:ext cx="19044861" cy="11084109"/>
+            <a:off x="2294819" y="19824171"/>
+            <a:ext cx="13255809" cy="9279066"/>
           </a:xfrm>
           <a:prstGeom prst="rect">
             <a:avLst/>
@@ -3610,14 +3826,200 @@
       </p:pic>
       <p:sp>
         <p:nvSpPr>
-          <p:cNvPr id="8" name="Textfeld 7"/>
+          <p:cNvPr id="17" name="Rechteck 16"/>
+          <p:cNvSpPr/>
+          <p:nvPr/>
+        </p:nvSpPr>
+        <p:spPr bwMode="auto">
+          <a:xfrm>
+            <a:off x="1220434" y="7207066"/>
+            <a:ext cx="26896987" cy="3135632"/>
+          </a:xfrm>
+          <a:prstGeom prst="rect">
+            <a:avLst/>
+          </a:prstGeom>
+          <a:solidFill>
+            <a:schemeClr val="bg1">
+              <a:lumMod val="75000"/>
+            </a:schemeClr>
+          </a:solidFill>
+          <a:ln>
+            <a:solidFill>
+              <a:schemeClr val="bg1">
+                <a:lumMod val="50000"/>
+              </a:schemeClr>
+            </a:solidFill>
+          </a:ln>
+          <a:effectLst/>
+          <a:extLst/>
+        </p:spPr>
+        <p:txBody>
+          <a:bodyPr vert="horz" wrap="square" lIns="90000" tIns="46800" rIns="90000" bIns="46800" numCol="1" rtlCol="0" anchor="t" anchorCtr="0" compatLnSpc="1">
+            <a:prstTxWarp prst="textNoShape">
+              <a:avLst/>
+            </a:prstTxWarp>
+          </a:bodyPr>
+          <a:lstStyle/>
+          <a:p>
+            <a:pPr marL="0" marR="0" indent="0" algn="l" defTabSz="914400" rtl="0" eaLnBrk="0" fontAlgn="base" latinLnBrk="0" hangingPunct="0">
+              <a:lnSpc>
+                <a:spcPct val="100000"/>
+              </a:lnSpc>
+              <a:spcBef>
+                <a:spcPct val="0"/>
+              </a:spcBef>
+              <a:spcAft>
+                <a:spcPct val="0"/>
+              </a:spcAft>
+              <a:buClrTx/>
+              <a:buSzTx/>
+              <a:buFontTx/>
+              <a:buNone/>
+              <a:tabLst/>
+            </a:pPr>
+            <a:r>
+              <a:rPr kumimoji="0" lang="de-DE" sz="5400" b="1" i="0" u="none" strike="noStrike" cap="none" normalizeH="0" baseline="0" dirty="0" smtClean="0">
+                <a:ln>
+                  <a:noFill/>
+                </a:ln>
+                <a:solidFill>
+                  <a:srgbClr val="CB1028"/>
+                </a:solidFill>
+                <a:effectLst/>
+                <a:latin typeface="Arial" charset="0"/>
+                <a:ea typeface="ＭＳ Ｐゴシック" pitchFamily="124" charset="-128"/>
+              </a:rPr>
+              <a:t>Einleitung</a:t>
+            </a:r>
+          </a:p>
+          <a:p>
+            <a:pPr marL="0" marR="0" indent="0" algn="just" defTabSz="914400" rtl="0" eaLnBrk="0" fontAlgn="base" latinLnBrk="0" hangingPunct="0">
+              <a:lnSpc>
+                <a:spcPct val="100000"/>
+              </a:lnSpc>
+              <a:spcBef>
+                <a:spcPct val="0"/>
+              </a:spcBef>
+              <a:spcAft>
+                <a:spcPct val="0"/>
+              </a:spcAft>
+              <a:buClrTx/>
+              <a:buSzTx/>
+              <a:buFontTx/>
+              <a:buNone/>
+              <a:tabLst/>
+            </a:pPr>
+            <a:r>
+              <a:rPr kumimoji="0" lang="de-DE" sz="4000" b="0" i="0" u="none" strike="noStrike" cap="none" normalizeH="0" baseline="0" dirty="0" smtClean="0">
+                <a:ln>
+                  <a:noFill/>
+                </a:ln>
+                <a:solidFill>
+                  <a:srgbClr val="000000"/>
+                </a:solidFill>
+                <a:effectLst/>
+                <a:ea typeface="ＭＳ Ｐゴシック" pitchFamily="124" charset="-128"/>
+              </a:rPr>
+              <a:t>Für Profilmessungen der Grenzschicht werden oft</a:t>
+            </a:r>
+            <a:r>
+              <a:rPr kumimoji="0" lang="de-DE" sz="4000" b="0" i="0" u="none" strike="noStrike" cap="none" normalizeH="0" dirty="0" smtClean="0">
+                <a:ln>
+                  <a:noFill/>
+                </a:ln>
+                <a:solidFill>
+                  <a:srgbClr val="000000"/>
+                </a:solidFill>
+                <a:effectLst/>
+                <a:ea typeface="ＭＳ Ｐゴシック" pitchFamily="124" charset="-128"/>
+              </a:rPr>
+              <a:t> Ballonaufstiege durchgeführt.</a:t>
+            </a:r>
+            <a:r>
+              <a:rPr lang="de-DE" sz="4000" dirty="0" smtClean="0">
+                <a:ea typeface="ＭＳ Ｐゴシック" pitchFamily="124" charset="-128"/>
+              </a:rPr>
+              <a:t> Da die Grenzschicht zeitlich und räumlich stark variabel ist, ist ein Einzelaufstieg meist nicht repräsentativ für den mittleren Zustand der Grenzschicht. Unsere Untersuchungen zeigen, wie viel Variabilität tatsächlich in einem Aufstieg steckt.</a:t>
+            </a:r>
+            <a:endParaRPr lang="de-DE" sz="4000" dirty="0" smtClean="0">
+              <a:ea typeface="ＭＳ Ｐゴシック" pitchFamily="124" charset="-128"/>
+            </a:endParaRPr>
+          </a:p>
+        </p:txBody>
+      </p:sp>
+      <p:sp>
+        <p:nvSpPr>
+          <p:cNvPr id="33" name="Rechteck 32"/>
+          <p:cNvSpPr/>
+          <p:nvPr/>
+        </p:nvSpPr>
+        <p:spPr bwMode="auto">
+          <a:xfrm>
+            <a:off x="1034597" y="31592857"/>
+            <a:ext cx="26896987" cy="3135632"/>
+          </a:xfrm>
+          <a:prstGeom prst="rect">
+            <a:avLst/>
+          </a:prstGeom>
+          <a:noFill/>
+          <a:ln>
+            <a:solidFill>
+              <a:schemeClr val="bg1">
+                <a:lumMod val="50000"/>
+              </a:schemeClr>
+            </a:solidFill>
+          </a:ln>
+          <a:effectLst/>
+          <a:extLst/>
+        </p:spPr>
+        <p:txBody>
+          <a:bodyPr vert="horz" wrap="square" lIns="90000" tIns="46800" rIns="90000" bIns="46800" numCol="1" rtlCol="0" anchor="t" anchorCtr="0" compatLnSpc="1">
+            <a:prstTxWarp prst="textNoShape">
+              <a:avLst/>
+            </a:prstTxWarp>
+          </a:bodyPr>
+          <a:lstStyle/>
+          <a:p>
+            <a:pPr marL="0" marR="0" indent="0" algn="l" defTabSz="914400" rtl="0" eaLnBrk="0" fontAlgn="base" latinLnBrk="0" hangingPunct="0">
+              <a:lnSpc>
+                <a:spcPct val="100000"/>
+              </a:lnSpc>
+              <a:spcBef>
+                <a:spcPct val="0"/>
+              </a:spcBef>
+              <a:spcAft>
+                <a:spcPct val="0"/>
+              </a:spcAft>
+              <a:buClrTx/>
+              <a:buSzTx/>
+              <a:buFontTx/>
+              <a:buNone/>
+              <a:tabLst/>
+            </a:pPr>
+            <a:endParaRPr kumimoji="0" lang="de-DE" sz="2400" b="0" i="0" u="none" strike="noStrike" cap="none" normalizeH="0" baseline="0" smtClean="0">
+              <a:ln>
+                <a:noFill/>
+              </a:ln>
+              <a:solidFill>
+                <a:srgbClr val="000000"/>
+              </a:solidFill>
+              <a:effectLst/>
+              <a:latin typeface="Arial" charset="0"/>
+              <a:ea typeface="ＭＳ Ｐゴシック" pitchFamily="124" charset="-128"/>
+            </a:endParaRPr>
+          </a:p>
+        </p:txBody>
+      </p:sp>
+      <p:sp>
+        <p:nvSpPr>
+          <p:cNvPr id="18" name="Textfeld 17"/>
           <p:cNvSpPr txBox="1"/>
           <p:nvPr/>
         </p:nvSpPr>
         <p:spPr>
           <a:xfrm>
-            <a:off x="19202400" y="11174618"/>
-            <a:ext cx="1277914" cy="492443"/>
+            <a:off x="1931013" y="11194218"/>
+            <a:ext cx="15006156" cy="6463308"/>
           </a:xfrm>
           <a:prstGeom prst="rect">
             <a:avLst/>
@@ -3625,29 +4027,79 @@
           <a:noFill/>
         </p:spPr>
         <p:txBody>
-          <a:bodyPr wrap="none" rtlCol="0">
+          <a:bodyPr wrap="square" rtlCol="0">
             <a:spAutoFit/>
           </a:bodyPr>
           <a:lstStyle/>
           <a:p>
             <a:r>
-              <a:rPr lang="de-DE" dirty="0" err="1" smtClean="0"/>
+              <a:rPr lang="de-DE" sz="5400" b="1" dirty="0" smtClean="0">
+                <a:solidFill>
+                  <a:srgbClr val="CB1028"/>
+                </a:solidFill>
+              </a:rPr>
+              <a:t>Methode</a:t>
+            </a:r>
+          </a:p>
+          <a:p>
+            <a:pPr algn="just"/>
+            <a:r>
+              <a:rPr lang="de-DE" sz="4000" dirty="0" smtClean="0"/>
+              <a:t>Um die Temperatur und Feuchte in der Grenzschicht kontinuierlich zu messen, wurden elf ALPACAs an der Leine eines </a:t>
+            </a:r>
+            <a:r>
+              <a:rPr lang="de-DE" sz="4000" dirty="0" err="1" smtClean="0"/>
+              <a:t>Helikites</a:t>
+            </a:r>
+            <a:r>
+              <a:rPr lang="de-DE" sz="4000" dirty="0" smtClean="0"/>
+              <a:t> in verschiedenen Höhen befestigt. Während der Messung wurde eine Radiosonde möglichst nahe am </a:t>
+            </a:r>
+            <a:r>
+              <a:rPr lang="de-DE" sz="4000" dirty="0" err="1" smtClean="0"/>
               <a:t>Helikite</a:t>
             </a:r>
-            <a:endParaRPr lang="de-DE" dirty="0"/>
+            <a:r>
+              <a:rPr lang="de-DE" sz="4000" dirty="0" smtClean="0"/>
+              <a:t> steigen gelassen. Aus den 3-sekündlichen ALPACA Messungen in der Zeit des </a:t>
+            </a:r>
+            <a:r>
+              <a:rPr lang="de-DE" sz="4000" dirty="0" err="1" smtClean="0"/>
+              <a:t>Radiosondenaufstiegs</a:t>
+            </a:r>
+            <a:r>
+              <a:rPr lang="de-DE" sz="4000" dirty="0" smtClean="0"/>
+              <a:t> (ca. 2-3 Minuten) wurde ein Ensemble von 30 </a:t>
+            </a:r>
+            <a:r>
+              <a:rPr lang="de-DE" sz="4000" dirty="0" err="1" smtClean="0"/>
+              <a:t>Radiosondenaufstiegen</a:t>
+            </a:r>
+            <a:r>
+              <a:rPr lang="de-DE" sz="4000" dirty="0" smtClean="0"/>
+              <a:t> simuliert. Anhand dieses Ensembles lässt sich bestimmen, wie stark Temperatur und Feuchte während des </a:t>
+            </a:r>
+            <a:r>
+              <a:rPr lang="de-DE" sz="4000" dirty="0" err="1" smtClean="0"/>
+              <a:t>Sondenaufstieges</a:t>
+            </a:r>
+            <a:r>
+              <a:rPr lang="de-DE" sz="4000" dirty="0" smtClean="0"/>
+              <a:t> variieren.</a:t>
+            </a:r>
           </a:p>
         </p:txBody>
       </p:sp>
       <p:sp>
         <p:nvSpPr>
-          <p:cNvPr id="30" name="Textfeld 29"/>
+          <p:cNvPr id="39" name="Textfeld 38"/>
           <p:cNvSpPr txBox="1"/>
           <p:nvPr/>
         </p:nvSpPr>
         <p:spPr>
           <a:xfrm>
-            <a:off x="23816450" y="11667061"/>
-            <a:ext cx="1967205" cy="492443"/>
+            <a:off x="15510871" y="19811784"/>
+            <a:ext cx="11425864" cy="4001095"/>
           </a:xfrm>
           <a:prstGeom prst="rect">
             <a:avLst/>
@@ -3655,16 +4107,31 @@
           <a:noFill/>
         </p:spPr>
         <p:txBody>
-          <a:bodyPr wrap="none" rtlCol="0">
+          <a:bodyPr wrap="square" rtlCol="0">
             <a:spAutoFit/>
           </a:bodyPr>
           <a:lstStyle/>
           <a:p>
             <a:r>
-              <a:rPr lang="de-DE" dirty="0" smtClean="0"/>
-              <a:t>Radiosonde</a:t>
-            </a:r>
-            <a:endParaRPr lang="de-DE" dirty="0"/>
+              <a:rPr lang="de-DE" sz="5400" b="1" dirty="0" smtClean="0">
+                <a:solidFill>
+                  <a:srgbClr val="CB1028"/>
+                </a:solidFill>
+              </a:rPr>
+              <a:t>Ergebnisse</a:t>
+            </a:r>
+          </a:p>
+          <a:p>
+            <a:pPr algn="just"/>
+            <a:r>
+              <a:rPr lang="de-DE" sz="4000" dirty="0" smtClean="0"/>
+              <a:t>Das gemessene Temperatur- und Feuchteprofil der Radiosonde deckt sich größtenteils mit den simulierten Ensembles (Abb. 1). Die Temperatur variiert im Messzeitraum um bis zu 1 K, </a:t>
+            </a:r>
+            <a:r>
+              <a:rPr lang="de-DE" sz="4000" smtClean="0"/>
+              <a:t>meist jedoch unter 0,5 K. </a:t>
+            </a:r>
+            <a:endParaRPr lang="de-DE" sz="4000" dirty="0" smtClean="0"/>
           </a:p>
         </p:txBody>
       </p:sp>
@@ -3673,6 +4140,13 @@
   <p:clrMapOvr>
     <a:masterClrMapping/>
   </p:clrMapOvr>
+  <p:timing>
+    <p:tnLst>
+      <p:par>
+        <p:cTn id="1" dur="indefinite" restart="never" nodeType="tmRoot"/>
+      </p:par>
+    </p:tnLst>
+  </p:timing>
 </p:sld>
 </file>
 

--- a/poster/lex2018_poster_Profilensembles.pptx
+++ b/poster/lex2018_poster_Profilensembles.pptx
@@ -295,7 +295,7 @@
               <a:pPr>
                 <a:defRPr/>
               </a:pPr>
-              <a:t>07.09.18</a:t>
+              <a:t>11.09.18</a:t>
             </a:fld>
             <a:endParaRPr lang="de-DE"/>
           </a:p>
@@ -3816,8 +3816,8 @@
         </p:blipFill>
         <p:spPr>
           <a:xfrm>
-            <a:off x="2294819" y="19824171"/>
-            <a:ext cx="13255809" cy="9279066"/>
+            <a:off x="1468792" y="19528724"/>
+            <a:ext cx="13200135" cy="9240095"/>
           </a:xfrm>
           <a:prstGeom prst="rect">
             <a:avLst/>
@@ -3939,74 +3939,20 @@
               <a:rPr lang="de-DE" sz="4000" dirty="0" smtClean="0">
                 <a:ea typeface="ＭＳ Ｐゴシック" pitchFamily="124" charset="-128"/>
               </a:rPr>
-              <a:t> Da die Grenzschicht zeitlich und räumlich stark variabel ist, ist ein Einzelaufstieg meist nicht repräsentativ für den mittleren Zustand der Grenzschicht. Unsere Untersuchungen zeigen, wie viel Variabilität tatsächlich in einem Aufstieg steckt.</a:t>
-            </a:r>
-            <a:endParaRPr lang="de-DE" sz="4000" dirty="0" smtClean="0">
-              <a:ea typeface="ＭＳ Ｐゴシック" pitchFamily="124" charset="-128"/>
-            </a:endParaRPr>
-          </a:p>
-        </p:txBody>
-      </p:sp>
-      <p:sp>
-        <p:nvSpPr>
-          <p:cNvPr id="33" name="Rechteck 32"/>
-          <p:cNvSpPr/>
-          <p:nvPr/>
-        </p:nvSpPr>
-        <p:spPr bwMode="auto">
-          <a:xfrm>
-            <a:off x="1034597" y="31592857"/>
-            <a:ext cx="26896987" cy="3135632"/>
-          </a:xfrm>
-          <a:prstGeom prst="rect">
-            <a:avLst/>
-          </a:prstGeom>
-          <a:noFill/>
-          <a:ln>
-            <a:solidFill>
-              <a:schemeClr val="bg1">
-                <a:lumMod val="50000"/>
-              </a:schemeClr>
-            </a:solidFill>
-          </a:ln>
-          <a:effectLst/>
-          <a:extLst/>
-        </p:spPr>
-        <p:txBody>
-          <a:bodyPr vert="horz" wrap="square" lIns="90000" tIns="46800" rIns="90000" bIns="46800" numCol="1" rtlCol="0" anchor="t" anchorCtr="0" compatLnSpc="1">
-            <a:prstTxWarp prst="textNoShape">
-              <a:avLst/>
-            </a:prstTxWarp>
-          </a:bodyPr>
-          <a:lstStyle/>
-          <a:p>
-            <a:pPr marL="0" marR="0" indent="0" algn="l" defTabSz="914400" rtl="0" eaLnBrk="0" fontAlgn="base" latinLnBrk="0" hangingPunct="0">
-              <a:lnSpc>
-                <a:spcPct val="100000"/>
-              </a:lnSpc>
-              <a:spcBef>
-                <a:spcPct val="0"/>
-              </a:spcBef>
-              <a:spcAft>
-                <a:spcPct val="0"/>
-              </a:spcAft>
-              <a:buClrTx/>
-              <a:buSzTx/>
-              <a:buFontTx/>
-              <a:buNone/>
-              <a:tabLst/>
-            </a:pPr>
-            <a:endParaRPr kumimoji="0" lang="de-DE" sz="2400" b="0" i="0" u="none" strike="noStrike" cap="none" normalizeH="0" baseline="0" smtClean="0">
-              <a:ln>
-                <a:noFill/>
-              </a:ln>
-              <a:solidFill>
-                <a:srgbClr val="000000"/>
-              </a:solidFill>
-              <a:effectLst/>
-              <a:latin typeface="Arial" charset="0"/>
-              <a:ea typeface="ＭＳ Ｐゴシック" pitchFamily="124" charset="-128"/>
-            </a:endParaRPr>
+              <a:t> Da die Grenzschicht zeitlich und räumlich stark variabel ist, ist ein Einzelaufstieg meist nicht repräsentativ für den mittleren Zustand der Grenzschicht. </a:t>
+            </a:r>
+            <a:r>
+              <a:rPr lang="de-DE" sz="4000" dirty="0" smtClean="0">
+                <a:ea typeface="ＭＳ Ｐゴシック" pitchFamily="124" charset="-128"/>
+              </a:rPr>
+              <a:t>Ziel der Untersuchung ist zu </a:t>
+            </a:r>
+            <a:r>
+              <a:rPr lang="de-DE" sz="4000" dirty="0" smtClean="0">
+                <a:ea typeface="ＭＳ Ｐゴシック" pitchFamily="124" charset="-128"/>
+              </a:rPr>
+              <a:t>zeigen, wie viel Variabilität tatsächlich in einem Aufstieg steckt.</a:t>
+            </a:r>
           </a:p>
         </p:txBody>
       </p:sp>
@@ -4099,7 +4045,7 @@
         <p:spPr>
           <a:xfrm>
             <a:off x="15510871" y="19811784"/>
-            <a:ext cx="11425864" cy="4001095"/>
+            <a:ext cx="11425864" cy="5232202"/>
           </a:xfrm>
           <a:prstGeom prst="rect">
             <a:avLst/>
@@ -4118,20 +4064,149 @@
                   <a:srgbClr val="CB1028"/>
                 </a:solidFill>
               </a:rPr>
-              <a:t>Ergebnisse</a:t>
-            </a:r>
+              <a:t>Ergebnis</a:t>
+            </a:r>
+            <a:endParaRPr lang="de-DE" sz="5400" b="1" dirty="0" smtClean="0">
+              <a:solidFill>
+                <a:srgbClr val="CB1028"/>
+              </a:solidFill>
+            </a:endParaRPr>
           </a:p>
           <a:p>
             <a:pPr algn="just"/>
             <a:r>
               <a:rPr lang="de-DE" sz="4000" dirty="0" smtClean="0"/>
-              <a:t>Das gemessene Temperatur- und Feuchteprofil der Radiosonde deckt sich größtenteils mit den simulierten Ensembles (Abb. 1). Die Temperatur variiert im Messzeitraum um bis zu 1 K, </a:t>
-            </a:r>
-            <a:r>
-              <a:rPr lang="de-DE" sz="4000" smtClean="0"/>
-              <a:t>meist jedoch unter 0,5 K. </a:t>
+              <a:t>Das gemessene Temperatur- und Feuchteprofil der Radiosonde deckt sich größtenteils mit den simulierten Ensembles (Abb. 1). Die Temperatur variiert im Messzeitraum um bis zu 1 K, meist jedoch unter 0,5 K</a:t>
+            </a:r>
+            <a:r>
+              <a:rPr lang="de-DE" sz="4000" dirty="0" smtClean="0"/>
+              <a:t>. Die relative Feuchte variiert stärker, um bis zu 10 %.</a:t>
+            </a:r>
+          </a:p>
+          <a:p>
+            <a:pPr algn="just"/>
+            <a:r>
+              <a:rPr lang="de-DE" sz="4000" dirty="0" smtClean="0"/>
+              <a:t> </a:t>
             </a:r>
             <a:endParaRPr lang="de-DE" sz="4000" dirty="0" smtClean="0"/>
+          </a:p>
+        </p:txBody>
+      </p:sp>
+      <p:sp>
+        <p:nvSpPr>
+          <p:cNvPr id="34" name="Rechteck 33"/>
+          <p:cNvSpPr/>
+          <p:nvPr/>
+        </p:nvSpPr>
+        <p:spPr bwMode="auto">
+          <a:xfrm>
+            <a:off x="1220434" y="31377268"/>
+            <a:ext cx="26896987" cy="3135632"/>
+          </a:xfrm>
+          <a:prstGeom prst="rect">
+            <a:avLst/>
+          </a:prstGeom>
+          <a:solidFill>
+            <a:schemeClr val="bg1">
+              <a:lumMod val="75000"/>
+            </a:schemeClr>
+          </a:solidFill>
+          <a:ln>
+            <a:solidFill>
+              <a:schemeClr val="bg1">
+                <a:lumMod val="50000"/>
+              </a:schemeClr>
+            </a:solidFill>
+          </a:ln>
+          <a:effectLst/>
+          <a:extLst/>
+        </p:spPr>
+        <p:txBody>
+          <a:bodyPr vert="horz" wrap="square" lIns="90000" tIns="46800" rIns="90000" bIns="46800" numCol="1" rtlCol="0" anchor="t" anchorCtr="0" compatLnSpc="1">
+            <a:prstTxWarp prst="textNoShape">
+              <a:avLst/>
+            </a:prstTxWarp>
+          </a:bodyPr>
+          <a:lstStyle/>
+          <a:p>
+            <a:pPr marL="0" marR="0" indent="0" algn="l" defTabSz="914400" rtl="0" eaLnBrk="0" fontAlgn="base" latinLnBrk="0" hangingPunct="0">
+              <a:lnSpc>
+                <a:spcPct val="100000"/>
+              </a:lnSpc>
+              <a:spcBef>
+                <a:spcPct val="0"/>
+              </a:spcBef>
+              <a:spcAft>
+                <a:spcPct val="0"/>
+              </a:spcAft>
+              <a:buClrTx/>
+              <a:buSzTx/>
+              <a:buFontTx/>
+              <a:buNone/>
+              <a:tabLst/>
+            </a:pPr>
+            <a:r>
+              <a:rPr kumimoji="0" lang="de-DE" sz="5400" b="1" i="0" u="none" strike="noStrike" cap="none" normalizeH="0" baseline="0" dirty="0" smtClean="0">
+                <a:ln>
+                  <a:noFill/>
+                </a:ln>
+                <a:solidFill>
+                  <a:srgbClr val="CB1028"/>
+                </a:solidFill>
+                <a:effectLst/>
+                <a:latin typeface="Arial" charset="0"/>
+                <a:ea typeface="ＭＳ Ｐゴシック" pitchFamily="124" charset="-128"/>
+              </a:rPr>
+              <a:t>Fazit</a:t>
+            </a:r>
+            <a:endParaRPr kumimoji="0" lang="de-DE" sz="5400" b="1" i="0" u="none" strike="noStrike" cap="none" normalizeH="0" baseline="0" dirty="0" smtClean="0">
+              <a:ln>
+                <a:noFill/>
+              </a:ln>
+              <a:solidFill>
+                <a:srgbClr val="CB1028"/>
+              </a:solidFill>
+              <a:effectLst/>
+              <a:latin typeface="Arial" charset="0"/>
+              <a:ea typeface="ＭＳ Ｐゴシック" pitchFamily="124" charset="-128"/>
+            </a:endParaRPr>
+          </a:p>
+          <a:p>
+            <a:pPr algn="just"/>
+            <a:r>
+              <a:rPr lang="de-DE" sz="4000" dirty="0" smtClean="0">
+                <a:ea typeface="ＭＳ Ｐゴシック" pitchFamily="124" charset="-128"/>
+              </a:rPr>
+              <a:t>Die Temperatur</a:t>
+            </a:r>
+            <a:r>
+              <a:rPr lang="de-DE" sz="4000" dirty="0">
+                <a:ea typeface="ＭＳ Ｐゴシック" pitchFamily="124" charset="-128"/>
+              </a:rPr>
+              <a:t> variiert </a:t>
+            </a:r>
+            <a:r>
+              <a:rPr lang="de-DE" sz="4000" dirty="0" smtClean="0">
+                <a:ea typeface="ＭＳ Ｐゴシック" pitchFamily="124" charset="-128"/>
+              </a:rPr>
+              <a:t> binnen eines </a:t>
+            </a:r>
+            <a:r>
+              <a:rPr lang="de-DE" sz="4000" dirty="0" err="1" smtClean="0">
+                <a:ea typeface="ＭＳ Ｐゴシック" pitchFamily="124" charset="-128"/>
+              </a:rPr>
+              <a:t>Radiosondenaufstiegs</a:t>
+            </a:r>
+            <a:r>
+              <a:rPr lang="de-DE" sz="4000" dirty="0" smtClean="0">
+                <a:ea typeface="ＭＳ Ｐゴシック" pitchFamily="124" charset="-128"/>
+              </a:rPr>
+              <a:t> nur geringfügig, während die Feuchte um bis zu 5 % vom mittleren Zustand der Grenzschicht abweichen kann.</a:t>
+            </a:r>
+            <a:endParaRPr lang="de-DE" sz="4000" dirty="0" smtClean="0">
+              <a:ea typeface="ＭＳ Ｐゴシック" pitchFamily="124" charset="-128"/>
+            </a:endParaRPr>
           </a:p>
         </p:txBody>
       </p:sp>

--- a/poster/lex2018_poster_Profilensembles.pptx
+++ b/poster/lex2018_poster_Profilensembles.pptx
@@ -1157,7 +1157,7 @@
           <a:lstStyle/>
           <a:p>
             <a:pPr eaLnBrk="1" hangingPunct="1"/>
-            <a:endParaRPr lang="de-DE">
+            <a:endParaRPr lang="de-DE" dirty="0">
               <a:ea typeface="ＭＳ Ｐゴシック" charset="0"/>
             </a:endParaRPr>
           </a:p>
@@ -1911,8 +1911,8 @@
         </p:blipFill>
         <p:spPr>
           <a:xfrm>
-            <a:off x="23113333" y="11275753"/>
-            <a:ext cx="3863159" cy="5664449"/>
+            <a:off x="22020115" y="11940473"/>
+            <a:ext cx="4834624" cy="7088884"/>
           </a:xfrm>
           <a:prstGeom prst="rect">
             <a:avLst/>
@@ -1940,8 +1940,8 @@
         </p:blipFill>
         <p:spPr>
           <a:xfrm>
-            <a:off x="18614014" y="11275753"/>
-            <a:ext cx="4549803" cy="5664449"/>
+            <a:off x="18446821" y="11940473"/>
+            <a:ext cx="5693939" cy="7088884"/>
           </a:xfrm>
           <a:prstGeom prst="rect">
             <a:avLst/>
@@ -1958,8 +1958,8 @@
         </p:nvSpPr>
         <p:spPr bwMode="auto">
           <a:xfrm>
-            <a:off x="1835346" y="29164863"/>
-            <a:ext cx="15101823" cy="1323377"/>
+            <a:off x="1744119" y="29460136"/>
+            <a:ext cx="13766752" cy="1508043"/>
           </a:xfrm>
           <a:prstGeom prst="rect">
             <a:avLst/>
@@ -2102,261 +2102,18 @@
           </a:lstStyle>
           <a:p>
             <a:r>
-              <a:rPr lang="de-DE" sz="2000" b="1" i="1" u="sng" dirty="0"/>
+              <a:rPr lang="de-DE" sz="2400" b="1" i="1" u="sng" dirty="0"/>
               <a:t>Abbildung 1</a:t>
             </a:r>
             <a:r>
-              <a:rPr lang="de-DE" sz="2000" i="1" dirty="0"/>
-              <a:t>: Dies ist ein Beispiel für eine Bildunterschrift 20 </a:t>
-            </a:r>
-            <a:r>
-              <a:rPr lang="de-DE" sz="2000" i="1" dirty="0" err="1"/>
-              <a:t>pt</a:t>
-            </a:r>
-            <a:r>
-              <a:rPr lang="de-DE" sz="2000" i="1" dirty="0"/>
-              <a:t>. </a:t>
-            </a:r>
-            <a:r>
-              <a:rPr lang="de-DE" sz="2000" i="1" dirty="0" err="1"/>
-              <a:t>Eenis</a:t>
-            </a:r>
-            <a:r>
-              <a:rPr lang="de-DE" sz="2000" i="1" dirty="0"/>
-              <a:t> del </a:t>
-            </a:r>
-            <a:r>
-              <a:rPr lang="de-DE" sz="2000" i="1" dirty="0" err="1"/>
-              <a:t>init</a:t>
-            </a:r>
-            <a:r>
-              <a:rPr lang="de-DE" sz="2000" i="1" dirty="0"/>
-              <a:t> </a:t>
-            </a:r>
-            <a:r>
-              <a:rPr lang="de-DE" sz="2000" i="1" dirty="0" err="1"/>
-              <a:t>wis</a:t>
-            </a:r>
-            <a:r>
-              <a:rPr lang="de-DE" sz="2000" i="1" dirty="0"/>
-              <a:t> </a:t>
-            </a:r>
-            <a:r>
-              <a:rPr lang="de-DE" sz="2000" i="1" dirty="0" err="1"/>
-              <a:t>euisl</a:t>
-            </a:r>
-            <a:r>
-              <a:rPr lang="de-DE" sz="2000" i="1" dirty="0"/>
-              <a:t> </a:t>
-            </a:r>
-            <a:r>
-              <a:rPr lang="de-DE" sz="2000" i="1" dirty="0" err="1"/>
-              <a:t>essectet</a:t>
-            </a:r>
-            <a:r>
-              <a:rPr lang="de-DE" sz="2000" i="1" dirty="0"/>
-              <a:t>, </a:t>
-            </a:r>
-            <a:r>
-              <a:rPr lang="de-DE" sz="2000" i="1" dirty="0" err="1"/>
-              <a:t>quisuissit</a:t>
-            </a:r>
-            <a:r>
-              <a:rPr lang="de-DE" sz="2000" i="1" dirty="0"/>
-              <a:t> </a:t>
-            </a:r>
-            <a:r>
-              <a:rPr lang="de-DE" sz="2000" i="1" dirty="0" err="1"/>
-              <a:t>wis</a:t>
-            </a:r>
-            <a:r>
-              <a:rPr lang="de-DE" sz="2000" i="1" dirty="0"/>
-              <a:t> </a:t>
-            </a:r>
-            <a:r>
-              <a:rPr lang="de-DE" sz="2000" i="1" dirty="0" err="1"/>
-              <a:t>amet</a:t>
-            </a:r>
-            <a:r>
-              <a:rPr lang="de-DE" sz="2000" i="1" dirty="0"/>
-              <a:t> </a:t>
-            </a:r>
-            <a:r>
-              <a:rPr lang="de-DE" sz="2000" i="1" dirty="0" err="1"/>
-              <a:t>nisl</a:t>
-            </a:r>
-            <a:r>
-              <a:rPr lang="de-DE" sz="2000" i="1" dirty="0"/>
-              <a:t> </a:t>
-            </a:r>
-            <a:r>
-              <a:rPr lang="de-DE" sz="2000" i="1" dirty="0" err="1"/>
-              <a:t>iuscidunt</a:t>
-            </a:r>
-            <a:r>
-              <a:rPr lang="de-DE" sz="2000" i="1" dirty="0"/>
-              <a:t> </a:t>
-            </a:r>
-            <a:r>
-              <a:rPr lang="de-DE" sz="2000" i="1" dirty="0" err="1"/>
-              <a:t>senis</a:t>
-            </a:r>
-            <a:r>
-              <a:rPr lang="de-DE" sz="2000" i="1" dirty="0"/>
-              <a:t> del </a:t>
-            </a:r>
-            <a:r>
-              <a:rPr lang="de-DE" sz="2000" i="1" dirty="0" err="1"/>
-              <a:t>init</a:t>
-            </a:r>
-            <a:r>
-              <a:rPr lang="de-DE" sz="2000" i="1" dirty="0"/>
-              <a:t> </a:t>
-            </a:r>
-            <a:r>
-              <a:rPr lang="de-DE" sz="2000" i="1" dirty="0" err="1"/>
-              <a:t>wis</a:t>
-            </a:r>
-            <a:r>
-              <a:rPr lang="de-DE" sz="2000" i="1" dirty="0"/>
-              <a:t> </a:t>
-            </a:r>
-            <a:r>
-              <a:rPr lang="de-DE" sz="2000" i="1" dirty="0" err="1"/>
-              <a:t>euisl</a:t>
-            </a:r>
-            <a:r>
-              <a:rPr lang="de-DE" sz="2000" i="1" dirty="0"/>
-              <a:t> </a:t>
-            </a:r>
-            <a:r>
-              <a:rPr lang="de-DE" sz="2000" i="1" dirty="0" err="1"/>
-              <a:t>essectet</a:t>
-            </a:r>
-            <a:r>
-              <a:rPr lang="de-DE" sz="2000" i="1" dirty="0"/>
-              <a:t>, cum es </a:t>
-            </a:r>
-            <a:r>
-              <a:rPr lang="de-DE" sz="2000" i="1" dirty="0" err="1"/>
-              <a:t>quisuissit</a:t>
-            </a:r>
-            <a:r>
-              <a:rPr lang="de-DE" sz="2000" i="1" dirty="0"/>
-              <a:t> </a:t>
-            </a:r>
-            <a:r>
-              <a:rPr lang="de-DE" sz="2000" i="1" dirty="0" err="1"/>
-              <a:t>wis</a:t>
-            </a:r>
-            <a:r>
-              <a:rPr lang="de-DE" sz="2000" i="1" dirty="0"/>
-              <a:t> </a:t>
-            </a:r>
-            <a:r>
-              <a:rPr lang="de-DE" sz="2000" i="1" dirty="0" err="1"/>
-              <a:t>amet</a:t>
-            </a:r>
-            <a:r>
-              <a:rPr lang="de-DE" sz="2000" i="1" dirty="0"/>
-              <a:t> </a:t>
-            </a:r>
-            <a:r>
-              <a:rPr lang="de-DE" sz="2000" i="1" dirty="0" err="1"/>
-              <a:t>nisl</a:t>
-            </a:r>
-            <a:r>
-              <a:rPr lang="de-DE" sz="2000" i="1" dirty="0"/>
-              <a:t> </a:t>
-            </a:r>
-            <a:r>
-              <a:rPr lang="de-DE" sz="2000" i="1" dirty="0" err="1"/>
-              <a:t>iuscidunt</a:t>
-            </a:r>
-            <a:r>
-              <a:rPr lang="de-DE" sz="2000" i="1" dirty="0"/>
-              <a:t>. </a:t>
-            </a:r>
-            <a:r>
-              <a:rPr lang="de-DE" sz="2000" i="1" dirty="0" err="1"/>
-              <a:t>Auenis</a:t>
-            </a:r>
-            <a:r>
-              <a:rPr lang="de-DE" sz="2000" i="1" dirty="0"/>
-              <a:t> del </a:t>
-            </a:r>
-            <a:r>
-              <a:rPr lang="de-DE" sz="2000" i="1" dirty="0" err="1"/>
-              <a:t>init</a:t>
-            </a:r>
-            <a:r>
-              <a:rPr lang="de-DE" sz="2000" i="1" dirty="0"/>
-              <a:t> </a:t>
-            </a:r>
-            <a:r>
-              <a:rPr lang="de-DE" sz="2000" i="1" dirty="0" err="1"/>
-              <a:t>wis</a:t>
-            </a:r>
-            <a:r>
-              <a:rPr lang="de-DE" sz="2000" i="1" dirty="0"/>
-              <a:t> </a:t>
-            </a:r>
-            <a:r>
-              <a:rPr lang="de-DE" sz="2000" i="1" dirty="0" err="1"/>
-              <a:t>euisl</a:t>
-            </a:r>
-            <a:r>
-              <a:rPr lang="de-DE" sz="2000" i="1" dirty="0"/>
-              <a:t> </a:t>
-            </a:r>
-            <a:r>
-              <a:rPr lang="de-DE" sz="2000" i="1" dirty="0" err="1"/>
-              <a:t>essectet</a:t>
-            </a:r>
-            <a:r>
-              <a:rPr lang="de-DE" sz="2000" i="1" dirty="0"/>
-              <a:t>, </a:t>
-            </a:r>
-            <a:r>
-              <a:rPr lang="de-DE" sz="2000" i="1" dirty="0" err="1"/>
-              <a:t>quisuissit</a:t>
-            </a:r>
-            <a:r>
-              <a:rPr lang="de-DE" sz="2000" i="1" dirty="0"/>
-              <a:t> </a:t>
-            </a:r>
-            <a:r>
-              <a:rPr lang="de-DE" sz="2000" i="1" dirty="0" err="1"/>
-              <a:t>wis</a:t>
-            </a:r>
-            <a:r>
-              <a:rPr lang="de-DE" sz="2000" i="1" dirty="0"/>
-              <a:t> </a:t>
-            </a:r>
-            <a:r>
-              <a:rPr lang="de-DE" sz="2000" i="1" dirty="0" err="1"/>
-              <a:t>amet</a:t>
-            </a:r>
-            <a:r>
-              <a:rPr lang="de-DE" sz="2000" i="1" dirty="0"/>
-              <a:t> </a:t>
-            </a:r>
-            <a:r>
-              <a:rPr lang="de-DE" sz="2000" i="1" dirty="0" err="1"/>
-              <a:t>nisl</a:t>
-            </a:r>
-            <a:r>
-              <a:rPr lang="de-DE" sz="2000" i="1" dirty="0"/>
-              <a:t> </a:t>
-            </a:r>
-            <a:r>
-              <a:rPr lang="de-DE" sz="2000" i="1" dirty="0" err="1"/>
-              <a:t>iuscidunt</a:t>
-            </a:r>
-            <a:r>
-              <a:rPr lang="de-DE" sz="2000" i="1" dirty="0"/>
-              <a:t>.</a:t>
-            </a:r>
+              <a:rPr lang="de-DE" sz="2400" i="1" dirty="0"/>
+              <a:t>: </a:t>
+            </a:r>
+            <a:r>
+              <a:rPr lang="de-DE" sz="2400" i="1" dirty="0" smtClean="0"/>
+              <a:t>Temperatur. (links) und Feuchteprofil einer Radiosonde (rot) und 30 simulierten Einzelprofilen der ALPACAS (hellblau) sowie deren zeitliches Mittel (schwarz). Alle Profile stammen vom 29.8.2018 aus der Zeit zwischen 12:59 und 13:02 Uhr.</a:t>
+            </a:r>
+            <a:endParaRPr lang="de-DE" sz="2400" i="1" dirty="0"/>
           </a:p>
           <a:p>
             <a:endParaRPr lang="de-DE" sz="2000" dirty="0"/>
@@ -3578,8 +3335,8 @@
         </p:nvSpPr>
         <p:spPr>
           <a:xfrm>
-            <a:off x="19611002" y="14050266"/>
-            <a:ext cx="1277914" cy="492443"/>
+            <a:off x="19443809" y="15202336"/>
+            <a:ext cx="1599270" cy="492443"/>
           </a:xfrm>
           <a:prstGeom prst="rect">
             <a:avLst/>
@@ -3587,7 +3344,7 @@
           <a:noFill/>
         </p:spPr>
         <p:txBody>
-          <a:bodyPr wrap="none" rtlCol="0">
+          <a:bodyPr wrap="square" rtlCol="0">
             <a:spAutoFit/>
           </a:bodyPr>
           <a:lstStyle/>
@@ -3608,8 +3365,8 @@
         </p:nvSpPr>
         <p:spPr>
           <a:xfrm>
-            <a:off x="24225052" y="14542709"/>
-            <a:ext cx="1967205" cy="492443"/>
+            <a:off x="24018102" y="15731355"/>
+            <a:ext cx="2461897" cy="492443"/>
           </a:xfrm>
           <a:prstGeom prst="rect">
             <a:avLst/>
@@ -3617,7 +3374,7 @@
           <a:noFill/>
         </p:spPr>
         <p:txBody>
-          <a:bodyPr wrap="none" rtlCol="0">
+          <a:bodyPr wrap="square" rtlCol="0">
             <a:spAutoFit/>
           </a:bodyPr>
           <a:lstStyle/>
@@ -3638,7 +3395,7 @@
         </p:nvSpPr>
         <p:spPr bwMode="auto">
           <a:xfrm>
-            <a:off x="1220434" y="10738742"/>
+            <a:off x="1220434" y="11362352"/>
             <a:ext cx="26711150" cy="8138906"/>
           </a:xfrm>
           <a:prstGeom prst="rect">
@@ -3720,8 +3477,8 @@
         </p:nvSpPr>
         <p:spPr bwMode="auto">
           <a:xfrm>
-            <a:off x="1220434" y="19273692"/>
-            <a:ext cx="26806603" cy="11133029"/>
+            <a:off x="1220434" y="19804340"/>
+            <a:ext cx="26806603" cy="11649399"/>
           </a:xfrm>
           <a:prstGeom prst="rect">
             <a:avLst/>
@@ -3794,36 +3551,6 @@
           </a:p>
         </p:txBody>
       </p:sp>
-      <p:pic>
-        <p:nvPicPr>
-          <p:cNvPr id="16" name="Bild 15"/>
-          <p:cNvPicPr>
-            <a:picLocks noChangeAspect="1"/>
-          </p:cNvPicPr>
-          <p:nvPr/>
-        </p:nvPicPr>
-        <p:blipFill>
-          <a:blip r:embed="rId8">
-            <a:extLst>
-              <a:ext uri="{28A0092B-C50C-407E-A947-70E740481C1C}">
-                <a14:useLocalDpi xmlns:a14="http://schemas.microsoft.com/office/drawing/2010/main" val="0"/>
-              </a:ext>
-            </a:extLst>
-          </a:blip>
-          <a:stretch>
-            <a:fillRect/>
-          </a:stretch>
-        </p:blipFill>
-        <p:spPr>
-          <a:xfrm>
-            <a:off x="1468792" y="19528724"/>
-            <a:ext cx="13200135" cy="9240095"/>
-          </a:xfrm>
-          <a:prstGeom prst="rect">
-            <a:avLst/>
-          </a:prstGeom>
-        </p:spPr>
-      </p:pic>
       <p:sp>
         <p:nvSpPr>
           <p:cNvPr id="17" name="Rechteck 16"/>
@@ -3832,7 +3559,7 @@
         </p:nvSpPr>
         <p:spPr bwMode="auto">
           <a:xfrm>
-            <a:off x="1220434" y="7207066"/>
+            <a:off x="-34747616" y="4696025"/>
             <a:ext cx="26896987" cy="3135632"/>
           </a:xfrm>
           <a:prstGeom prst="rect">
@@ -3945,14 +3672,23 @@
               <a:rPr lang="de-DE" sz="4000" dirty="0" smtClean="0">
                 <a:ea typeface="ＭＳ Ｐゴシック" pitchFamily="124" charset="-128"/>
               </a:rPr>
-              <a:t>Ziel der Untersuchung ist zu </a:t>
+              <a:t>Aber wie gut repräsentiert ein Einzelaufstieg den </a:t>
+            </a:r>
+            <a:r>
+              <a:rPr lang="de-DE" sz="4000" dirty="0" err="1" smtClean="0">
+                <a:ea typeface="ＭＳ Ｐゴシック" pitchFamily="124" charset="-128"/>
+              </a:rPr>
+              <a:t>instantanen</a:t>
             </a:r>
             <a:r>
               <a:rPr lang="de-DE" sz="4000" dirty="0" smtClean="0">
                 <a:ea typeface="ＭＳ Ｐゴシック" pitchFamily="124" charset="-128"/>
               </a:rPr>
-              <a:t>zeigen, wie viel Variabilität tatsächlich in einem Aufstieg steckt.</a:t>
-            </a:r>
+              <a:t> Zustand der Grenzschicht? Wie groß sind die </a:t>
+            </a:r>
+            <a:endParaRPr lang="de-DE" sz="4000" dirty="0" smtClean="0">
+              <a:ea typeface="ＭＳ Ｐゴシック" pitchFamily="124" charset="-128"/>
+            </a:endParaRPr>
           </a:p>
         </p:txBody>
       </p:sp>
@@ -3964,8 +3700,8 @@
         </p:nvSpPr>
         <p:spPr>
           <a:xfrm>
-            <a:off x="1931013" y="11194218"/>
-            <a:ext cx="15006156" cy="6463308"/>
+            <a:off x="1931013" y="11561796"/>
+            <a:ext cx="15006156" cy="7571303"/>
           </a:xfrm>
           <a:prstGeom prst="rect">
             <a:avLst/>
@@ -3990,47 +3726,59 @@
           <a:p>
             <a:pPr algn="just"/>
             <a:r>
-              <a:rPr lang="de-DE" sz="4000" dirty="0" smtClean="0"/>
-              <a:t>Um die Temperatur und Feuchte in der Grenzschicht kontinuierlich zu messen, wurden elf ALPACAs an der Leine eines </a:t>
-            </a:r>
-            <a:r>
-              <a:rPr lang="de-DE" sz="4000" dirty="0" err="1" smtClean="0"/>
+              <a:rPr lang="de-DE" sz="3600" dirty="0" smtClean="0"/>
+              <a:t>Zur Einschätzung der Variabilität </a:t>
+            </a:r>
+            <a:r>
+              <a:rPr lang="de-DE" sz="3600" dirty="0" smtClean="0"/>
+              <a:t>der Grenzschicht während eines Aufstieges wurde eine Messung einer Radiosonde mit gleichzeitigen kontinuierlichen Messungen der Grenzschicht verglichen. Die Messungen wurden am 29.8.2018 in Marienleuchte durchgeführt. </a:t>
+            </a:r>
+            <a:r>
+              <a:rPr lang="de-DE" sz="3600" dirty="0" smtClean="0"/>
+              <a:t>Um </a:t>
+            </a:r>
+            <a:r>
+              <a:rPr lang="de-DE" sz="3600" dirty="0" smtClean="0"/>
+              <a:t>die Temperatur und Feuchte in der Grenzschicht kontinuierlich zu messen, wurden elf ALPACAs an der Leine eines </a:t>
+            </a:r>
+            <a:r>
+              <a:rPr lang="de-DE" sz="3600" dirty="0" err="1" smtClean="0"/>
               <a:t>Helikites</a:t>
             </a:r>
             <a:r>
-              <a:rPr lang="de-DE" sz="4000" dirty="0" smtClean="0"/>
+              <a:rPr lang="de-DE" sz="3600" dirty="0" smtClean="0"/>
               <a:t> in verschiedenen Höhen befestigt. Während der Messung wurde eine Radiosonde möglichst nahe am </a:t>
             </a:r>
             <a:r>
-              <a:rPr lang="de-DE" sz="4000" dirty="0" err="1" smtClean="0"/>
+              <a:rPr lang="de-DE" sz="3600" dirty="0" err="1" smtClean="0"/>
               <a:t>Helikite</a:t>
             </a:r>
             <a:r>
-              <a:rPr lang="de-DE" sz="4000" dirty="0" smtClean="0"/>
+              <a:rPr lang="de-DE" sz="3600" dirty="0" smtClean="0"/>
               <a:t> steigen gelassen. Aus den 3-sekündlichen ALPACA Messungen in der Zeit des </a:t>
             </a:r>
             <a:r>
-              <a:rPr lang="de-DE" sz="4000" dirty="0" err="1" smtClean="0"/>
+              <a:rPr lang="de-DE" sz="3600" dirty="0" err="1" smtClean="0"/>
               <a:t>Radiosondenaufstiegs</a:t>
             </a:r>
             <a:r>
-              <a:rPr lang="de-DE" sz="4000" dirty="0" smtClean="0"/>
+              <a:rPr lang="de-DE" sz="3600" dirty="0" smtClean="0"/>
               <a:t> (ca. 2-3 Minuten) wurde ein Ensemble von 30 </a:t>
             </a:r>
             <a:r>
-              <a:rPr lang="de-DE" sz="4000" dirty="0" err="1" smtClean="0"/>
+              <a:rPr lang="de-DE" sz="3600" dirty="0" err="1" smtClean="0"/>
               <a:t>Radiosondenaufstiegen</a:t>
             </a:r>
             <a:r>
-              <a:rPr lang="de-DE" sz="4000" dirty="0" smtClean="0"/>
+              <a:rPr lang="de-DE" sz="3600" dirty="0" smtClean="0"/>
               <a:t> simuliert. Anhand dieses Ensembles lässt sich bestimmen, wie stark Temperatur und Feuchte während des </a:t>
             </a:r>
             <a:r>
-              <a:rPr lang="de-DE" sz="4000" dirty="0" err="1" smtClean="0"/>
+              <a:rPr lang="de-DE" sz="3600" dirty="0" err="1" smtClean="0"/>
               <a:t>Sondenaufstieges</a:t>
             </a:r>
             <a:r>
-              <a:rPr lang="de-DE" sz="4000" dirty="0" smtClean="0"/>
+              <a:rPr lang="de-DE" sz="3600" dirty="0" smtClean="0"/>
               <a:t> variieren.</a:t>
             </a:r>
           </a:p>
@@ -4044,8 +3792,8 @@
         </p:nvSpPr>
         <p:spPr>
           <a:xfrm>
-            <a:off x="15510871" y="19811784"/>
-            <a:ext cx="11425864" cy="5232202"/>
+            <a:off x="15510870" y="20342432"/>
+            <a:ext cx="12012111" cy="7632859"/>
           </a:xfrm>
           <a:prstGeom prst="rect">
             <a:avLst/>
@@ -4075,13 +3823,48 @@
           <a:p>
             <a:pPr algn="just"/>
             <a:r>
-              <a:rPr lang="de-DE" sz="4000" dirty="0" smtClean="0"/>
-              <a:t>Das gemessene Temperatur- und Feuchteprofil der Radiosonde deckt sich größtenteils mit den simulierten Ensembles (Abb. 1). Die Temperatur variiert im Messzeitraum um bis zu 1 K, meist jedoch unter 0,5 K</a:t>
-            </a:r>
-            <a:r>
-              <a:rPr lang="de-DE" sz="4000" dirty="0" smtClean="0"/>
-              <a:t>. Die relative Feuchte variiert stärker, um bis zu 10 %.</a:t>
-            </a:r>
+              <a:rPr lang="de-DE" sz="3600" dirty="0" smtClean="0"/>
+              <a:t>Das gemessene Temperatur- und Feuchteprofil der Radiosonde deckt sich größtenteils mit den simulierten Ensembles (Abb. 1</a:t>
+            </a:r>
+            <a:r>
+              <a:rPr lang="de-DE" sz="3600" dirty="0" smtClean="0"/>
+              <a:t>). In etwa 400 m Höhe befindet sich die Oberkante einer Grenzschicht, die besonders am starken Gradienten der relativen Feuchte zu erkennen ist. </a:t>
+            </a:r>
+          </a:p>
+          <a:p>
+            <a:pPr algn="just"/>
+            <a:r>
+              <a:rPr lang="de-DE" sz="3600" dirty="0" smtClean="0"/>
+              <a:t>Die </a:t>
+            </a:r>
+            <a:r>
+              <a:rPr lang="de-DE" sz="3600" dirty="0" smtClean="0"/>
+              <a:t>Temperatur variiert im Messzeitraum um bis zu 1 K, meist jedoch unter 0,5 K</a:t>
+            </a:r>
+            <a:r>
+              <a:rPr lang="de-DE" sz="3600" dirty="0" smtClean="0"/>
+              <a:t>. Die relative Feuchte variiert stärker, meist 3 </a:t>
+            </a:r>
+            <a:r>
+              <a:rPr lang="de-DE" sz="3600" dirty="0"/>
+              <a:t>-</a:t>
+            </a:r>
+            <a:r>
+              <a:rPr lang="de-DE" sz="3600" dirty="0" smtClean="0"/>
+              <a:t> </a:t>
+            </a:r>
+            <a:r>
+              <a:rPr lang="de-DE" sz="3600" dirty="0" smtClean="0"/>
+              <a:t>5 %. An der Oberkante der Grenzschicht variiert die Feuchte bis zu 10 %. </a:t>
+            </a:r>
+          </a:p>
+          <a:p>
+            <a:pPr algn="just"/>
+            <a:endParaRPr lang="de-DE" sz="3600" dirty="0" smtClean="0"/>
+          </a:p>
+          <a:p>
+            <a:pPr algn="just"/>
+            <a:endParaRPr lang="de-DE" sz="3600" dirty="0" smtClean="0"/>
           </a:p>
           <a:p>
             <a:pPr algn="just"/>
@@ -4101,7 +3884,7 @@
         </p:nvSpPr>
         <p:spPr bwMode="auto">
           <a:xfrm>
-            <a:off x="1220434" y="31377268"/>
+            <a:off x="1130049" y="31925640"/>
             <a:ext cx="26896987" cy="3135632"/>
           </a:xfrm>
           <a:prstGeom prst="rect">
@@ -4175,41 +3958,217 @@
           <a:p>
             <a:pPr algn="just"/>
             <a:r>
-              <a:rPr lang="de-DE" sz="4000" dirty="0" smtClean="0">
+              <a:rPr lang="de-DE" sz="3600" dirty="0" smtClean="0">
                 <a:ea typeface="ＭＳ Ｐゴシック" pitchFamily="124" charset="-128"/>
               </a:rPr>
               <a:t>Die Temperatur</a:t>
             </a:r>
             <a:r>
-              <a:rPr lang="de-DE" sz="4000" dirty="0">
+              <a:rPr lang="de-DE" sz="3600" dirty="0">
                 <a:ea typeface="ＭＳ Ｐゴシック" pitchFamily="124" charset="-128"/>
               </a:rPr>
               <a:t> variiert </a:t>
             </a:r>
             <a:r>
-              <a:rPr lang="de-DE" sz="4000" dirty="0" smtClean="0">
+              <a:rPr lang="de-DE" sz="3600" dirty="0" smtClean="0">
                 <a:ea typeface="ＭＳ Ｐゴシック" pitchFamily="124" charset="-128"/>
               </a:rPr>
               <a:t> binnen eines </a:t>
             </a:r>
             <a:r>
-              <a:rPr lang="de-DE" sz="4000" dirty="0" err="1" smtClean="0">
+              <a:rPr lang="de-DE" sz="3600" dirty="0" err="1" smtClean="0">
                 <a:ea typeface="ＭＳ Ｐゴシック" pitchFamily="124" charset="-128"/>
               </a:rPr>
               <a:t>Radiosondenaufstiegs</a:t>
             </a:r>
             <a:r>
-              <a:rPr lang="de-DE" sz="4000" dirty="0" smtClean="0">
+              <a:rPr lang="de-DE" sz="3600" dirty="0" smtClean="0">
                 <a:ea typeface="ＭＳ Ｐゴシック" pitchFamily="124" charset="-128"/>
               </a:rPr>
               <a:t> nur geringfügig, während die Feuchte um bis zu 5 % vom mittleren Zustand der Grenzschicht abweichen kann.</a:t>
             </a:r>
-            <a:endParaRPr lang="de-DE" sz="4000" dirty="0" smtClean="0">
+            <a:endParaRPr lang="de-DE" sz="3600" dirty="0" smtClean="0">
               <a:ea typeface="ＭＳ Ｐゴシック" pitchFamily="124" charset="-128"/>
             </a:endParaRPr>
           </a:p>
         </p:txBody>
       </p:sp>
+      <p:sp>
+        <p:nvSpPr>
+          <p:cNvPr id="35" name="Rechteck 34"/>
+          <p:cNvSpPr/>
+          <p:nvPr/>
+        </p:nvSpPr>
+        <p:spPr bwMode="auto">
+          <a:xfrm>
+            <a:off x="1220434" y="7047886"/>
+            <a:ext cx="26302547" cy="4011384"/>
+          </a:xfrm>
+          <a:prstGeom prst="rect">
+            <a:avLst/>
+          </a:prstGeom>
+          <a:solidFill>
+            <a:schemeClr val="bg1"/>
+          </a:solidFill>
+          <a:ln>
+            <a:noFill/>
+          </a:ln>
+          <a:effectLst/>
+          <a:extLst/>
+        </p:spPr>
+        <p:txBody>
+          <a:bodyPr vert="horz" wrap="square" lIns="90000" tIns="46800" rIns="90000" bIns="46800" numCol="1" rtlCol="0" anchor="t" anchorCtr="0" compatLnSpc="1">
+            <a:prstTxWarp prst="textNoShape">
+              <a:avLst/>
+            </a:prstTxWarp>
+          </a:bodyPr>
+          <a:lstStyle/>
+          <a:p>
+            <a:pPr marL="0" marR="0" indent="0" algn="l" defTabSz="914400" rtl="0" eaLnBrk="0" fontAlgn="base" latinLnBrk="0" hangingPunct="0">
+              <a:lnSpc>
+                <a:spcPct val="100000"/>
+              </a:lnSpc>
+              <a:spcBef>
+                <a:spcPct val="0"/>
+              </a:spcBef>
+              <a:spcAft>
+                <a:spcPct val="0"/>
+              </a:spcAft>
+              <a:buClrTx/>
+              <a:buSzTx/>
+              <a:buFontTx/>
+              <a:buNone/>
+              <a:tabLst/>
+            </a:pPr>
+            <a:r>
+              <a:rPr kumimoji="0" lang="de-DE" sz="5400" b="1" i="0" u="none" strike="noStrike" cap="none" normalizeH="0" baseline="0" dirty="0" smtClean="0">
+                <a:ln>
+                  <a:noFill/>
+                </a:ln>
+                <a:solidFill>
+                  <a:srgbClr val="CB1028"/>
+                </a:solidFill>
+                <a:effectLst/>
+                <a:latin typeface="Arial" charset="0"/>
+                <a:ea typeface="ＭＳ Ｐゴシック" pitchFamily="124" charset="-128"/>
+              </a:rPr>
+              <a:t>Motivation</a:t>
+            </a:r>
+            <a:endParaRPr kumimoji="0" lang="de-DE" sz="5400" b="1" i="0" u="none" strike="noStrike" cap="none" normalizeH="0" baseline="0" dirty="0" smtClean="0">
+              <a:ln>
+                <a:noFill/>
+              </a:ln>
+              <a:solidFill>
+                <a:srgbClr val="CB1028"/>
+              </a:solidFill>
+              <a:effectLst/>
+              <a:latin typeface="Arial" charset="0"/>
+              <a:ea typeface="ＭＳ Ｐゴシック" pitchFamily="124" charset="-128"/>
+            </a:endParaRPr>
+          </a:p>
+          <a:p>
+            <a:pPr marL="0" marR="0" indent="0" algn="just" defTabSz="914400" rtl="0" eaLnBrk="0" fontAlgn="base" latinLnBrk="0" hangingPunct="0">
+              <a:lnSpc>
+                <a:spcPct val="100000"/>
+              </a:lnSpc>
+              <a:spcBef>
+                <a:spcPct val="0"/>
+              </a:spcBef>
+              <a:spcAft>
+                <a:spcPct val="0"/>
+              </a:spcAft>
+              <a:buClrTx/>
+              <a:buSzTx/>
+              <a:buFontTx/>
+              <a:buNone/>
+              <a:tabLst/>
+            </a:pPr>
+            <a:r>
+              <a:rPr kumimoji="0" lang="de-DE" sz="3600" b="0" i="1" u="none" strike="noStrike" cap="none" normalizeH="0" baseline="0" dirty="0" smtClean="0">
+                <a:ln>
+                  <a:noFill/>
+                </a:ln>
+                <a:solidFill>
+                  <a:srgbClr val="000000"/>
+                </a:solidFill>
+                <a:effectLst/>
+                <a:ea typeface="ＭＳ Ｐゴシック" pitchFamily="124" charset="-128"/>
+              </a:rPr>
+              <a:t>Für Profilmessungen der Grenzschicht werden oft</a:t>
+            </a:r>
+            <a:r>
+              <a:rPr kumimoji="0" lang="de-DE" sz="3600" b="0" i="1" u="none" strike="noStrike" cap="none" normalizeH="0" dirty="0" smtClean="0">
+                <a:ln>
+                  <a:noFill/>
+                </a:ln>
+                <a:solidFill>
+                  <a:srgbClr val="000000"/>
+                </a:solidFill>
+                <a:effectLst/>
+                <a:ea typeface="ＭＳ Ｐゴシック" pitchFamily="124" charset="-128"/>
+              </a:rPr>
+              <a:t> Ballonaufstiege durchgeführt.</a:t>
+            </a:r>
+            <a:r>
+              <a:rPr lang="de-DE" sz="3600" i="1" dirty="0" smtClean="0">
+                <a:ea typeface="ＭＳ Ｐゴシック" pitchFamily="124" charset="-128"/>
+              </a:rPr>
+              <a:t> Da die Grenzschicht zeitlich und räumlich stark variabel ist, ist ein Einzelaufstieg meist nicht repräsentativ für den mittleren Zustand der Grenzschicht. </a:t>
+            </a:r>
+            <a:r>
+              <a:rPr lang="de-DE" sz="3600" i="1" dirty="0" smtClean="0">
+                <a:ea typeface="ＭＳ Ｐゴシック" pitchFamily="124" charset="-128"/>
+              </a:rPr>
+              <a:t>Aber wie gut repräsentiert ein einzelner Aufstieg den </a:t>
+            </a:r>
+            <a:r>
+              <a:rPr lang="de-DE" sz="3600" i="1" dirty="0" err="1" smtClean="0">
+                <a:ea typeface="ＭＳ Ｐゴシック" pitchFamily="124" charset="-128"/>
+              </a:rPr>
+              <a:t>instantanen</a:t>
+            </a:r>
+            <a:r>
+              <a:rPr lang="de-DE" sz="3600" i="1" dirty="0" smtClean="0">
+                <a:ea typeface="ＭＳ Ｐゴシック" pitchFamily="124" charset="-128"/>
+              </a:rPr>
+              <a:t> Zustand der Grenzschicht? Wieviel Fehler entsteht dadurch, dass der Sensor nicht an einem Zeitpunkt die ganze Grenzschicht misst? Mit den kontinuierlichen Messungen der ALPACAS lassen sich diese Fragen beantworten.</a:t>
+            </a:r>
+            <a:endParaRPr lang="de-DE" sz="3600" i="1" dirty="0" smtClean="0">
+              <a:ea typeface="ＭＳ Ｐゴシック" pitchFamily="124" charset="-128"/>
+            </a:endParaRPr>
+          </a:p>
+        </p:txBody>
+      </p:sp>
+      <p:pic>
+        <p:nvPicPr>
+          <p:cNvPr id="7" name="Bild 6"/>
+          <p:cNvPicPr>
+            <a:picLocks noChangeAspect="1"/>
+          </p:cNvPicPr>
+          <p:nvPr/>
+        </p:nvPicPr>
+        <p:blipFill>
+          <a:blip r:embed="rId8">
+            <a:extLst>
+              <a:ext uri="{28A0092B-C50C-407E-A947-70E740481C1C}">
+                <a14:useLocalDpi xmlns:a14="http://schemas.microsoft.com/office/drawing/2010/main" val="0"/>
+              </a:ext>
+            </a:extLst>
+          </a:blip>
+          <a:stretch>
+            <a:fillRect/>
+          </a:stretch>
+        </p:blipFill>
+        <p:spPr>
+          <a:xfrm>
+            <a:off x="1745262" y="20244600"/>
+            <a:ext cx="12994866" cy="9096406"/>
+          </a:xfrm>
+          <a:prstGeom prst="rect">
+            <a:avLst/>
+          </a:prstGeom>
+        </p:spPr>
+      </p:pic>
     </p:spTree>
   </p:cSld>
   <p:clrMapOvr>

--- a/poster/lex2018_poster_Profilensembles.pptx
+++ b/poster/lex2018_poster_Profilensembles.pptx
@@ -295,7 +295,7 @@
               <a:pPr>
                 <a:defRPr/>
               </a:pPr>
-              <a:t>11.09.18</a:t>
+              <a:t>14.09.18</a:t>
             </a:fld>
             <a:endParaRPr lang="de-DE"/>
           </a:p>
@@ -1892,6 +1892,36 @@
       </p:grpSpPr>
       <p:pic>
         <p:nvPicPr>
+          <p:cNvPr id="15" name="Bild 14"/>
+          <p:cNvPicPr>
+            <a:picLocks noChangeAspect="1"/>
+          </p:cNvPicPr>
+          <p:nvPr/>
+        </p:nvPicPr>
+        <p:blipFill>
+          <a:blip r:embed="rId3">
+            <a:extLst>
+              <a:ext uri="{28A0092B-C50C-407E-A947-70E740481C1C}">
+                <a14:useLocalDpi xmlns:a14="http://schemas.microsoft.com/office/drawing/2010/main" val="0"/>
+              </a:ext>
+            </a:extLst>
+          </a:blip>
+          <a:stretch>
+            <a:fillRect/>
+          </a:stretch>
+        </p:blipFill>
+        <p:spPr>
+          <a:xfrm>
+            <a:off x="1130049" y="19999701"/>
+            <a:ext cx="13732609" cy="9612826"/>
+          </a:xfrm>
+          <a:prstGeom prst="rect">
+            <a:avLst/>
+          </a:prstGeom>
+        </p:spPr>
+      </p:pic>
+      <p:pic>
+        <p:nvPicPr>
           <p:cNvPr id="5" name="Bild 4"/>
           <p:cNvPicPr>
             <a:picLocks noChangeAspect="1"/>
@@ -1899,7 +1929,7 @@
           <p:nvPr/>
         </p:nvPicPr>
         <p:blipFill rotWithShape="1">
-          <a:blip r:embed="rId3">
+          <a:blip r:embed="rId4">
             <a:extLst>
               <a:ext uri="{28A0092B-C50C-407E-A947-70E740481C1C}">
                 <a14:useLocalDpi xmlns:a14="http://schemas.microsoft.com/office/drawing/2010/main" val="0"/>
@@ -1928,7 +1958,7 @@
           <p:nvPr/>
         </p:nvPicPr>
         <p:blipFill rotWithShape="1">
-          <a:blip r:embed="rId3">
+          <a:blip r:embed="rId4">
             <a:extLst>
               <a:ext uri="{28A0092B-C50C-407E-A947-70E740481C1C}">
                 <a14:useLocalDpi xmlns:a14="http://schemas.microsoft.com/office/drawing/2010/main" val="0"/>
@@ -2111,7 +2141,15 @@
             </a:r>
             <a:r>
               <a:rPr lang="de-DE" sz="2400" i="1" dirty="0" smtClean="0"/>
-              <a:t>Temperatur. (links) und Feuchteprofil einer Radiosonde (rot) und 30 simulierten Einzelprofilen der ALPACAS (hellblau) sowie deren zeitliches Mittel (schwarz). Alle Profile stammen vom 29.8.2018 aus der Zeit zwischen 12:59 und 13:02 Uhr.</a:t>
+              <a:t>Temperatur. (links) und Feuchteprofil einer Radiosonde (rot) und 30 simulierten Einzelprofilen der ALPACAS </a:t>
+            </a:r>
+            <a:r>
+              <a:rPr lang="de-DE" sz="2400" i="1" dirty="0" smtClean="0"/>
+              <a:t>(farbig) </a:t>
+            </a:r>
+            <a:r>
+              <a:rPr lang="de-DE" sz="2400" i="1" dirty="0" smtClean="0"/>
+              <a:t>sowie deren zeitliches Mittel (schwarz). Alle Profile stammen vom 29.8.2018 aus der Zeit zwischen 12:59 Uhr  und 13:02 Uhr.</a:t>
             </a:r>
             <a:endParaRPr lang="de-DE" sz="2400" i="1" dirty="0"/>
           </a:p>
@@ -2187,7 +2225,7 @@
           <p:nvPr/>
         </p:nvPicPr>
         <p:blipFill>
-          <a:blip r:embed="rId4"/>
+          <a:blip r:embed="rId5"/>
           <a:stretch>
             <a:fillRect/>
           </a:stretch>
@@ -2211,7 +2249,7 @@
           <p:nvPr/>
         </p:nvPicPr>
         <p:blipFill>
-          <a:blip r:embed="rId5"/>
+          <a:blip r:embed="rId6"/>
           <a:stretch>
             <a:fillRect/>
           </a:stretch>
@@ -3168,7 +3206,7 @@
           <p:nvPr/>
         </p:nvPicPr>
         <p:blipFill>
-          <a:blip r:embed="rId6" cstate="email">
+          <a:blip r:embed="rId7" cstate="email">
             <a:extLst>
               <a:ext uri="{28A0092B-C50C-407E-A947-70E740481C1C}">
                 <a14:useLocalDpi xmlns:a14="http://schemas.microsoft.com/office/drawing/2010/main" val="0"/>
@@ -3198,7 +3236,7 @@
           <p:nvPr/>
         </p:nvPicPr>
         <p:blipFill>
-          <a:blip r:embed="rId7" cstate="email">
+          <a:blip r:embed="rId8" cstate="email">
             <a:extLst>
               <a:ext uri="{28A0092B-C50C-407E-A947-70E740481C1C}">
                 <a14:useLocalDpi xmlns:a14="http://schemas.microsoft.com/office/drawing/2010/main" val="0"/>
@@ -3336,7 +3374,7 @@
         <p:spPr>
           <a:xfrm>
             <a:off x="19443809" y="15202336"/>
-            <a:ext cx="1599270" cy="492443"/>
+            <a:ext cx="1860314" cy="646331"/>
           </a:xfrm>
           <a:prstGeom prst="rect">
             <a:avLst/>
@@ -3350,10 +3388,10 @@
           <a:lstStyle/>
           <a:p>
             <a:r>
-              <a:rPr lang="de-DE" dirty="0" err="1" smtClean="0"/>
+              <a:rPr lang="de-DE" sz="3600" dirty="0" err="1" smtClean="0"/>
               <a:t>Helikite</a:t>
             </a:r>
-            <a:endParaRPr lang="de-DE" dirty="0"/>
+            <a:endParaRPr lang="de-DE" sz="3600" dirty="0"/>
           </a:p>
         </p:txBody>
       </p:sp>
@@ -3365,8 +3403,8 @@
         </p:nvSpPr>
         <p:spPr>
           <a:xfrm>
-            <a:off x="24018102" y="15731355"/>
-            <a:ext cx="2461897" cy="492443"/>
+            <a:off x="23850574" y="15825948"/>
+            <a:ext cx="2629425" cy="646331"/>
           </a:xfrm>
           <a:prstGeom prst="rect">
             <a:avLst/>
@@ -3380,7 +3418,7 @@
           <a:lstStyle/>
           <a:p>
             <a:r>
-              <a:rPr lang="de-DE" dirty="0" smtClean="0"/>
+              <a:rPr lang="de-DE" sz="3600" dirty="0" smtClean="0"/>
               <a:t>Radiosonde</a:t>
             </a:r>
             <a:endParaRPr lang="de-DE" dirty="0"/>
@@ -3396,7 +3434,7 @@
         <p:spPr bwMode="auto">
           <a:xfrm>
             <a:off x="1220434" y="11362352"/>
-            <a:ext cx="26711150" cy="8138906"/>
+            <a:ext cx="27374834" cy="8138906"/>
           </a:xfrm>
           <a:prstGeom prst="rect">
             <a:avLst/>
@@ -3478,7 +3516,7 @@
         <p:spPr bwMode="auto">
           <a:xfrm>
             <a:off x="1220434" y="19804340"/>
-            <a:ext cx="26806603" cy="11649399"/>
+            <a:ext cx="27374834" cy="11649399"/>
           </a:xfrm>
           <a:prstGeom prst="rect">
             <a:avLst/>
@@ -3666,13 +3704,7 @@
               <a:rPr lang="de-DE" sz="4000" dirty="0" smtClean="0">
                 <a:ea typeface="ＭＳ Ｐゴシック" pitchFamily="124" charset="-128"/>
               </a:rPr>
-              <a:t> Da die Grenzschicht zeitlich und räumlich stark variabel ist, ist ein Einzelaufstieg meist nicht repräsentativ für den mittleren Zustand der Grenzschicht. </a:t>
-            </a:r>
-            <a:r>
-              <a:rPr lang="de-DE" sz="4000" dirty="0" smtClean="0">
-                <a:ea typeface="ＭＳ Ｐゴシック" pitchFamily="124" charset="-128"/>
-              </a:rPr>
-              <a:t>Aber wie gut repräsentiert ein Einzelaufstieg den </a:t>
+              <a:t> Da die Grenzschicht zeitlich und räumlich stark variabel ist, ist ein Einzelaufstieg meist nicht repräsentativ für den mittleren Zustand der Grenzschicht. Aber wie gut repräsentiert ein Einzelaufstieg den </a:t>
             </a:r>
             <a:r>
               <a:rPr lang="de-DE" sz="4000" dirty="0" err="1" smtClean="0">
@@ -3686,9 +3718,6 @@
               </a:rPr>
               <a:t> Zustand der Grenzschicht? Wie groß sind die </a:t>
             </a:r>
-            <a:endParaRPr lang="de-DE" sz="4000" dirty="0" smtClean="0">
-              <a:ea typeface="ＭＳ Ｐゴシック" pitchFamily="124" charset="-128"/>
-            </a:endParaRPr>
           </a:p>
         </p:txBody>
       </p:sp>
@@ -3727,19 +3756,7 @@
             <a:pPr algn="just"/>
             <a:r>
               <a:rPr lang="de-DE" sz="3600" dirty="0" smtClean="0"/>
-              <a:t>Zur Einschätzung der Variabilität </a:t>
-            </a:r>
-            <a:r>
-              <a:rPr lang="de-DE" sz="3600" dirty="0" smtClean="0"/>
-              <a:t>der Grenzschicht während eines Aufstieges wurde eine Messung einer Radiosonde mit gleichzeitigen kontinuierlichen Messungen der Grenzschicht verglichen. Die Messungen wurden am 29.8.2018 in Marienleuchte durchgeführt. </a:t>
-            </a:r>
-            <a:r>
-              <a:rPr lang="de-DE" sz="3600" dirty="0" smtClean="0"/>
-              <a:t>Um </a:t>
-            </a:r>
-            <a:r>
-              <a:rPr lang="de-DE" sz="3600" dirty="0" smtClean="0"/>
-              <a:t>die Temperatur und Feuchte in der Grenzschicht kontinuierlich zu messen, wurden elf ALPACAs an der Leine eines </a:t>
+              <a:t>Zur Einschätzung der Variabilität der Grenzschicht während eines Aufstieges wurde eine Messung einer Radiosonde mit gleichzeitigen kontinuierlichen Messungen der Grenzschicht verglichen. Die Messungen wurden am 29.8.2018 in Marienleuchte durchgeführt. Um die Temperatur und Feuchte in der Grenzschicht kontinuierlich zu messen, wurden elf ALPACAs an der Leine eines </a:t>
             </a:r>
             <a:r>
               <a:rPr lang="de-DE" sz="3600" dirty="0" err="1" smtClean="0"/>
@@ -3763,23 +3780,43 @@
             </a:r>
             <a:r>
               <a:rPr lang="de-DE" sz="3600" dirty="0" smtClean="0"/>
-              <a:t> (ca. 2-3 Minuten) wurde ein Ensemble von 30 </a:t>
+              <a:t> (ca. 2-3 Minuten) wurde ein Ensemble von </a:t>
+            </a:r>
+            <a:r>
+              <a:rPr lang="de-DE" sz="3600" dirty="0" smtClean="0"/>
+              <a:t>30 </a:t>
             </a:r>
             <a:r>
               <a:rPr lang="de-DE" sz="3600" dirty="0" err="1" smtClean="0"/>
-              <a:t>Radiosondenaufstiegen</a:t>
+              <a:t>instantanen</a:t>
             </a:r>
             <a:r>
               <a:rPr lang="de-DE" sz="3600" dirty="0" smtClean="0"/>
-              <a:t> simuliert. Anhand dieses Ensembles lässt sich bestimmen, wie stark Temperatur und Feuchte während des </a:t>
+              <a:t> </a:t>
+            </a:r>
+            <a:r>
+              <a:rPr lang="de-DE" sz="3600" dirty="0" smtClean="0"/>
+              <a:t>Einzelprofilen </a:t>
+            </a:r>
+            <a:r>
+              <a:rPr lang="de-DE" sz="3600" dirty="0" smtClean="0"/>
+              <a:t>simuliert</a:t>
+            </a:r>
+            <a:r>
+              <a:rPr lang="de-DE" sz="3600" dirty="0" smtClean="0"/>
+              <a:t>. Anhand dieses Ensembles lässt sich bestimmen, wie stark Temperatur und Feuchte während des </a:t>
             </a:r>
             <a:r>
               <a:rPr lang="de-DE" sz="3600" dirty="0" err="1" smtClean="0"/>
-              <a:t>Sondenaufstieges</a:t>
+              <a:t>Radiosondenaufstieges</a:t>
             </a:r>
             <a:r>
               <a:rPr lang="de-DE" sz="3600" dirty="0" smtClean="0"/>
-              <a:t> variieren.</a:t>
+              <a:t> variieren</a:t>
+            </a:r>
+            <a:r>
+              <a:rPr lang="de-DE" sz="3600" dirty="0" smtClean="0"/>
+              <a:t>.</a:t>
             </a:r>
           </a:p>
         </p:txBody>
@@ -3792,8 +3829,8 @@
         </p:nvSpPr>
         <p:spPr>
           <a:xfrm>
-            <a:off x="15510870" y="20342432"/>
-            <a:ext cx="12012111" cy="7632859"/>
+            <a:off x="14953044" y="20357754"/>
+            <a:ext cx="12809156" cy="11510843"/>
           </a:xfrm>
           <a:prstGeom prst="rect">
             <a:avLst/>
@@ -3814,36 +3851,29 @@
               </a:rPr>
               <a:t>Ergebnis</a:t>
             </a:r>
-            <a:endParaRPr lang="de-DE" sz="5400" b="1" dirty="0" smtClean="0">
-              <a:solidFill>
-                <a:srgbClr val="CB1028"/>
-              </a:solidFill>
-            </a:endParaRPr>
           </a:p>
           <a:p>
-            <a:pPr algn="just"/>
+            <a:pPr marL="571500" indent="-571500" algn="just">
+              <a:buFont typeface="Arial" charset="0"/>
+              <a:buChar char="•"/>
+            </a:pPr>
             <a:r>
               <a:rPr lang="de-DE" sz="3600" dirty="0" smtClean="0"/>
-              <a:t>Das gemessene Temperatur- und Feuchteprofil der Radiosonde deckt sich größtenteils mit den simulierten Ensembles (Abb. 1</a:t>
+              <a:t>Das </a:t>
             </a:r>
             <a:r>
               <a:rPr lang="de-DE" sz="3600" dirty="0" smtClean="0"/>
-              <a:t>). In etwa 400 m Höhe befindet sich die Oberkante einer Grenzschicht, die besonders am starken Gradienten der relativen Feuchte zu erkennen ist. </a:t>
+              <a:t>gemessene Temperatur- und Feuchteprofil der Radiosonde deckt sich größtenteils mit den simulierten Ensembles (Abb. 1). In etwa 400 m Höhe befindet sich die Oberkante einer Grenzschicht, die besonders am starken Gradienten der relativen Feuchte zu erkennen ist. </a:t>
             </a:r>
           </a:p>
           <a:p>
-            <a:pPr algn="just"/>
+            <a:pPr marL="571500" indent="-571500" algn="just">
+              <a:buFont typeface="Arial" charset="0"/>
+              <a:buChar char="•"/>
+            </a:pPr>
             <a:r>
               <a:rPr lang="de-DE" sz="3600" dirty="0" smtClean="0"/>
-              <a:t>Die </a:t>
-            </a:r>
-            <a:r>
-              <a:rPr lang="de-DE" sz="3600" dirty="0" smtClean="0"/>
-              <a:t>Temperatur variiert im Messzeitraum um bis zu 1 K, meist jedoch unter 0,5 K</a:t>
-            </a:r>
-            <a:r>
-              <a:rPr lang="de-DE" sz="3600" dirty="0" smtClean="0"/>
-              <a:t>. Die relative Feuchte variiert stärker, meist 3 </a:t>
+              <a:t>Die Temperatur variiert im Messzeitraum um bis zu 1 K, meist jedoch unter 0,5 K. Die relative Feuchte variiert stärker, meist 3 </a:t>
             </a:r>
             <a:r>
               <a:rPr lang="de-DE" sz="3600" dirty="0"/>
@@ -3851,12 +3881,23 @@
             </a:r>
             <a:r>
               <a:rPr lang="de-DE" sz="3600" dirty="0" smtClean="0"/>
-              <a:t> </a:t>
+              <a:t> 5 %. An der Oberkante der Grenzschicht variiert die Feuchte bis zu 10 </a:t>
             </a:r>
             <a:r>
               <a:rPr lang="de-DE" sz="3600" dirty="0" smtClean="0"/>
-              <a:t>5 %. An der Oberkante der Grenzschicht variiert die Feuchte bis zu 10 %. </a:t>
-            </a:r>
+              <a:t>%, da die Höhe der Oberkante innerhalb der Zeit stark schwankt.</a:t>
+            </a:r>
+          </a:p>
+          <a:p>
+            <a:pPr marL="571500" indent="-571500" algn="just">
+              <a:buFont typeface="Arial" charset="0"/>
+              <a:buChar char="•"/>
+            </a:pPr>
+            <a:r>
+              <a:rPr lang="de-DE" sz="3600" dirty="0" smtClean="0"/>
+              <a:t>Im unteren Bereich ähneln die Werte der Radiosonde den Einzelprofilen am Anfang des Aufstieges, und im  oberen Bereich denen am Ende des Aufstieges. Das Einzelprofil der Radiosonde setzt sich also aus verschiedenen Zuständen der Grenzschicht zusammen, die sich im oberen Bereich erheblich unterscheiden  </a:t>
+            </a:r>
+            <a:endParaRPr lang="de-DE" sz="3600" dirty="0" smtClean="0"/>
           </a:p>
           <a:p>
             <a:pPr algn="just"/>
@@ -3872,7 +3913,6 @@
               <a:rPr lang="de-DE" sz="4000" dirty="0" smtClean="0"/>
               <a:t> </a:t>
             </a:r>
-            <a:endParaRPr lang="de-DE" sz="4000" dirty="0" smtClean="0"/>
           </a:p>
         </p:txBody>
       </p:sp>
@@ -3885,7 +3925,7 @@
         <p:spPr bwMode="auto">
           <a:xfrm>
             <a:off x="1130049" y="31925640"/>
-            <a:ext cx="26896987" cy="3135632"/>
+            <a:ext cx="27465219" cy="3135632"/>
           </a:xfrm>
           <a:prstGeom prst="rect">
             <a:avLst/>
@@ -3943,17 +3983,6 @@
               </a:rPr>
               <a:t>Fazit</a:t>
             </a:r>
-            <a:endParaRPr kumimoji="0" lang="de-DE" sz="5400" b="1" i="0" u="none" strike="noStrike" cap="none" normalizeH="0" baseline="0" dirty="0" smtClean="0">
-              <a:ln>
-                <a:noFill/>
-              </a:ln>
-              <a:solidFill>
-                <a:srgbClr val="CB1028"/>
-              </a:solidFill>
-              <a:effectLst/>
-              <a:latin typeface="Arial" charset="0"/>
-              <a:ea typeface="ＭＳ Ｐゴシック" pitchFamily="124" charset="-128"/>
-            </a:endParaRPr>
           </a:p>
           <a:p>
             <a:pPr algn="just"/>
@@ -3985,11 +4014,8 @@
               <a:rPr lang="de-DE" sz="3600" dirty="0" smtClean="0">
                 <a:ea typeface="ＭＳ Ｐゴシック" pitchFamily="124" charset="-128"/>
               </a:rPr>
-              <a:t> nur geringfügig, während die Feuchte um bis zu 5 % vom mittleren Zustand der Grenzschicht abweichen kann.</a:t>
-            </a:r>
-            <a:endParaRPr lang="de-DE" sz="3600" dirty="0" smtClean="0">
-              <a:ea typeface="ＭＳ Ｐゴシック" pitchFamily="124" charset="-128"/>
-            </a:endParaRPr>
+              <a:t> nur geringfügig, während die Feuchte um bis zu 5 % vom mittleren Zustand der Grenzschicht abweichen kann!!!!!!1111ELF</a:t>
+            </a:r>
           </a:p>
         </p:txBody>
       </p:sp>
@@ -4054,17 +4080,6 @@
               </a:rPr>
               <a:t>Motivation</a:t>
             </a:r>
-            <a:endParaRPr kumimoji="0" lang="de-DE" sz="5400" b="1" i="0" u="none" strike="noStrike" cap="none" normalizeH="0" baseline="0" dirty="0" smtClean="0">
-              <a:ln>
-                <a:noFill/>
-              </a:ln>
-              <a:solidFill>
-                <a:srgbClr val="CB1028"/>
-              </a:solidFill>
-              <a:effectLst/>
-              <a:latin typeface="Arial" charset="0"/>
-              <a:ea typeface="ＭＳ Ｐゴシック" pitchFamily="124" charset="-128"/>
-            </a:endParaRPr>
           </a:p>
           <a:p>
             <a:pPr marL="0" marR="0" indent="0" algn="just" defTabSz="914400" rtl="0" eaLnBrk="0" fontAlgn="base" latinLnBrk="0" hangingPunct="0">
@@ -4113,13 +4128,7 @@
               <a:rPr lang="de-DE" sz="3600" i="1" dirty="0" smtClean="0">
                 <a:ea typeface="ＭＳ Ｐゴシック" pitchFamily="124" charset="-128"/>
               </a:rPr>
-              <a:t> Da die Grenzschicht zeitlich und räumlich stark variabel ist, ist ein Einzelaufstieg meist nicht repräsentativ für den mittleren Zustand der Grenzschicht. </a:t>
-            </a:r>
-            <a:r>
-              <a:rPr lang="de-DE" sz="3600" i="1" dirty="0" smtClean="0">
-                <a:ea typeface="ＭＳ Ｐゴシック" pitchFamily="124" charset="-128"/>
-              </a:rPr>
-              <a:t>Aber wie gut repräsentiert ein einzelner Aufstieg den </a:t>
+              <a:t> Da die Grenzschicht zeitlich und räumlich stark variabel ist, ist ein Einzelaufstieg meist nicht repräsentativ für den mittleren Zustand der Grenzschicht. Aber wie gut repräsentiert ein einzelner Aufstieg den </a:t>
             </a:r>
             <a:r>
               <a:rPr lang="de-DE" sz="3600" i="1" dirty="0" err="1" smtClean="0">
@@ -4133,22 +4142,49 @@
               </a:rPr>
               <a:t> Zustand der Grenzschicht? Wieviel Fehler entsteht dadurch, dass der Sensor nicht an einem Zeitpunkt die ganze Grenzschicht misst? Mit den kontinuierlichen Messungen der ALPACAS lassen sich diese Fragen beantworten.</a:t>
             </a:r>
-            <a:endParaRPr lang="de-DE" sz="3600" i="1" dirty="0" smtClean="0">
-              <a:ea typeface="ＭＳ Ｐゴシック" pitchFamily="124" charset="-128"/>
-            </a:endParaRPr>
+          </a:p>
+        </p:txBody>
+      </p:sp>
+      <p:sp>
+        <p:nvSpPr>
+          <p:cNvPr id="9" name="Textfeld 8"/>
+          <p:cNvSpPr txBox="1"/>
+          <p:nvPr/>
+        </p:nvSpPr>
+        <p:spPr>
+          <a:xfrm>
+            <a:off x="21341147" y="17690463"/>
+            <a:ext cx="4177490" cy="646331"/>
+          </a:xfrm>
+          <a:prstGeom prst="rect">
+            <a:avLst/>
+          </a:prstGeom>
+          <a:noFill/>
+        </p:spPr>
+        <p:txBody>
+          <a:bodyPr wrap="none" rtlCol="0">
+            <a:spAutoFit/>
+          </a:bodyPr>
+          <a:lstStyle/>
+          <a:p>
+            <a:r>
+              <a:rPr lang="de-DE" sz="3600" dirty="0" smtClean="0"/>
+              <a:t>Leine mit ALPACAs</a:t>
+            </a:r>
+            <a:endParaRPr lang="de-DE" sz="3600" dirty="0"/>
           </a:p>
         </p:txBody>
       </p:sp>
       <p:pic>
         <p:nvPicPr>
-          <p:cNvPr id="7" name="Bild 6"/>
+          <p:cNvPr id="13" name="Bild 12"/>
           <p:cNvPicPr>
             <a:picLocks noChangeAspect="1"/>
           </p:cNvPicPr>
           <p:nvPr/>
         </p:nvPicPr>
         <p:blipFill>
-          <a:blip r:embed="rId8">
+          <a:blip r:embed="rId9">
             <a:extLst>
               <a:ext uri="{28A0092B-C50C-407E-A947-70E740481C1C}">
                 <a14:useLocalDpi xmlns:a14="http://schemas.microsoft.com/office/drawing/2010/main" val="0"/>
@@ -4161,8 +4197,8 @@
         </p:blipFill>
         <p:spPr>
           <a:xfrm>
-            <a:off x="1745262" y="20244600"/>
-            <a:ext cx="12994866" cy="9096406"/>
+            <a:off x="12163093" y="38195834"/>
+            <a:ext cx="4866749" cy="3650290"/>
           </a:xfrm>
           <a:prstGeom prst="rect">
             <a:avLst/>

--- a/poster/lex2018_poster_Profilensembles.pptx
+++ b/poster/lex2018_poster_Profilensembles.pptx
@@ -4177,7 +4177,7 @@
       </p:sp>
       <p:pic>
         <p:nvPicPr>
-          <p:cNvPr id="13" name="Bild 12"/>
+          <p:cNvPr id="16" name="Bild 15"/>
           <p:cNvPicPr>
             <a:picLocks noChangeAspect="1"/>
           </p:cNvPicPr>
@@ -4197,8 +4197,8 @@
         </p:blipFill>
         <p:spPr>
           <a:xfrm>
-            <a:off x="12163093" y="38195834"/>
-            <a:ext cx="4866749" cy="3650290"/>
+            <a:off x="12905358" y="37544733"/>
+            <a:ext cx="6997768" cy="4673896"/>
           </a:xfrm>
           <a:prstGeom prst="rect">
             <a:avLst/>

--- a/poster/lex2018_poster_Profilensembles.pptx
+++ b/poster/lex2018_poster_Profilensembles.pptx
@@ -295,7 +295,7 @@
               <a:pPr>
                 <a:defRPr/>
               </a:pPr>
-              <a:t>14.09.18</a:t>
+              <a:t>21.09.18</a:t>
             </a:fld>
             <a:endParaRPr lang="de-DE"/>
           </a:p>
@@ -2141,15 +2141,7 @@
             </a:r>
             <a:r>
               <a:rPr lang="de-DE" sz="2400" i="1" dirty="0" smtClean="0"/>
-              <a:t>Temperatur. (links) und Feuchteprofil einer Radiosonde (rot) und 30 simulierten Einzelprofilen der ALPACAS </a:t>
-            </a:r>
-            <a:r>
-              <a:rPr lang="de-DE" sz="2400" i="1" dirty="0" smtClean="0"/>
-              <a:t>(farbig) </a:t>
-            </a:r>
-            <a:r>
-              <a:rPr lang="de-DE" sz="2400" i="1" dirty="0" smtClean="0"/>
-              <a:t>sowie deren zeitliches Mittel (schwarz). Alle Profile stammen vom 29.8.2018 aus der Zeit zwischen 12:59 Uhr  und 13:02 Uhr.</a:t>
+              <a:t>Temperatur. (links) und Feuchteprofil einer Radiosonde (rot) und 30 simulierten Einzelprofilen der ALPACAS (farbig) sowie deren zeitliches Mittel (schwarz). Alle Profile stammen vom 29.8.2018 aus der Zeit zwischen 12:59 Uhr  und 13:02 Uhr.</a:t>
             </a:r>
             <a:endParaRPr lang="de-DE" sz="2400" i="1" dirty="0"/>
           </a:p>
@@ -3780,11 +3772,7 @@
             </a:r>
             <a:r>
               <a:rPr lang="de-DE" sz="3600" dirty="0" smtClean="0"/>
-              <a:t> (ca. 2-3 Minuten) wurde ein Ensemble von </a:t>
-            </a:r>
-            <a:r>
-              <a:rPr lang="de-DE" sz="3600" dirty="0" smtClean="0"/>
-              <a:t>30 </a:t>
+              <a:t> (ca. 2-3 Minuten) wurde ein Ensemble von 30 </a:t>
             </a:r>
             <a:r>
               <a:rPr lang="de-DE" sz="3600" dirty="0" err="1" smtClean="0"/>
@@ -3792,19 +3780,7 @@
             </a:r>
             <a:r>
               <a:rPr lang="de-DE" sz="3600" dirty="0" smtClean="0"/>
-              <a:t> </a:t>
-            </a:r>
-            <a:r>
-              <a:rPr lang="de-DE" sz="3600" dirty="0" smtClean="0"/>
-              <a:t>Einzelprofilen </a:t>
-            </a:r>
-            <a:r>
-              <a:rPr lang="de-DE" sz="3600" dirty="0" smtClean="0"/>
-              <a:t>simuliert</a:t>
-            </a:r>
-            <a:r>
-              <a:rPr lang="de-DE" sz="3600" dirty="0" smtClean="0"/>
-              <a:t>. Anhand dieses Ensembles lässt sich bestimmen, wie stark Temperatur und Feuchte während des </a:t>
+              <a:t> Einzelprofilen simuliert. Anhand dieses Ensembles lässt sich bestimmen, wie stark Temperatur und Feuchte während des </a:t>
             </a:r>
             <a:r>
               <a:rPr lang="de-DE" sz="3600" dirty="0" err="1" smtClean="0"/>
@@ -3812,11 +3788,7 @@
             </a:r>
             <a:r>
               <a:rPr lang="de-DE" sz="3600" dirty="0" smtClean="0"/>
-              <a:t> variieren</a:t>
-            </a:r>
-            <a:r>
-              <a:rPr lang="de-DE" sz="3600" dirty="0" smtClean="0"/>
-              <a:t>.</a:t>
+              <a:t> variieren.</a:t>
             </a:r>
           </a:p>
         </p:txBody>
@@ -3859,11 +3831,7 @@
             </a:pPr>
             <a:r>
               <a:rPr lang="de-DE" sz="3600" dirty="0" smtClean="0"/>
-              <a:t>Das </a:t>
-            </a:r>
-            <a:r>
-              <a:rPr lang="de-DE" sz="3600" dirty="0" smtClean="0"/>
-              <a:t>gemessene Temperatur- und Feuchteprofil der Radiosonde deckt sich größtenteils mit den simulierten Ensembles (Abb. 1). In etwa 400 m Höhe befindet sich die Oberkante einer Grenzschicht, die besonders am starken Gradienten der relativen Feuchte zu erkennen ist. </a:t>
+              <a:t>Das gemessene Temperatur- und Feuchteprofil der Radiosonde deckt sich größtenteils mit den simulierten Ensembles (Abb. 1). In etwa 400 m Höhe befindet sich die Oberkante einer Grenzschicht, die besonders am starken Gradienten der relativen Feuchte zu erkennen ist. </a:t>
             </a:r>
           </a:p>
           <a:p>
@@ -3881,11 +3849,7 @@
             </a:r>
             <a:r>
               <a:rPr lang="de-DE" sz="3600" dirty="0" smtClean="0"/>
-              <a:t> 5 %. An der Oberkante der Grenzschicht variiert die Feuchte bis zu 10 </a:t>
-            </a:r>
-            <a:r>
-              <a:rPr lang="de-DE" sz="3600" dirty="0" smtClean="0"/>
-              <a:t>%, da die Höhe der Oberkante innerhalb der Zeit stark schwankt.</a:t>
+              <a:t> 5 %. An der Oberkante der Grenzschicht variiert die Feuchte bis zu 10 %, da die Höhe der Oberkante innerhalb der Zeit stark schwankt.</a:t>
             </a:r>
           </a:p>
           <a:p>
@@ -3897,7 +3861,6 @@
               <a:rPr lang="de-DE" sz="3600" dirty="0" smtClean="0"/>
               <a:t>Im unteren Bereich ähneln die Werte der Radiosonde den Einzelprofilen am Anfang des Aufstieges, und im  oberen Bereich denen am Ende des Aufstieges. Das Einzelprofil der Radiosonde setzt sich also aus verschiedenen Zuständen der Grenzschicht zusammen, die sich im oberen Bereich erheblich unterscheiden  </a:t>
             </a:r>
-            <a:endParaRPr lang="de-DE" sz="3600" dirty="0" smtClean="0"/>
           </a:p>
           <a:p>
             <a:pPr algn="just"/>
@@ -3987,35 +3950,56 @@
           <a:p>
             <a:pPr algn="just"/>
             <a:r>
-              <a:rPr lang="de-DE" sz="3600" dirty="0" smtClean="0">
+              <a:rPr lang="de-DE" sz="3600" b="1" i="1" dirty="0" smtClean="0">
                 <a:ea typeface="ＭＳ Ｐゴシック" pitchFamily="124" charset="-128"/>
               </a:rPr>
-              <a:t>Die Temperatur</a:t>
-            </a:r>
-            <a:r>
-              <a:rPr lang="de-DE" sz="3600" dirty="0">
+              <a:t>Während der kurzen Zeit eines </a:t>
+            </a:r>
+            <a:r>
+              <a:rPr lang="de-DE" sz="3600" b="1" i="1" dirty="0" err="1" smtClean="0">
                 <a:ea typeface="ＭＳ Ｐゴシック" pitchFamily="124" charset="-128"/>
               </a:rPr>
-              <a:t> variiert </a:t>
-            </a:r>
-            <a:r>
-              <a:rPr lang="de-DE" sz="3600" dirty="0" smtClean="0">
+              <a:t>Radiosondenaufstieges</a:t>
+            </a:r>
+            <a:r>
+              <a:rPr lang="de-DE" sz="3600" b="1" i="1" dirty="0" smtClean="0">
                 <a:ea typeface="ＭＳ Ｐゴシック" pitchFamily="124" charset="-128"/>
               </a:rPr>
-              <a:t> binnen eines </a:t>
-            </a:r>
-            <a:r>
-              <a:rPr lang="de-DE" sz="3600" dirty="0" err="1" smtClean="0">
+              <a:t> schwankt die Temperatur und besonder</a:t>
+            </a:r>
+            <a:r>
+              <a:rPr lang="de-DE" sz="3600" b="1" i="1" dirty="0" smtClean="0">
                 <a:ea typeface="ＭＳ Ｐゴシック" pitchFamily="124" charset="-128"/>
               </a:rPr>
-              <a:t>Radiosondenaufstiegs</a:t>
-            </a:r>
-            <a:r>
-              <a:rPr lang="de-DE" sz="3600" dirty="0" smtClean="0">
+              <a:t>s die Feuchte in der Grenzschicht stark. Ein </a:t>
+            </a:r>
+            <a:r>
+              <a:rPr lang="de-DE" sz="3600" b="1" i="1" dirty="0" err="1" smtClean="0">
                 <a:ea typeface="ＭＳ Ｐゴシック" pitchFamily="124" charset="-128"/>
               </a:rPr>
-              <a:t> nur geringfügig, während die Feuchte um bis zu 5 % vom mittleren Zustand der Grenzschicht abweichen kann!!!!!!1111ELF</a:t>
-            </a:r>
+              <a:t>Radiosondenprofil</a:t>
+            </a:r>
+            <a:r>
+              <a:rPr lang="de-DE" sz="3600" b="1" i="1" dirty="0" smtClean="0">
+                <a:ea typeface="ＭＳ Ｐゴシック" pitchFamily="124" charset="-128"/>
+              </a:rPr>
+              <a:t> ist somit weder repräsentativ für den mittleren, noch für den </a:t>
+            </a:r>
+            <a:r>
+              <a:rPr lang="de-DE" sz="3600" b="1" i="1" dirty="0" err="1" smtClean="0">
+                <a:ea typeface="ＭＳ Ｐゴシック" pitchFamily="124" charset="-128"/>
+              </a:rPr>
+              <a:t>instantanen</a:t>
+            </a:r>
+            <a:r>
+              <a:rPr lang="de-DE" sz="3600" b="1" i="1" dirty="0" smtClean="0">
+                <a:ea typeface="ＭＳ Ｐゴシック" pitchFamily="124" charset="-128"/>
+              </a:rPr>
+              <a:t> Zustand der Grenzschicht!</a:t>
+            </a:r>
+            <a:endParaRPr lang="de-DE" sz="3600" b="1" i="1" dirty="0" smtClean="0">
+              <a:ea typeface="ＭＳ Ｐゴシック" pitchFamily="124" charset="-128"/>
+            </a:endParaRPr>
           </a:p>
         </p:txBody>
       </p:sp>
@@ -4027,8 +4011,8 @@
         </p:nvSpPr>
         <p:spPr bwMode="auto">
           <a:xfrm>
-            <a:off x="1220434" y="7047886"/>
-            <a:ext cx="26302547" cy="4011384"/>
+            <a:off x="1931012" y="7047886"/>
+            <a:ext cx="26096025" cy="4011384"/>
           </a:xfrm>
           <a:prstGeom prst="rect">
             <a:avLst/>

--- a/poster/lex2018_poster_Profilensembles.pptx
+++ b/poster/lex2018_poster_Profilensembles.pptx
@@ -295,7 +295,7 @@
               <a:pPr>
                 <a:defRPr/>
               </a:pPr>
-              <a:t>21.09.18</a:t>
+              <a:t>28.09.2018</a:t>
             </a:fld>
             <a:endParaRPr lang="de-DE"/>
           </a:p>
@@ -598,7 +598,7 @@
               <a14:shadowObscured xmlns:a14="http://schemas.microsoft.com/office/drawing/2010/main" val="1"/>
             </a:ext>
             <a:ext uri="{FAA26D3D-D897-4be2-8F04-BA451C77F1D7}">
-              <ma14:placeholderFlag xmlns:ma14="http://schemas.microsoft.com/office/mac/drawingml/2011/main" val="1"/>
+              <ma14:placeholderFlag xmlns:ma14="http://schemas.microsoft.com/office/mac/drawingml/2011/main" xmlns="" val="1"/>
             </a:ext>
           </a:extLst>
         </p:spPr>
@@ -1148,7 +1148,7 @@
           <a:noFill/>
           <a:extLst>
             <a:ext uri="{FAA26D3D-D897-4be2-8F04-BA451C77F1D7}">
-              <ma14:placeholderFlag xmlns:ma14="http://schemas.microsoft.com/office/mac/drawingml/2011/main" val="1"/>
+              <ma14:placeholderFlag xmlns:ma14="http://schemas.microsoft.com/office/mac/drawingml/2011/main" xmlns="" val="1"/>
             </a:ext>
           </a:extLst>
         </p:spPr>
@@ -1164,6 +1164,11 @@
         </p:txBody>
       </p:sp>
     </p:spTree>
+    <p:extLst>
+      <p:ext uri="{BB962C8B-B14F-4D97-AF65-F5344CB8AC3E}">
+        <p14:creationId xmlns:p14="http://schemas.microsoft.com/office/powerpoint/2010/main" val="1868584862"/>
+      </p:ext>
+    </p:extLst>
   </p:cSld>
   <p:clrMapOvr>
     <a:masterClrMapping/>
@@ -1912,7 +1917,7 @@
         </p:blipFill>
         <p:spPr>
           <a:xfrm>
-            <a:off x="1130049" y="19999701"/>
+            <a:off x="1220435" y="19999701"/>
             <a:ext cx="13732609" cy="9612826"/>
           </a:xfrm>
           <a:prstGeom prst="rect">
@@ -1988,7 +1993,7 @@
         </p:nvSpPr>
         <p:spPr bwMode="auto">
           <a:xfrm>
-            <a:off x="1744119" y="29460136"/>
+            <a:off x="1744119" y="29441376"/>
             <a:ext cx="13766752" cy="1508043"/>
           </a:xfrm>
           <a:prstGeom prst="rect">
@@ -2210,7 +2215,7 @@
       </p:sp>
       <p:pic>
         <p:nvPicPr>
-          <p:cNvPr id="12" name="Bild 11"/>
+          <p:cNvPr id="21" name="Bild 20"/>
           <p:cNvPicPr>
             <a:picLocks noChangeAspect="1"/>
           </p:cNvPicPr>
@@ -2218,30 +2223,6 @@
         </p:nvPicPr>
         <p:blipFill>
           <a:blip r:embed="rId5"/>
-          <a:stretch>
-            <a:fillRect/>
-          </a:stretch>
-        </p:blipFill>
-        <p:spPr>
-          <a:xfrm>
-            <a:off x="1744118" y="39294783"/>
-            <a:ext cx="6998755" cy="2269338"/>
-          </a:xfrm>
-          <a:prstGeom prst="rect">
-            <a:avLst/>
-          </a:prstGeom>
-        </p:spPr>
-      </p:pic>
-      <p:pic>
-        <p:nvPicPr>
-          <p:cNvPr id="21" name="Bild 20"/>
-          <p:cNvPicPr>
-            <a:picLocks noChangeAspect="1"/>
-          </p:cNvPicPr>
-          <p:nvPr/>
-        </p:nvPicPr>
-        <p:blipFill>
-          <a:blip r:embed="rId6"/>
           <a:stretch>
             <a:fillRect/>
           </a:stretch>
@@ -3198,7 +3179,7 @@
           <p:nvPr/>
         </p:nvPicPr>
         <p:blipFill>
-          <a:blip r:embed="rId7" cstate="email">
+          <a:blip r:embed="rId6" cstate="email">
             <a:extLst>
               <a:ext uri="{28A0092B-C50C-407E-A947-70E740481C1C}">
                 <a14:useLocalDpi xmlns:a14="http://schemas.microsoft.com/office/drawing/2010/main" val="0"/>
@@ -3228,7 +3209,7 @@
           <p:nvPr/>
         </p:nvPicPr>
         <p:blipFill>
-          <a:blip r:embed="rId8" cstate="email">
+          <a:blip r:embed="rId7" cstate="email">
             <a:extLst>
               <a:ext uri="{28A0092B-C50C-407E-A947-70E740481C1C}">
                 <a14:useLocalDpi xmlns:a14="http://schemas.microsoft.com/office/drawing/2010/main" val="0"/>
@@ -3425,8 +3406,8 @@
         </p:nvSpPr>
         <p:spPr bwMode="auto">
           <a:xfrm>
-            <a:off x="1220434" y="11362352"/>
-            <a:ext cx="27374834" cy="8138906"/>
+            <a:off x="1372284" y="6959739"/>
+            <a:ext cx="27374834" cy="4306538"/>
           </a:xfrm>
           <a:prstGeom prst="rect">
             <a:avLst/>
@@ -3507,7 +3488,7 @@
         </p:nvSpPr>
         <p:spPr bwMode="auto">
           <a:xfrm>
-            <a:off x="1220434" y="19804340"/>
+            <a:off x="1372284" y="19771566"/>
             <a:ext cx="27374834" cy="11649399"/>
           </a:xfrm>
           <a:prstGeom prst="rect">
@@ -3583,138 +3564,6 @@
       </p:sp>
       <p:sp>
         <p:nvSpPr>
-          <p:cNvPr id="17" name="Rechteck 16"/>
-          <p:cNvSpPr/>
-          <p:nvPr/>
-        </p:nvSpPr>
-        <p:spPr bwMode="auto">
-          <a:xfrm>
-            <a:off x="-34747616" y="4696025"/>
-            <a:ext cx="26896987" cy="3135632"/>
-          </a:xfrm>
-          <a:prstGeom prst="rect">
-            <a:avLst/>
-          </a:prstGeom>
-          <a:solidFill>
-            <a:schemeClr val="bg1">
-              <a:lumMod val="75000"/>
-            </a:schemeClr>
-          </a:solidFill>
-          <a:ln>
-            <a:solidFill>
-              <a:schemeClr val="bg1">
-                <a:lumMod val="50000"/>
-              </a:schemeClr>
-            </a:solidFill>
-          </a:ln>
-          <a:effectLst/>
-          <a:extLst/>
-        </p:spPr>
-        <p:txBody>
-          <a:bodyPr vert="horz" wrap="square" lIns="90000" tIns="46800" rIns="90000" bIns="46800" numCol="1" rtlCol="0" anchor="t" anchorCtr="0" compatLnSpc="1">
-            <a:prstTxWarp prst="textNoShape">
-              <a:avLst/>
-            </a:prstTxWarp>
-          </a:bodyPr>
-          <a:lstStyle/>
-          <a:p>
-            <a:pPr marL="0" marR="0" indent="0" algn="l" defTabSz="914400" rtl="0" eaLnBrk="0" fontAlgn="base" latinLnBrk="0" hangingPunct="0">
-              <a:lnSpc>
-                <a:spcPct val="100000"/>
-              </a:lnSpc>
-              <a:spcBef>
-                <a:spcPct val="0"/>
-              </a:spcBef>
-              <a:spcAft>
-                <a:spcPct val="0"/>
-              </a:spcAft>
-              <a:buClrTx/>
-              <a:buSzTx/>
-              <a:buFontTx/>
-              <a:buNone/>
-              <a:tabLst/>
-            </a:pPr>
-            <a:r>
-              <a:rPr kumimoji="0" lang="de-DE" sz="5400" b="1" i="0" u="none" strike="noStrike" cap="none" normalizeH="0" baseline="0" dirty="0" smtClean="0">
-                <a:ln>
-                  <a:noFill/>
-                </a:ln>
-                <a:solidFill>
-                  <a:srgbClr val="CB1028"/>
-                </a:solidFill>
-                <a:effectLst/>
-                <a:latin typeface="Arial" charset="0"/>
-                <a:ea typeface="ＭＳ Ｐゴシック" pitchFamily="124" charset="-128"/>
-              </a:rPr>
-              <a:t>Einleitung</a:t>
-            </a:r>
-          </a:p>
-          <a:p>
-            <a:pPr marL="0" marR="0" indent="0" algn="just" defTabSz="914400" rtl="0" eaLnBrk="0" fontAlgn="base" latinLnBrk="0" hangingPunct="0">
-              <a:lnSpc>
-                <a:spcPct val="100000"/>
-              </a:lnSpc>
-              <a:spcBef>
-                <a:spcPct val="0"/>
-              </a:spcBef>
-              <a:spcAft>
-                <a:spcPct val="0"/>
-              </a:spcAft>
-              <a:buClrTx/>
-              <a:buSzTx/>
-              <a:buFontTx/>
-              <a:buNone/>
-              <a:tabLst/>
-            </a:pPr>
-            <a:r>
-              <a:rPr kumimoji="0" lang="de-DE" sz="4000" b="0" i="0" u="none" strike="noStrike" cap="none" normalizeH="0" baseline="0" dirty="0" smtClean="0">
-                <a:ln>
-                  <a:noFill/>
-                </a:ln>
-                <a:solidFill>
-                  <a:srgbClr val="000000"/>
-                </a:solidFill>
-                <a:effectLst/>
-                <a:ea typeface="ＭＳ Ｐゴシック" pitchFamily="124" charset="-128"/>
-              </a:rPr>
-              <a:t>Für Profilmessungen der Grenzschicht werden oft</a:t>
-            </a:r>
-            <a:r>
-              <a:rPr kumimoji="0" lang="de-DE" sz="4000" b="0" i="0" u="none" strike="noStrike" cap="none" normalizeH="0" dirty="0" smtClean="0">
-                <a:ln>
-                  <a:noFill/>
-                </a:ln>
-                <a:solidFill>
-                  <a:srgbClr val="000000"/>
-                </a:solidFill>
-                <a:effectLst/>
-                <a:ea typeface="ＭＳ Ｐゴシック" pitchFamily="124" charset="-128"/>
-              </a:rPr>
-              <a:t> Ballonaufstiege durchgeführt.</a:t>
-            </a:r>
-            <a:r>
-              <a:rPr lang="de-DE" sz="4000" dirty="0" smtClean="0">
-                <a:ea typeface="ＭＳ Ｐゴシック" pitchFamily="124" charset="-128"/>
-              </a:rPr>
-              <a:t> Da die Grenzschicht zeitlich und räumlich stark variabel ist, ist ein Einzelaufstieg meist nicht repräsentativ für den mittleren Zustand der Grenzschicht. Aber wie gut repräsentiert ein Einzelaufstieg den </a:t>
-            </a:r>
-            <a:r>
-              <a:rPr lang="de-DE" sz="4000" dirty="0" err="1" smtClean="0">
-                <a:ea typeface="ＭＳ Ｐゴシック" pitchFamily="124" charset="-128"/>
-              </a:rPr>
-              <a:t>instantanen</a:t>
-            </a:r>
-            <a:r>
-              <a:rPr lang="de-DE" sz="4000" dirty="0" smtClean="0">
-                <a:ea typeface="ＭＳ Ｐゴシック" pitchFamily="124" charset="-128"/>
-              </a:rPr>
-              <a:t> Zustand der Grenzschicht? Wie groß sind die </a:t>
-            </a:r>
-          </a:p>
-        </p:txBody>
-      </p:sp>
-      <p:sp>
-        <p:nvSpPr>
           <p:cNvPr id="18" name="Textfeld 17"/>
           <p:cNvSpPr txBox="1"/>
           <p:nvPr/>
@@ -3887,7 +3736,7 @@
         </p:nvSpPr>
         <p:spPr bwMode="auto">
           <a:xfrm>
-            <a:off x="1130049" y="31925640"/>
+            <a:off x="1281899" y="31902641"/>
             <a:ext cx="27465219" cy="3135632"/>
           </a:xfrm>
           <a:prstGeom prst="rect">
@@ -3965,13 +3814,7 @@
               <a:rPr lang="de-DE" sz="3600" b="1" i="1" dirty="0" smtClean="0">
                 <a:ea typeface="ＭＳ Ｐゴシック" pitchFamily="124" charset="-128"/>
               </a:rPr>
-              <a:t> schwankt die Temperatur und besonder</a:t>
-            </a:r>
-            <a:r>
-              <a:rPr lang="de-DE" sz="3600" b="1" i="1" dirty="0" smtClean="0">
-                <a:ea typeface="ＭＳ Ｐゴシック" pitchFamily="124" charset="-128"/>
-              </a:rPr>
-              <a:t>s die Feuchte in der Grenzschicht stark. Ein </a:t>
+              <a:t> schwankt die Temperatur und besonders die Feuchte in der Grenzschicht stark. Ein </a:t>
             </a:r>
             <a:r>
               <a:rPr lang="de-DE" sz="3600" b="1" i="1" dirty="0" err="1" smtClean="0">
@@ -3997,9 +3840,6 @@
               </a:rPr>
               <a:t> Zustand der Grenzschicht!</a:t>
             </a:r>
-            <a:endParaRPr lang="de-DE" sz="3600" b="1" i="1" dirty="0" smtClean="0">
-              <a:ea typeface="ＭＳ Ｐゴシック" pitchFamily="124" charset="-128"/>
-            </a:endParaRPr>
           </a:p>
         </p:txBody>
       </p:sp>
@@ -4124,7 +3964,19 @@
               <a:rPr lang="de-DE" sz="3600" i="1" dirty="0" smtClean="0">
                 <a:ea typeface="ＭＳ Ｐゴシック" pitchFamily="124" charset="-128"/>
               </a:rPr>
-              <a:t> Zustand der Grenzschicht? Wieviel Fehler entsteht dadurch, dass der Sensor nicht an einem Zeitpunkt die ganze Grenzschicht misst? Mit den kontinuierlichen Messungen der ALPACAS lassen sich diese Fragen beantworten.</a:t>
+              <a:t> Zustand der Grenzschicht? Wieviel Fehler entsteht dadurch, dass der Sensor nicht an einem Zeitpunkt die ganze Grenzschicht misst? Mit den kontinuierlichen Messungen der </a:t>
+            </a:r>
+            <a:r>
+              <a:rPr lang="de-DE" sz="3600" i="1" dirty="0" smtClean="0">
+                <a:ea typeface="ＭＳ Ｐゴシック" pitchFamily="124" charset="-128"/>
+              </a:rPr>
+              <a:t>ALPACAs </a:t>
+            </a:r>
+            <a:r>
+              <a:rPr lang="de-DE" sz="3600" i="1" dirty="0" smtClean="0">
+                <a:ea typeface="ＭＳ Ｐゴシック" pitchFamily="124" charset="-128"/>
+              </a:rPr>
+              <a:t>lassen sich diese Fragen beantworten.</a:t>
             </a:r>
           </a:p>
         </p:txBody>
@@ -4168,7 +4020,7 @@
           <p:nvPr/>
         </p:nvPicPr>
         <p:blipFill>
-          <a:blip r:embed="rId9">
+          <a:blip r:embed="rId8" cstate="print">
             <a:extLst>
               <a:ext uri="{28A0092B-C50C-407E-A947-70E740481C1C}">
                 <a14:useLocalDpi xmlns:a14="http://schemas.microsoft.com/office/drawing/2010/main" val="0"/>
@@ -4187,6 +4039,142 @@
           <a:prstGeom prst="rect">
             <a:avLst/>
           </a:prstGeom>
+        </p:spPr>
+      </p:pic>
+      <p:sp>
+        <p:nvSpPr>
+          <p:cNvPr id="33" name="Rechteck 32"/>
+          <p:cNvSpPr/>
+          <p:nvPr/>
+        </p:nvSpPr>
+        <p:spPr bwMode="auto">
+          <a:xfrm>
+            <a:off x="1372834" y="11514752"/>
+            <a:ext cx="27374834" cy="8138906"/>
+          </a:xfrm>
+          <a:prstGeom prst="rect">
+            <a:avLst/>
+          </a:prstGeom>
+          <a:noFill/>
+          <a:ln w="98425" cap="flat" cmpd="sng" algn="ctr">
+            <a:solidFill>
+              <a:srgbClr val="CB1028"/>
+            </a:solidFill>
+            <a:prstDash val="solid"/>
+            <a:round/>
+            <a:headEnd type="none" w="med" len="med"/>
+            <a:tailEnd type="none" w="med" len="med"/>
+          </a:ln>
+          <a:effectLst/>
+          <a:extLst>
+            <a:ext uri="{909E8E84-426E-40DD-AFC4-6F175D3DCCD1}">
+              <a14:hiddenFill xmlns:a14="http://schemas.microsoft.com/office/drawing/2010/main">
+                <a:solidFill>
+                  <a:schemeClr val="accent1"/>
+                </a:solidFill>
+              </a14:hiddenFill>
+            </a:ext>
+            <a:ext uri="{AF507438-7753-43E0-B8FC-AC1667EBCBE1}">
+              <a14:hiddenEffects xmlns:a14="http://schemas.microsoft.com/office/drawing/2010/main">
+                <a:effectLst>
+                  <a:outerShdw dist="35921" dir="2700000" algn="ctr" rotWithShape="0">
+                    <a:schemeClr val="bg2"/>
+                  </a:outerShdw>
+                </a:effectLst>
+              </a14:hiddenEffects>
+            </a:ext>
+          </a:extLst>
+        </p:spPr>
+        <p:txBody>
+          <a:bodyPr vert="horz" wrap="square" lIns="90000" tIns="46800" rIns="90000" bIns="46800" numCol="1" rtlCol="0" anchor="t" anchorCtr="0" compatLnSpc="1">
+            <a:prstTxWarp prst="textNoShape">
+              <a:avLst/>
+            </a:prstTxWarp>
+          </a:bodyPr>
+          <a:lstStyle/>
+          <a:p>
+            <a:pPr marL="0" marR="0" indent="0" algn="l" defTabSz="914400" rtl="0" eaLnBrk="0" fontAlgn="base" latinLnBrk="0" hangingPunct="0">
+              <a:lnSpc>
+                <a:spcPct val="100000"/>
+              </a:lnSpc>
+              <a:spcBef>
+                <a:spcPct val="0"/>
+              </a:spcBef>
+              <a:spcAft>
+                <a:spcPct val="0"/>
+              </a:spcAft>
+              <a:buClrTx/>
+              <a:buSzTx/>
+              <a:buFontTx/>
+              <a:buNone/>
+              <a:tabLst/>
+            </a:pPr>
+            <a:endParaRPr kumimoji="0" lang="de-DE" sz="2400" b="0" i="0" u="none" strike="noStrike" cap="none" normalizeH="0" baseline="0" smtClean="0">
+              <a:ln>
+                <a:noFill/>
+              </a:ln>
+              <a:solidFill>
+                <a:srgbClr val="000000"/>
+              </a:solidFill>
+              <a:effectLst/>
+              <a:latin typeface="Arial" charset="0"/>
+              <a:ea typeface="ＭＳ Ｐゴシック" pitchFamily="124" charset="-128"/>
+            </a:endParaRPr>
+          </a:p>
+        </p:txBody>
+      </p:sp>
+      <p:pic>
+        <p:nvPicPr>
+          <p:cNvPr id="36" name="Picture 3"/>
+          <p:cNvPicPr>
+            <a:picLocks noChangeAspect="1" noChangeArrowheads="1"/>
+          </p:cNvPicPr>
+          <p:nvPr/>
+        </p:nvPicPr>
+        <p:blipFill>
+          <a:blip r:embed="rId9" cstate="print">
+            <a:extLst>
+              <a:ext uri="{28A0092B-C50C-407E-A947-70E740481C1C}">
+                <a14:useLocalDpi xmlns:a14="http://schemas.microsoft.com/office/drawing/2010/main" val="0"/>
+              </a:ext>
+            </a:extLst>
+          </a:blip>
+          <a:srcRect/>
+          <a:stretch>
+            <a:fillRect/>
+          </a:stretch>
+        </p:blipFill>
+        <p:spPr bwMode="auto">
+          <a:xfrm>
+            <a:off x="1744663" y="39295388"/>
+            <a:ext cx="6997700" cy="2268537"/>
+          </a:xfrm>
+          <a:prstGeom prst="rect">
+            <a:avLst/>
+          </a:prstGeom>
+          <a:noFill/>
+          <a:ln>
+            <a:noFill/>
+          </a:ln>
+          <a:extLst>
+            <a:ext uri="{909E8E84-426E-40DD-AFC4-6F175D3DCCD1}">
+              <a14:hiddenFill xmlns:a14="http://schemas.microsoft.com/office/drawing/2010/main">
+                <a:solidFill>
+                  <a:srgbClr val="FFFFFF"/>
+                </a:solidFill>
+              </a14:hiddenFill>
+            </a:ext>
+            <a:ext uri="{91240B29-F687-4F45-9708-019B960494DF}">
+              <a14:hiddenLine xmlns:a14="http://schemas.microsoft.com/office/drawing/2010/main" w="9525">
+                <a:solidFill>
+                  <a:srgbClr val="000000"/>
+                </a:solidFill>
+                <a:round/>
+                <a:headEnd/>
+                <a:tailEnd/>
+              </a14:hiddenLine>
+            </a:ext>
+          </a:extLst>
         </p:spPr>
       </p:pic>
     </p:spTree>

--- a/poster/lex2018_poster_Profilensembles.pptx
+++ b/poster/lex2018_poster_Profilensembles.pptx
@@ -295,7 +295,7 @@
               <a:pPr>
                 <a:defRPr/>
               </a:pPr>
-              <a:t>28.09.2018</a:t>
+              <a:t>01.10.18</a:t>
             </a:fld>
             <a:endParaRPr lang="de-DE"/>
           </a:p>
@@ -598,7 +598,7 @@
               <a14:shadowObscured xmlns:a14="http://schemas.microsoft.com/office/drawing/2010/main" val="1"/>
             </a:ext>
             <a:ext uri="{FAA26D3D-D897-4be2-8F04-BA451C77F1D7}">
-              <ma14:placeholderFlag xmlns:ma14="http://schemas.microsoft.com/office/mac/drawingml/2011/main" xmlns="" val="1"/>
+              <ma14:placeholderFlag xmlns:ma14="http://schemas.microsoft.com/office/mac/drawingml/2011/main" val="1"/>
             </a:ext>
           </a:extLst>
         </p:spPr>
@@ -1148,7 +1148,7 @@
           <a:noFill/>
           <a:extLst>
             <a:ext uri="{FAA26D3D-D897-4be2-8F04-BA451C77F1D7}">
-              <ma14:placeholderFlag xmlns:ma14="http://schemas.microsoft.com/office/mac/drawingml/2011/main" xmlns="" val="1"/>
+              <ma14:placeholderFlag xmlns:ma14="http://schemas.microsoft.com/office/mac/drawingml/2011/main" val="1"/>
             </a:ext>
           </a:extLst>
         </p:spPr>
@@ -1895,6 +1895,69 @@
           <a:chExt cx="0" cy="0"/>
         </a:xfrm>
       </p:grpSpPr>
+      <p:sp>
+        <p:nvSpPr>
+          <p:cNvPr id="12" name="Rechteck 11"/>
+          <p:cNvSpPr/>
+          <p:nvPr/>
+        </p:nvSpPr>
+        <p:spPr bwMode="auto">
+          <a:xfrm>
+            <a:off x="1372284" y="32562488"/>
+            <a:ext cx="27374834" cy="2934826"/>
+          </a:xfrm>
+          <a:prstGeom prst="rect">
+            <a:avLst/>
+          </a:prstGeom>
+          <a:solidFill>
+            <a:schemeClr val="bg1">
+              <a:lumMod val="75000"/>
+            </a:schemeClr>
+          </a:solidFill>
+          <a:ln>
+            <a:noFill/>
+          </a:ln>
+          <a:effectLst/>
+          <a:extLst/>
+        </p:spPr>
+        <p:txBody>
+          <a:bodyPr vert="horz" wrap="square" lIns="90000" tIns="46800" rIns="90000" bIns="46800" numCol="1" rtlCol="0" anchor="t" anchorCtr="0" compatLnSpc="1">
+            <a:prstTxWarp prst="textNoShape">
+              <a:avLst/>
+            </a:prstTxWarp>
+          </a:bodyPr>
+          <a:lstStyle/>
+          <a:p>
+            <a:pPr marL="0" marR="0" indent="0" algn="l" defTabSz="914400" rtl="0" eaLnBrk="0" fontAlgn="base" latinLnBrk="0" hangingPunct="0">
+              <a:lnSpc>
+                <a:spcPct val="100000"/>
+              </a:lnSpc>
+              <a:spcBef>
+                <a:spcPct val="0"/>
+              </a:spcBef>
+              <a:spcAft>
+                <a:spcPct val="0"/>
+              </a:spcAft>
+              <a:buClrTx/>
+              <a:buSzTx/>
+              <a:buFontTx/>
+              <a:buNone/>
+              <a:tabLst/>
+            </a:pPr>
+            <a:endParaRPr kumimoji="0" lang="de-DE" sz="2400" b="0" i="0" u="none" strike="noStrike" cap="none" normalizeH="0" baseline="0" smtClean="0">
+              <a:ln>
+                <a:noFill/>
+              </a:ln>
+              <a:solidFill>
+                <a:srgbClr val="000000"/>
+              </a:solidFill>
+              <a:effectLst/>
+              <a:latin typeface="Arial" charset="0"/>
+              <a:ea typeface="ＭＳ Ｐゴシック" pitchFamily="124" charset="-128"/>
+            </a:endParaRPr>
+          </a:p>
+        </p:txBody>
+      </p:sp>
       <p:pic>
         <p:nvPicPr>
           <p:cNvPr id="15" name="Bild 14"/>
@@ -1917,8 +1980,37 @@
         </p:blipFill>
         <p:spPr>
           <a:xfrm>
-            <a:off x="1220435" y="19999701"/>
-            <a:ext cx="13732609" cy="9612826"/>
+            <a:off x="1744118" y="21150053"/>
+            <a:ext cx="13208926" cy="9246248"/>
+          </a:xfrm>
+          <a:prstGeom prst="rect">
+            <a:avLst/>
+          </a:prstGeom>
+        </p:spPr>
+      </p:pic>
+      <p:pic>
+        <p:nvPicPr>
+          <p:cNvPr id="31" name="Bild 30"/>
+          <p:cNvPicPr>
+            <a:picLocks noChangeAspect="1"/>
+          </p:cNvPicPr>
+          <p:nvPr/>
+        </p:nvPicPr>
+        <p:blipFill rotWithShape="1">
+          <a:blip r:embed="rId4">
+            <a:extLst>
+              <a:ext uri="{28A0092B-C50C-407E-A947-70E740481C1C}">
+                <a14:useLocalDpi xmlns:a14="http://schemas.microsoft.com/office/drawing/2010/main" val="0"/>
+              </a:ext>
+            </a:extLst>
+          </a:blip>
+          <a:srcRect l="40990" t="44316" r="48451" b="35417"/>
+          <a:stretch/>
+        </p:blipFill>
+        <p:spPr>
+          <a:xfrm>
+            <a:off x="18075333" y="12550074"/>
+            <a:ext cx="6762695" cy="7115953"/>
           </a:xfrm>
           <a:prstGeom prst="rect">
             <a:avLst/>
@@ -1946,37 +2038,8 @@
         </p:blipFill>
         <p:spPr>
           <a:xfrm>
-            <a:off x="22020115" y="11940473"/>
-            <a:ext cx="4834624" cy="7088884"/>
-          </a:xfrm>
-          <a:prstGeom prst="rect">
-            <a:avLst/>
-          </a:prstGeom>
-        </p:spPr>
-      </p:pic>
-      <p:pic>
-        <p:nvPicPr>
-          <p:cNvPr id="31" name="Bild 30"/>
-          <p:cNvPicPr>
-            <a:picLocks noChangeAspect="1"/>
-          </p:cNvPicPr>
-          <p:nvPr/>
-        </p:nvPicPr>
-        <p:blipFill rotWithShape="1">
-          <a:blip r:embed="rId4">
-            <a:extLst>
-              <a:ext uri="{28A0092B-C50C-407E-A947-70E740481C1C}">
-                <a14:useLocalDpi xmlns:a14="http://schemas.microsoft.com/office/drawing/2010/main" val="0"/>
-              </a:ext>
-            </a:extLst>
-          </a:blip>
-          <a:srcRect l="40990" t="44316" r="48451" b="35417"/>
-          <a:stretch/>
-        </p:blipFill>
-        <p:spPr>
-          <a:xfrm>
-            <a:off x="18446821" y="11940473"/>
-            <a:ext cx="5693939" cy="7088884"/>
+            <a:off x="22020114" y="12550074"/>
+            <a:ext cx="5742086" cy="7115953"/>
           </a:xfrm>
           <a:prstGeom prst="rect">
             <a:avLst/>
@@ -1993,8 +2056,8 @@
         </p:nvSpPr>
         <p:spPr bwMode="auto">
           <a:xfrm>
-            <a:off x="1744119" y="29441376"/>
-            <a:ext cx="13766752" cy="1508043"/>
+            <a:off x="1931013" y="30225150"/>
+            <a:ext cx="13579858" cy="1508043"/>
           </a:xfrm>
           <a:prstGeom prst="rect">
             <a:avLst/>
@@ -2137,16 +2200,12 @@
           </a:lstStyle>
           <a:p>
             <a:r>
-              <a:rPr lang="de-DE" sz="2400" b="1" i="1" u="sng" dirty="0"/>
-              <a:t>Abbildung 1</a:t>
-            </a:r>
-            <a:r>
-              <a:rPr lang="de-DE" sz="2400" i="1" dirty="0"/>
-              <a:t>: </a:t>
-            </a:r>
-            <a:r>
               <a:rPr lang="de-DE" sz="2400" i="1" dirty="0" smtClean="0"/>
-              <a:t>Temperatur. (links) und Feuchteprofil einer Radiosonde (rot) und 30 simulierten Einzelprofilen der ALPACAS (farbig) sowie deren zeitliches Mittel (schwarz). Alle Profile stammen vom 29.8.2018 aus der Zeit zwischen 12:59 Uhr  und 13:02 Uhr.</a:t>
+              <a:t>Temperatur</a:t>
+            </a:r>
+            <a:r>
+              <a:rPr lang="de-DE" sz="2400" i="1" dirty="0" smtClean="0"/>
+              <a:t>. (links) und Feuchteprofil einer Radiosonde (rot) und 30 simulierten Einzelprofilen der ALPACAS (farbig) sowie deren zeitliches Mittel (schwarz). Alle Profile stammen vom 29.8.2018 aus der Zeit zwischen 12:59 Uhr  und 13:02 Uhr.</a:t>
             </a:r>
             <a:endParaRPr lang="de-DE" sz="2400" i="1" dirty="0"/>
           </a:p>
@@ -2902,10 +2961,26 @@
                   <a:schemeClr val="tx1"/>
                 </a:solidFill>
               </a:rPr>
-              <a:t>Laura Dietrich, Henning </a:t>
-            </a:r>
-            <a:r>
-              <a:rPr lang="de-DE" sz="4400" b="1" dirty="0" err="1">
+              <a:t>Laura </a:t>
+            </a:r>
+            <a:r>
+              <a:rPr lang="de-DE" sz="4400" b="1" dirty="0" smtClean="0">
+                <a:solidFill>
+                  <a:schemeClr val="tx1"/>
+                </a:solidFill>
+              </a:rPr>
+              <a:t>Dietrich, </a:t>
+            </a:r>
+            <a:r>
+              <a:rPr lang="de-DE" sz="4400" b="1" dirty="0">
+                <a:solidFill>
+                  <a:schemeClr val="tx1"/>
+                </a:solidFill>
+              </a:rPr>
+              <a:t>Henning </a:t>
+            </a:r>
+            <a:r>
+              <a:rPr lang="de-DE" sz="4400" b="1" dirty="0" err="1" smtClean="0">
                 <a:solidFill>
                   <a:schemeClr val="tx1"/>
                 </a:solidFill>
@@ -2913,13 +2988,34 @@
               <a:t>Dorff</a:t>
             </a:r>
             <a:r>
+              <a:rPr lang="de-DE" sz="4400" b="1" dirty="0" smtClean="0">
+                <a:solidFill>
+                  <a:schemeClr val="tx1"/>
+                </a:solidFill>
+              </a:rPr>
+              <a:t>, </a:t>
+            </a:r>
+            <a:r>
               <a:rPr lang="de-DE" sz="4400" b="1" dirty="0">
                 <a:solidFill>
                   <a:schemeClr val="tx1"/>
                 </a:solidFill>
               </a:rPr>
-              <a:t>, Jakob Dörr, </a:t>
-            </a:r>
+              <a:t>Jakob </a:t>
+            </a:r>
+            <a:r>
+              <a:rPr lang="de-DE" sz="4400" b="1" dirty="0" smtClean="0">
+                <a:solidFill>
+                  <a:schemeClr val="tx1"/>
+                </a:solidFill>
+              </a:rPr>
+              <a:t>Dörr, </a:t>
+            </a:r>
+            <a:endParaRPr lang="de-DE" sz="4400" b="1" dirty="0">
+              <a:solidFill>
+                <a:schemeClr val="tx1"/>
+              </a:solidFill>
+            </a:endParaRPr>
           </a:p>
           <a:p>
             <a:pPr>
@@ -2928,15 +3024,23 @@
               </a:lnSpc>
             </a:pPr>
             <a:r>
+              <a:rPr lang="de-DE" sz="4400" b="1" dirty="0" err="1">
+                <a:solidFill>
+                  <a:schemeClr val="tx1"/>
+                </a:solidFill>
+              </a:rPr>
+              <a:t>Joscha</a:t>
+            </a:r>
+            <a:r>
               <a:rPr lang="de-DE" sz="4400" b="1" dirty="0">
                 <a:solidFill>
                   <a:schemeClr val="tx1"/>
                 </a:solidFill>
               </a:rPr>
-              <a:t>Joscha </a:t>
-            </a:r>
-            <a:r>
-              <a:rPr lang="de-DE" sz="4400" b="1" dirty="0" err="1">
+              <a:t> </a:t>
+            </a:r>
+            <a:r>
+              <a:rPr lang="de-DE" sz="4400" b="1" dirty="0" err="1" smtClean="0">
                 <a:solidFill>
                   <a:schemeClr val="tx1"/>
                 </a:solidFill>
@@ -2944,13 +3048,57 @@
               <a:t>Fregin</a:t>
             </a:r>
             <a:r>
+              <a:rPr lang="de-DE" sz="4400" b="1" dirty="0" smtClean="0">
+                <a:solidFill>
+                  <a:schemeClr val="tx1"/>
+                </a:solidFill>
+              </a:rPr>
+              <a:t>, </a:t>
+            </a:r>
+            <a:r>
               <a:rPr lang="de-DE" sz="4400" b="1" dirty="0">
                 <a:solidFill>
                   <a:schemeClr val="tx1"/>
                 </a:solidFill>
               </a:rPr>
-              <a:t>, Theresa Lang, Simon Michel </a:t>
-            </a:r>
+              <a:t>Theresa </a:t>
+            </a:r>
+            <a:r>
+              <a:rPr lang="de-DE" sz="4400" b="1" dirty="0" smtClean="0">
+                <a:solidFill>
+                  <a:schemeClr val="tx1"/>
+                </a:solidFill>
+              </a:rPr>
+              <a:t>Lang, </a:t>
+            </a:r>
+            <a:r>
+              <a:rPr lang="de-DE" sz="4400" b="1" dirty="0">
+                <a:solidFill>
+                  <a:schemeClr val="tx1"/>
+                </a:solidFill>
+              </a:rPr>
+              <a:t>Simon </a:t>
+            </a:r>
+            <a:r>
+              <a:rPr lang="de-DE" sz="4400" b="1" dirty="0" smtClean="0">
+                <a:solidFill>
+                  <a:schemeClr val="tx1"/>
+                </a:solidFill>
+              </a:rPr>
+              <a:t>Michel</a:t>
+            </a:r>
+          </a:p>
+          <a:p>
+            <a:pPr>
+              <a:lnSpc>
+                <a:spcPct val="110000"/>
+              </a:lnSpc>
+            </a:pPr>
+            <a:endParaRPr lang="de-DE" sz="2000" b="1" dirty="0" smtClean="0">
+              <a:solidFill>
+                <a:schemeClr val="tx1"/>
+              </a:solidFill>
+            </a:endParaRPr>
           </a:p>
         </p:txBody>
       </p:sp>
@@ -3346,7 +3494,7 @@
         </p:nvSpPr>
         <p:spPr>
           <a:xfrm>
-            <a:off x="19443809" y="15202336"/>
+            <a:off x="19443809" y="15811938"/>
             <a:ext cx="1860314" cy="646331"/>
           </a:xfrm>
           <a:prstGeom prst="rect">
@@ -3361,7 +3509,7 @@
           <a:lstStyle/>
           <a:p>
             <a:r>
-              <a:rPr lang="de-DE" sz="3600" dirty="0" err="1" smtClean="0"/>
+              <a:rPr lang="de-DE" sz="3600" dirty="0" smtClean="0"/>
               <a:t>Helikite</a:t>
             </a:r>
             <a:endParaRPr lang="de-DE" sz="3600" dirty="0"/>
@@ -3376,7 +3524,7 @@
         </p:nvSpPr>
         <p:spPr>
           <a:xfrm>
-            <a:off x="23850574" y="15825948"/>
+            <a:off x="23850574" y="16435550"/>
             <a:ext cx="2629425" cy="646331"/>
           </a:xfrm>
           <a:prstGeom prst="rect">
@@ -3406,8 +3554,8 @@
         </p:nvSpPr>
         <p:spPr bwMode="auto">
           <a:xfrm>
-            <a:off x="1372284" y="6959739"/>
-            <a:ext cx="27374834" cy="4306538"/>
+            <a:off x="14953044" y="7214081"/>
+            <a:ext cx="13760943" cy="4516407"/>
           </a:xfrm>
           <a:prstGeom prst="rect">
             <a:avLst/>
@@ -3488,7 +3636,7 @@
         </p:nvSpPr>
         <p:spPr bwMode="auto">
           <a:xfrm>
-            <a:off x="1372284" y="19771566"/>
+            <a:off x="1372284" y="20555340"/>
             <a:ext cx="27374834" cy="11649399"/>
           </a:xfrm>
           <a:prstGeom prst="rect">
@@ -3570,7 +3718,7 @@
         </p:nvSpPr>
         <p:spPr>
           <a:xfrm>
-            <a:off x="1931013" y="11561796"/>
+            <a:off x="1931013" y="12171398"/>
             <a:ext cx="15006156" cy="7571303"/>
           </a:xfrm>
           <a:prstGeom prst="rect">
@@ -3597,7 +3745,19 @@
             <a:pPr algn="just"/>
             <a:r>
               <a:rPr lang="de-DE" sz="3600" dirty="0" smtClean="0"/>
-              <a:t>Zur Einschätzung der Variabilität der Grenzschicht während eines Aufstieges wurde eine Messung einer Radiosonde mit gleichzeitigen kontinuierlichen Messungen der Grenzschicht verglichen. Die Messungen wurden am 29.8.2018 in Marienleuchte durchgeführt. Um die Temperatur und Feuchte in der Grenzschicht kontinuierlich zu messen, wurden elf ALPACAs an der Leine eines </a:t>
+              <a:t>Zur Einschätzung der Variabilität der Grenzschicht während eines Aufstieges wurde eine Messung einer Radiosonde mit gleichzeitigen kontinuierlichen Messungen der Grenzschicht verglichen. Die </a:t>
+            </a:r>
+            <a:r>
+              <a:rPr lang="de-DE" sz="3600" dirty="0" err="1" smtClean="0"/>
+              <a:t>Mes-sungen</a:t>
+            </a:r>
+            <a:r>
+              <a:rPr lang="de-DE" sz="3600" dirty="0" smtClean="0"/>
+              <a:t> </a:t>
+            </a:r>
+            <a:r>
+              <a:rPr lang="de-DE" sz="3600" dirty="0" smtClean="0"/>
+              <a:t>wurden am 29.8.2018 in Marienleuchte durchgeführt. Um die Temperatur und Feuchte in der Grenzschicht kontinuierlich zu messen, wurden elf ALPACAs an der Leine eines </a:t>
             </a:r>
             <a:r>
               <a:rPr lang="de-DE" sz="3600" dirty="0" err="1" smtClean="0"/>
@@ -3605,15 +3765,39 @@
             </a:r>
             <a:r>
               <a:rPr lang="de-DE" sz="3600" dirty="0" smtClean="0"/>
-              <a:t> in verschiedenen Höhen befestigt. Während der Messung wurde eine Radiosonde möglichst nahe am </a:t>
+              <a:t> in verschiedenen Höhen befestigt. Während der Messung wurde </a:t>
+            </a:r>
+            <a:r>
+              <a:rPr lang="de-DE" sz="3600" dirty="0" smtClean="0"/>
+              <a:t>ein </a:t>
             </a:r>
             <a:r>
               <a:rPr lang="de-DE" sz="3600" dirty="0" err="1" smtClean="0"/>
-              <a:t>Helikite</a:t>
+              <a:t>Radiosondenaufstieg</a:t>
             </a:r>
             <a:r>
               <a:rPr lang="de-DE" sz="3600" dirty="0" smtClean="0"/>
-              <a:t> steigen gelassen. Aus den 3-sekündlichen ALPACA Messungen in der Zeit des </a:t>
+              <a:t> </a:t>
+            </a:r>
+            <a:r>
+              <a:rPr lang="de-DE" sz="3600" dirty="0" smtClean="0"/>
+              <a:t>möglichst nahe am Helikite </a:t>
+            </a:r>
+            <a:r>
+              <a:rPr lang="de-DE" sz="3600" dirty="0" smtClean="0"/>
+              <a:t>durchgeführt</a:t>
+            </a:r>
+            <a:r>
+              <a:rPr lang="de-DE" sz="3600" dirty="0" smtClean="0"/>
+              <a:t>. </a:t>
+            </a:r>
+            <a:r>
+              <a:rPr lang="de-DE" sz="3600" dirty="0" smtClean="0"/>
+              <a:t>Aus den 3-sekündlichen </a:t>
+            </a:r>
+            <a:r>
+              <a:rPr lang="de-DE" sz="3600" dirty="0" smtClean="0"/>
+              <a:t>ALPACA Messungen während des </a:t>
             </a:r>
             <a:r>
               <a:rPr lang="de-DE" sz="3600" dirty="0" err="1" smtClean="0"/>
@@ -3629,7 +3813,23 @@
             </a:r>
             <a:r>
               <a:rPr lang="de-DE" sz="3600" dirty="0" smtClean="0"/>
-              <a:t> Einzelprofilen simuliert. Anhand dieses Ensembles lässt sich bestimmen, wie stark Temperatur und Feuchte während des </a:t>
+              <a:t> </a:t>
+            </a:r>
+            <a:r>
+              <a:rPr lang="de-DE" sz="3600" dirty="0" smtClean="0"/>
+              <a:t>Einzelprofilen </a:t>
+            </a:r>
+            <a:r>
+              <a:rPr lang="de-DE" sz="3600" dirty="0" err="1" smtClean="0"/>
+              <a:t>ge</a:t>
+            </a:r>
+            <a:r>
+              <a:rPr lang="de-DE" sz="3600" dirty="0" smtClean="0"/>
+              <a:t>-messen. </a:t>
+            </a:r>
+            <a:r>
+              <a:rPr lang="de-DE" sz="3600" dirty="0" smtClean="0"/>
+              <a:t>Anhand dieses Ensembles lässt sich bestimmen, wie stark Temperatur und Feuchte während des </a:t>
             </a:r>
             <a:r>
               <a:rPr lang="de-DE" sz="3600" dirty="0" err="1" smtClean="0"/>
@@ -3650,7 +3850,7 @@
         </p:nvSpPr>
         <p:spPr>
           <a:xfrm>
-            <a:off x="14953044" y="20357754"/>
+            <a:off x="14953044" y="21010899"/>
             <a:ext cx="12809156" cy="11510843"/>
           </a:xfrm>
           <a:prstGeom prst="rect">
@@ -3670,8 +3870,13 @@
                   <a:srgbClr val="CB1028"/>
                 </a:solidFill>
               </a:rPr>
-              <a:t>Ergebnis</a:t>
-            </a:r>
+              <a:t>Ergebnisse</a:t>
+            </a:r>
+            <a:endParaRPr lang="de-DE" sz="5400" b="1" dirty="0" smtClean="0">
+              <a:solidFill>
+                <a:srgbClr val="CB1028"/>
+              </a:solidFill>
+            </a:endParaRPr>
           </a:p>
           <a:p>
             <a:pPr marL="571500" indent="-571500" algn="just">
@@ -3680,7 +3885,31 @@
             </a:pPr>
             <a:r>
               <a:rPr lang="de-DE" sz="3600" dirty="0" smtClean="0"/>
-              <a:t>Das gemessene Temperatur- und Feuchteprofil der Radiosonde deckt sich größtenteils mit den simulierten Ensembles (Abb. 1). In etwa 400 m Höhe befindet sich die Oberkante einer Grenzschicht, die besonders am starken Gradienten der relativen Feuchte zu erkennen ist. </a:t>
+              <a:t>Temperatur- </a:t>
+            </a:r>
+            <a:r>
+              <a:rPr lang="de-DE" sz="3600" dirty="0" smtClean="0"/>
+              <a:t>und Feuchteprofil der Radiosonde </a:t>
+            </a:r>
+            <a:r>
+              <a:rPr lang="de-DE" sz="3600" dirty="0" smtClean="0"/>
+              <a:t>decken </a:t>
+            </a:r>
+            <a:r>
+              <a:rPr lang="de-DE" sz="3600" dirty="0" smtClean="0"/>
+              <a:t>sich größtenteils mit den </a:t>
+            </a:r>
+            <a:r>
+              <a:rPr lang="de-DE" sz="3600" dirty="0" smtClean="0"/>
+              <a:t>ALPACA Ensembles </a:t>
+            </a:r>
+            <a:r>
+              <a:rPr lang="de-DE" sz="3600" dirty="0" smtClean="0"/>
+              <a:t>(</a:t>
+            </a:r>
+            <a:r>
+              <a:rPr lang="de-DE" sz="3600" dirty="0" smtClean="0"/>
+              <a:t>Abbildung)</a:t>
             </a:r>
           </a:p>
           <a:p>
@@ -3690,16 +3919,45 @@
             </a:pPr>
             <a:r>
               <a:rPr lang="de-DE" sz="3600" dirty="0" smtClean="0"/>
-              <a:t>Die Temperatur variiert im Messzeitraum um bis zu 1 K, meist jedoch unter 0,5 K. Die relative Feuchte variiert stärker, meist 3 </a:t>
+              <a:t>Oberkante </a:t>
+            </a:r>
+            <a:r>
+              <a:rPr lang="de-DE" sz="3600" dirty="0" smtClean="0"/>
+              <a:t>einer </a:t>
             </a:r>
             <a:r>
               <a:rPr lang="de-DE" sz="3600" dirty="0"/>
-              <a:t>-</a:t>
+              <a:t>Grenzschicht </a:t>
             </a:r>
             <a:r>
               <a:rPr lang="de-DE" sz="3600" dirty="0" smtClean="0"/>
-              <a:t> 5 %. An der Oberkante der Grenzschicht variiert die Feuchte bis zu 10 %, da die Höhe der Oberkante innerhalb der Zeit stark schwankt.</a:t>
-            </a:r>
+              <a:t>in </a:t>
+            </a:r>
+            <a:r>
+              <a:rPr lang="de-DE" sz="3600" dirty="0"/>
+              <a:t>etwa 400 m </a:t>
+            </a:r>
+            <a:r>
+              <a:rPr lang="de-DE" sz="3600" dirty="0" smtClean="0"/>
+              <a:t>Höhe, </a:t>
+            </a:r>
+            <a:r>
+              <a:rPr lang="de-DE" sz="3600" dirty="0" err="1" smtClean="0"/>
+              <a:t>beson-ders</a:t>
+            </a:r>
+            <a:r>
+              <a:rPr lang="de-DE" sz="3600" dirty="0" smtClean="0"/>
+              <a:t> </a:t>
+            </a:r>
+            <a:r>
+              <a:rPr lang="de-DE" sz="3600" dirty="0" smtClean="0"/>
+              <a:t>am starken Gradienten der relativen Feuchte zu </a:t>
+            </a:r>
+            <a:r>
+              <a:rPr lang="de-DE" sz="3600" dirty="0" smtClean="0"/>
+              <a:t>er-kennen </a:t>
+            </a:r>
+            <a:endParaRPr lang="de-DE" sz="3600" dirty="0" smtClean="0"/>
           </a:p>
           <a:p>
             <a:pPr marL="571500" indent="-571500" algn="just">
@@ -3708,7 +3966,118 @@
             </a:pPr>
             <a:r>
               <a:rPr lang="de-DE" sz="3600" dirty="0" smtClean="0"/>
-              <a:t>Im unteren Bereich ähneln die Werte der Radiosonde den Einzelprofilen am Anfang des Aufstieges, und im  oberen Bereich denen am Ende des Aufstieges. Das Einzelprofil der Radiosonde setzt sich also aus verschiedenen Zuständen der Grenzschicht zusammen, die sich im oberen Bereich erheblich unterscheiden  </a:t>
+              <a:t>Temperatur </a:t>
+            </a:r>
+            <a:r>
+              <a:rPr lang="de-DE" sz="3600" dirty="0" smtClean="0"/>
+              <a:t>variiert im Messzeitraum um bis zu 1 K, meist jedoch unter 0,5 </a:t>
+            </a:r>
+            <a:r>
+              <a:rPr lang="de-DE" sz="3600" dirty="0" smtClean="0"/>
+              <a:t>K</a:t>
+            </a:r>
+          </a:p>
+          <a:p>
+            <a:pPr marL="571500" indent="-571500" algn="just">
+              <a:buFont typeface="Arial" charset="0"/>
+              <a:buChar char="•"/>
+            </a:pPr>
+            <a:r>
+              <a:rPr lang="de-DE" sz="3600" dirty="0" smtClean="0"/>
+              <a:t>relative </a:t>
+            </a:r>
+            <a:r>
+              <a:rPr lang="de-DE" sz="3600" dirty="0" smtClean="0"/>
+              <a:t>Feuchte variiert stärker, meist 3 </a:t>
+            </a:r>
+            <a:r>
+              <a:rPr lang="de-DE" sz="3600" dirty="0"/>
+              <a:t>-</a:t>
+            </a:r>
+            <a:r>
+              <a:rPr lang="de-DE" sz="3600" dirty="0" smtClean="0"/>
+              <a:t> 5 %. An der </a:t>
+            </a:r>
+            <a:r>
+              <a:rPr lang="de-DE" sz="3600" dirty="0" smtClean="0"/>
+              <a:t>Ober-kante </a:t>
+            </a:r>
+            <a:r>
+              <a:rPr lang="de-DE" sz="3600" dirty="0" smtClean="0"/>
+              <a:t>der Grenzschicht variiert die Feuchte bis zu 10 %, da die Höhe der Oberkante innerhalb der Zeit stark </a:t>
+            </a:r>
+            <a:r>
+              <a:rPr lang="de-DE" sz="3600" dirty="0" smtClean="0"/>
+              <a:t>schwankt</a:t>
+            </a:r>
+            <a:endParaRPr lang="de-DE" sz="3600" dirty="0" smtClean="0"/>
+          </a:p>
+          <a:p>
+            <a:pPr marL="571500" indent="-571500" algn="just">
+              <a:buFont typeface="Arial" charset="0"/>
+              <a:buChar char="•"/>
+            </a:pPr>
+            <a:r>
+              <a:rPr lang="de-DE" sz="3600" dirty="0" smtClean="0"/>
+              <a:t>I</a:t>
+            </a:r>
+            <a:r>
+              <a:rPr lang="de-DE" sz="3600" dirty="0" smtClean="0"/>
+              <a:t>m </a:t>
+            </a:r>
+            <a:r>
+              <a:rPr lang="de-DE" sz="3600" dirty="0" smtClean="0"/>
+              <a:t>unteren Bereich ähneln die Werte der Radiosonde den Einzelprofilen am Anfang des </a:t>
+            </a:r>
+            <a:r>
+              <a:rPr lang="de-DE" sz="3600" dirty="0" smtClean="0"/>
+              <a:t>Aufstieges, im </a:t>
+            </a:r>
+            <a:r>
+              <a:rPr lang="de-DE" sz="3600" dirty="0" smtClean="0"/>
+              <a:t>oberen </a:t>
+            </a:r>
+            <a:r>
+              <a:rPr lang="de-DE" sz="3600" dirty="0" err="1" smtClean="0"/>
+              <a:t>Be</a:t>
+            </a:r>
+            <a:r>
+              <a:rPr lang="de-DE" sz="3600" dirty="0" smtClean="0"/>
+              <a:t>-reich </a:t>
+            </a:r>
+            <a:r>
+              <a:rPr lang="de-DE" sz="3600" dirty="0" smtClean="0"/>
+              <a:t>denen am Ende des </a:t>
+            </a:r>
+            <a:r>
+              <a:rPr lang="de-DE" sz="3600" dirty="0" smtClean="0"/>
+              <a:t>Aufstieges.</a:t>
+            </a:r>
+          </a:p>
+          <a:p>
+            <a:pPr marL="571500" indent="-571500" algn="just">
+              <a:buFont typeface="Arial" charset="0"/>
+              <a:buChar char="•"/>
+            </a:pPr>
+            <a:r>
+              <a:rPr lang="de-DE" sz="3600" dirty="0" smtClean="0"/>
+              <a:t>Das </a:t>
+            </a:r>
+            <a:r>
+              <a:rPr lang="de-DE" sz="3600" dirty="0" smtClean="0"/>
+              <a:t>Einzelprofil der Radiosonde setzt sich also aus </a:t>
+            </a:r>
+            <a:r>
+              <a:rPr lang="de-DE" sz="3600" dirty="0" err="1" smtClean="0"/>
+              <a:t>ver-schiedenen</a:t>
+            </a:r>
+            <a:r>
+              <a:rPr lang="de-DE" sz="3600" dirty="0" smtClean="0"/>
+              <a:t> </a:t>
+            </a:r>
+            <a:r>
+              <a:rPr lang="de-DE" sz="3600" dirty="0" smtClean="0"/>
+              <a:t>Zuständen der Grenzschicht zusammen, die sich im oberen Bereich erheblich unterscheiden  </a:t>
             </a:r>
           </a:p>
           <a:p>
@@ -3736,17 +4105,13 @@
         </p:nvSpPr>
         <p:spPr bwMode="auto">
           <a:xfrm>
-            <a:off x="1281899" y="31902641"/>
-            <a:ext cx="27465219" cy="3135632"/>
+            <a:off x="1931013" y="32729958"/>
+            <a:ext cx="25831187" cy="3135632"/>
           </a:xfrm>
           <a:prstGeom prst="rect">
             <a:avLst/>
           </a:prstGeom>
-          <a:solidFill>
-            <a:schemeClr val="bg1">
-              <a:lumMod val="75000"/>
-            </a:schemeClr>
-          </a:solidFill>
+          <a:noFill/>
           <a:ln>
             <a:solidFill>
               <a:schemeClr val="bg1">
@@ -3851,8 +4216,8 @@
         </p:nvSpPr>
         <p:spPr bwMode="auto">
           <a:xfrm>
-            <a:off x="1931012" y="7047886"/>
-            <a:ext cx="26096025" cy="4011384"/>
+            <a:off x="1931013" y="7343769"/>
+            <a:ext cx="12142797" cy="4011384"/>
           </a:xfrm>
           <a:prstGeom prst="rect">
             <a:avLst/>
@@ -3902,26 +4267,22 @@
                 <a:latin typeface="Arial" charset="0"/>
                 <a:ea typeface="ＭＳ Ｐゴシック" pitchFamily="124" charset="-128"/>
               </a:rPr>
-              <a:t>Motivation</a:t>
-            </a:r>
+              <a:t>Einleitung</a:t>
+            </a:r>
+            <a:endParaRPr kumimoji="0" lang="de-DE" sz="5400" b="1" i="0" u="none" strike="noStrike" cap="none" normalizeH="0" baseline="0" dirty="0" smtClean="0">
+              <a:ln>
+                <a:noFill/>
+              </a:ln>
+              <a:solidFill>
+                <a:srgbClr val="CB1028"/>
+              </a:solidFill>
+              <a:effectLst/>
+              <a:latin typeface="Arial" charset="0"/>
+              <a:ea typeface="ＭＳ Ｐゴシック" pitchFamily="124" charset="-128"/>
+            </a:endParaRPr>
           </a:p>
           <a:p>
-            <a:pPr marL="0" marR="0" indent="0" algn="just" defTabSz="914400" rtl="0" eaLnBrk="0" fontAlgn="base" latinLnBrk="0" hangingPunct="0">
-              <a:lnSpc>
-                <a:spcPct val="100000"/>
-              </a:lnSpc>
-              <a:spcBef>
-                <a:spcPct val="0"/>
-              </a:spcBef>
-              <a:spcAft>
-                <a:spcPct val="0"/>
-              </a:spcAft>
-              <a:buClrTx/>
-              <a:buSzTx/>
-              <a:buFontTx/>
-              <a:buNone/>
-              <a:tabLst/>
-            </a:pPr>
+            <a:pPr algn="just"/>
             <a:r>
               <a:rPr kumimoji="0" lang="de-DE" sz="3600" b="0" i="1" u="none" strike="noStrike" cap="none" normalizeH="0" baseline="0" dirty="0" smtClean="0">
                 <a:ln>
@@ -3946,37 +4307,39 @@
                 <a:effectLst/>
                 <a:ea typeface="ＭＳ Ｐゴシック" pitchFamily="124" charset="-128"/>
               </a:rPr>
-              <a:t> Ballonaufstiege durchgeführt.</a:t>
+              <a:t> </a:t>
+            </a:r>
+            <a:r>
+              <a:rPr kumimoji="0" lang="de-DE" sz="3600" b="0" i="1" u="none" strike="noStrike" cap="none" normalizeH="0" dirty="0" smtClean="0">
+                <a:ln>
+                  <a:noFill/>
+                </a:ln>
+                <a:solidFill>
+                  <a:srgbClr val="000000"/>
+                </a:solidFill>
+                <a:effectLst/>
+                <a:ea typeface="ＭＳ Ｐゴシック" pitchFamily="124" charset="-128"/>
+              </a:rPr>
+              <a:t>Ballon-aufstiege </a:t>
+            </a:r>
+            <a:r>
+              <a:rPr kumimoji="0" lang="de-DE" sz="3600" b="0" i="1" u="none" strike="noStrike" cap="none" normalizeH="0" dirty="0" smtClean="0">
+                <a:ln>
+                  <a:noFill/>
+                </a:ln>
+                <a:solidFill>
+                  <a:srgbClr val="000000"/>
+                </a:solidFill>
+                <a:effectLst/>
+                <a:ea typeface="ＭＳ Ｐゴシック" pitchFamily="124" charset="-128"/>
+              </a:rPr>
+              <a:t>durchgeführt.</a:t>
             </a:r>
             <a:r>
               <a:rPr lang="de-DE" sz="3600" i="1" dirty="0" smtClean="0">
                 <a:ea typeface="ＭＳ Ｐゴシック" pitchFamily="124" charset="-128"/>
               </a:rPr>
-              <a:t> Da die Grenzschicht zeitlich und räumlich stark variabel ist, ist ein Einzelaufstieg meist nicht repräsentativ für den mittleren Zustand der Grenzschicht. Aber wie gut repräsentiert ein einzelner Aufstieg den </a:t>
-            </a:r>
-            <a:r>
-              <a:rPr lang="de-DE" sz="3600" i="1" dirty="0" err="1" smtClean="0">
-                <a:ea typeface="ＭＳ Ｐゴシック" pitchFamily="124" charset="-128"/>
-              </a:rPr>
-              <a:t>instantanen</a:t>
-            </a:r>
-            <a:r>
-              <a:rPr lang="de-DE" sz="3600" i="1" dirty="0" smtClean="0">
-                <a:ea typeface="ＭＳ Ｐゴシック" pitchFamily="124" charset="-128"/>
-              </a:rPr>
-              <a:t> Zustand der Grenzschicht? Wieviel Fehler entsteht dadurch, dass der Sensor nicht an einem Zeitpunkt die ganze Grenzschicht misst? Mit den kontinuierlichen Messungen der </a:t>
-            </a:r>
-            <a:r>
-              <a:rPr lang="de-DE" sz="3600" i="1" dirty="0" smtClean="0">
-                <a:ea typeface="ＭＳ Ｐゴシック" pitchFamily="124" charset="-128"/>
-              </a:rPr>
-              <a:t>ALPACAs </a:t>
-            </a:r>
-            <a:r>
-              <a:rPr lang="de-DE" sz="3600" i="1" dirty="0" smtClean="0">
-                <a:ea typeface="ＭＳ Ｐゴシック" pitchFamily="124" charset="-128"/>
-              </a:rPr>
-              <a:t>lassen sich diese Fragen beantworten.</a:t>
+              <a:t> Da die Grenzschicht zeitlich und räumlich stark variabel ist, ist ein Einzelaufstieg meist nicht repräsentativ für den mittleren Zustand der Grenzschicht. </a:t>
             </a:r>
           </a:p>
         </p:txBody>
@@ -3989,7 +4352,7 @@
         </p:nvSpPr>
         <p:spPr>
           <a:xfrm>
-            <a:off x="21341147" y="17690463"/>
+            <a:off x="21884079" y="18300065"/>
             <a:ext cx="4177490" cy="646331"/>
           </a:xfrm>
           <a:prstGeom prst="rect">
@@ -4049,8 +4412,8 @@
         </p:nvSpPr>
         <p:spPr bwMode="auto">
           <a:xfrm>
-            <a:off x="1372834" y="11514752"/>
-            <a:ext cx="27374834" cy="8138906"/>
+            <a:off x="1372834" y="12124354"/>
+            <a:ext cx="27374834" cy="7999069"/>
           </a:xfrm>
           <a:prstGeom prst="rect">
             <a:avLst/>
@@ -4177,6 +4540,419 @@
           </a:extLst>
         </p:spPr>
       </p:pic>
+      <p:sp>
+        <p:nvSpPr>
+          <p:cNvPr id="7" name="Textfeld 6"/>
+          <p:cNvSpPr txBox="1"/>
+          <p:nvPr/>
+        </p:nvSpPr>
+        <p:spPr>
+          <a:xfrm>
+            <a:off x="1744119" y="4911280"/>
+            <a:ext cx="22396642" cy="1446550"/>
+          </a:xfrm>
+          <a:prstGeom prst="rect">
+            <a:avLst/>
+          </a:prstGeom>
+          <a:noFill/>
+        </p:spPr>
+        <p:txBody>
+          <a:bodyPr wrap="square" rtlCol="0">
+            <a:spAutoFit/>
+          </a:bodyPr>
+          <a:lstStyle/>
+          <a:p>
+            <a:r>
+              <a:rPr lang="de-DE" sz="2800" i="1" dirty="0" err="1" smtClean="0">
+                <a:solidFill>
+                  <a:schemeClr val="tx1">
+                    <a:lumMod val="65000"/>
+                    <a:lumOff val="35000"/>
+                  </a:schemeClr>
+                </a:solidFill>
+              </a:rPr>
+              <a:t>laura.dietrich@studium.uni-hamburg.de</a:t>
+            </a:r>
+            <a:r>
+              <a:rPr lang="de-DE" sz="2800" i="1" dirty="0">
+                <a:solidFill>
+                  <a:schemeClr val="tx1">
+                    <a:lumMod val="65000"/>
+                    <a:lumOff val="35000"/>
+                  </a:schemeClr>
+                </a:solidFill>
+              </a:rPr>
+              <a:t>, </a:t>
+            </a:r>
+            <a:r>
+              <a:rPr lang="de-DE" sz="2800" i="1" dirty="0" err="1">
+                <a:solidFill>
+                  <a:schemeClr val="tx1">
+                    <a:lumMod val="65000"/>
+                    <a:lumOff val="35000"/>
+                  </a:schemeClr>
+                </a:solidFill>
+              </a:rPr>
+              <a:t>hennig.dorff@studium.uni-hamburg.de</a:t>
+            </a:r>
+            <a:r>
+              <a:rPr lang="de-DE" sz="2800" i="1" dirty="0">
+                <a:solidFill>
+                  <a:schemeClr val="tx1">
+                    <a:lumMod val="65000"/>
+                    <a:lumOff val="35000"/>
+                  </a:schemeClr>
+                </a:solidFill>
+              </a:rPr>
+              <a:t>, </a:t>
+            </a:r>
+            <a:r>
+              <a:rPr lang="de-DE" sz="2800" i="1" dirty="0" err="1">
+                <a:solidFill>
+                  <a:schemeClr val="tx1">
+                    <a:lumMod val="65000"/>
+                    <a:lumOff val="35000"/>
+                  </a:schemeClr>
+                </a:solidFill>
+              </a:rPr>
+              <a:t>jakob.doerr@studium.uni-hamburg.de</a:t>
+            </a:r>
+            <a:r>
+              <a:rPr lang="de-DE" sz="2800" i="1" dirty="0">
+                <a:solidFill>
+                  <a:schemeClr val="tx1">
+                    <a:lumMod val="65000"/>
+                    <a:lumOff val="35000"/>
+                  </a:schemeClr>
+                </a:solidFill>
+              </a:rPr>
+              <a:t>, </a:t>
+            </a:r>
+            <a:r>
+              <a:rPr lang="de-DE" sz="2800" i="1" dirty="0" err="1">
+                <a:solidFill>
+                  <a:schemeClr val="tx1">
+                    <a:lumMod val="65000"/>
+                    <a:lumOff val="35000"/>
+                  </a:schemeClr>
+                </a:solidFill>
+              </a:rPr>
+              <a:t>joscha.fregin@studium.uni-hamburg.de</a:t>
+            </a:r>
+            <a:r>
+              <a:rPr lang="de-DE" sz="2800" i="1" dirty="0">
+                <a:solidFill>
+                  <a:schemeClr val="tx1">
+                    <a:lumMod val="65000"/>
+                    <a:lumOff val="35000"/>
+                  </a:schemeClr>
+                </a:solidFill>
+              </a:rPr>
+              <a:t>, </a:t>
+            </a:r>
+            <a:r>
+              <a:rPr lang="de-DE" sz="2800" i="1" dirty="0" err="1">
+                <a:solidFill>
+                  <a:schemeClr val="tx1">
+                    <a:lumMod val="65000"/>
+                    <a:lumOff val="35000"/>
+                  </a:schemeClr>
+                </a:solidFill>
+              </a:rPr>
+              <a:t>theresa.lang@studium.uni-hamburg.de</a:t>
+            </a:r>
+            <a:r>
+              <a:rPr lang="de-DE" sz="2800" i="1" dirty="0">
+                <a:solidFill>
+                  <a:schemeClr val="tx1">
+                    <a:lumMod val="65000"/>
+                    <a:lumOff val="35000"/>
+                  </a:schemeClr>
+                </a:solidFill>
+              </a:rPr>
+              <a:t>, </a:t>
+            </a:r>
+            <a:r>
+              <a:rPr lang="de-DE" sz="2800" i="1" dirty="0" err="1">
+                <a:solidFill>
+                  <a:schemeClr val="tx1">
+                    <a:lumMod val="65000"/>
+                    <a:lumOff val="35000"/>
+                  </a:schemeClr>
+                </a:solidFill>
+              </a:rPr>
+              <a:t>simon.michel@studium.uni-hamburg.de</a:t>
+            </a:r>
+            <a:r>
+              <a:rPr lang="de-DE" sz="2800" i="1" dirty="0">
+                <a:solidFill>
+                  <a:schemeClr val="tx1">
+                    <a:lumMod val="65000"/>
+                    <a:lumOff val="35000"/>
+                  </a:schemeClr>
+                </a:solidFill>
+              </a:rPr>
+              <a:t> </a:t>
+            </a:r>
+          </a:p>
+          <a:p>
+            <a:endParaRPr lang="de-DE" sz="3200" dirty="0"/>
+          </a:p>
+        </p:txBody>
+      </p:sp>
+      <p:sp>
+        <p:nvSpPr>
+          <p:cNvPr id="37" name="Rechteck 36"/>
+          <p:cNvSpPr/>
+          <p:nvPr/>
+        </p:nvSpPr>
+        <p:spPr bwMode="auto">
+          <a:xfrm>
+            <a:off x="15341104" y="7327116"/>
+            <a:ext cx="12421096" cy="4011384"/>
+          </a:xfrm>
+          <a:prstGeom prst="rect">
+            <a:avLst/>
+          </a:prstGeom>
+          <a:solidFill>
+            <a:schemeClr val="bg1"/>
+          </a:solidFill>
+          <a:ln>
+            <a:noFill/>
+          </a:ln>
+          <a:effectLst/>
+          <a:extLst/>
+        </p:spPr>
+        <p:txBody>
+          <a:bodyPr vert="horz" wrap="square" lIns="90000" tIns="46800" rIns="90000" bIns="46800" numCol="1" rtlCol="0" anchor="t" anchorCtr="0" compatLnSpc="1">
+            <a:prstTxWarp prst="textNoShape">
+              <a:avLst/>
+            </a:prstTxWarp>
+          </a:bodyPr>
+          <a:lstStyle/>
+          <a:p>
+            <a:pPr marL="0" marR="0" indent="0" algn="l" defTabSz="914400" rtl="0" eaLnBrk="0" fontAlgn="base" latinLnBrk="0" hangingPunct="0">
+              <a:lnSpc>
+                <a:spcPct val="100000"/>
+              </a:lnSpc>
+              <a:spcBef>
+                <a:spcPct val="0"/>
+              </a:spcBef>
+              <a:spcAft>
+                <a:spcPct val="0"/>
+              </a:spcAft>
+              <a:buClrTx/>
+              <a:buSzTx/>
+              <a:buFontTx/>
+              <a:buNone/>
+              <a:tabLst/>
+            </a:pPr>
+            <a:r>
+              <a:rPr kumimoji="0" lang="de-DE" sz="5400" b="1" i="0" u="none" strike="noStrike" cap="none" normalizeH="0" baseline="0" dirty="0" smtClean="0">
+                <a:ln>
+                  <a:noFill/>
+                </a:ln>
+                <a:solidFill>
+                  <a:srgbClr val="CB1028"/>
+                </a:solidFill>
+                <a:effectLst/>
+                <a:latin typeface="Arial" charset="0"/>
+                <a:ea typeface="ＭＳ Ｐゴシック" pitchFamily="124" charset="-128"/>
+              </a:rPr>
+              <a:t>Fragestellung</a:t>
+            </a:r>
+            <a:endParaRPr kumimoji="0" lang="de-DE" sz="5400" b="1" i="0" u="none" strike="noStrike" cap="none" normalizeH="0" baseline="0" dirty="0" smtClean="0">
+              <a:ln>
+                <a:noFill/>
+              </a:ln>
+              <a:solidFill>
+                <a:srgbClr val="CB1028"/>
+              </a:solidFill>
+              <a:effectLst/>
+              <a:latin typeface="Arial" charset="0"/>
+              <a:ea typeface="ＭＳ Ｐゴシック" pitchFamily="124" charset="-128"/>
+            </a:endParaRPr>
+          </a:p>
+          <a:p>
+            <a:pPr algn="just"/>
+            <a:r>
+              <a:rPr lang="de-DE" sz="3600" i="1" dirty="0" smtClean="0">
+                <a:ea typeface="ＭＳ Ｐゴシック" pitchFamily="124" charset="-128"/>
+              </a:rPr>
+              <a:t>Wie </a:t>
+            </a:r>
+            <a:r>
+              <a:rPr lang="de-DE" sz="3600" i="1" dirty="0">
+                <a:ea typeface="ＭＳ Ｐゴシック" pitchFamily="124" charset="-128"/>
+              </a:rPr>
+              <a:t>gut repräsentiert ein einzelner Aufstieg den </a:t>
+            </a:r>
+            <a:r>
+              <a:rPr lang="de-DE" sz="3600" i="1" dirty="0" err="1">
+                <a:ea typeface="ＭＳ Ｐゴシック" pitchFamily="124" charset="-128"/>
+              </a:rPr>
+              <a:t>instantanen</a:t>
+            </a:r>
+            <a:r>
+              <a:rPr lang="de-DE" sz="3600" i="1" dirty="0">
+                <a:ea typeface="ＭＳ Ｐゴシック" pitchFamily="124" charset="-128"/>
+              </a:rPr>
+              <a:t> Zustand der Grenzschicht? </a:t>
+            </a:r>
+            <a:r>
+              <a:rPr lang="de-DE" sz="3600" i="1" dirty="0" smtClean="0">
+                <a:ea typeface="ＭＳ Ｐゴシック" pitchFamily="124" charset="-128"/>
+              </a:rPr>
+              <a:t>Welcher Fehler </a:t>
+            </a:r>
+            <a:r>
+              <a:rPr lang="de-DE" sz="3600" i="1" dirty="0">
+                <a:ea typeface="ＭＳ Ｐゴシック" pitchFamily="124" charset="-128"/>
+              </a:rPr>
+              <a:t>entsteht </a:t>
+            </a:r>
+            <a:r>
+              <a:rPr lang="de-DE" sz="3600" i="1" dirty="0" smtClean="0">
+                <a:ea typeface="ＭＳ Ｐゴシック" pitchFamily="124" charset="-128"/>
+              </a:rPr>
+              <a:t>da-durch</a:t>
+            </a:r>
+            <a:r>
+              <a:rPr lang="de-DE" sz="3600" i="1" dirty="0">
+                <a:ea typeface="ＭＳ Ｐゴシック" pitchFamily="124" charset="-128"/>
+              </a:rPr>
+              <a:t>, dass der Sensor nicht an einem Zeitpunkt die ganze Grenzschicht misst? Mit den </a:t>
+            </a:r>
+            <a:r>
+              <a:rPr lang="de-DE" sz="3600" i="1" dirty="0" smtClean="0">
+                <a:ea typeface="ＭＳ Ｐゴシック" pitchFamily="124" charset="-128"/>
+              </a:rPr>
+              <a:t>kontinuierlichen Messungen </a:t>
+            </a:r>
+            <a:r>
+              <a:rPr lang="de-DE" sz="3600" i="1" dirty="0">
+                <a:ea typeface="ＭＳ Ｐゴシック" pitchFamily="124" charset="-128"/>
+              </a:rPr>
+              <a:t>der ALPACAs lassen sich diese Fragen </a:t>
+            </a:r>
+            <a:r>
+              <a:rPr lang="de-DE" sz="3600" i="1" dirty="0" smtClean="0">
+                <a:ea typeface="ＭＳ Ｐゴシック" pitchFamily="124" charset="-128"/>
+              </a:rPr>
+              <a:t>beantworten</a:t>
+            </a:r>
+            <a:r>
+              <a:rPr lang="de-DE" sz="3600" i="1" dirty="0">
+                <a:ea typeface="ＭＳ Ｐゴシック" pitchFamily="124" charset="-128"/>
+              </a:rPr>
+              <a:t>.</a:t>
+            </a:r>
+          </a:p>
+          <a:p>
+            <a:pPr marL="0" marR="0" indent="0" algn="just" defTabSz="914400" rtl="0" eaLnBrk="0" fontAlgn="base" latinLnBrk="0" hangingPunct="0">
+              <a:lnSpc>
+                <a:spcPct val="100000"/>
+              </a:lnSpc>
+              <a:spcBef>
+                <a:spcPct val="0"/>
+              </a:spcBef>
+              <a:spcAft>
+                <a:spcPct val="0"/>
+              </a:spcAft>
+              <a:buClrTx/>
+              <a:buSzTx/>
+              <a:buFontTx/>
+              <a:buNone/>
+              <a:tabLst/>
+            </a:pPr>
+            <a:endParaRPr lang="de-DE" sz="3600" i="1" dirty="0" smtClean="0">
+              <a:ea typeface="ＭＳ Ｐゴシック" pitchFamily="124" charset="-128"/>
+            </a:endParaRPr>
+          </a:p>
+        </p:txBody>
+      </p:sp>
+      <p:sp>
+        <p:nvSpPr>
+          <p:cNvPr id="38" name="Rechteck 37"/>
+          <p:cNvSpPr/>
+          <p:nvPr/>
+        </p:nvSpPr>
+        <p:spPr bwMode="auto">
+          <a:xfrm>
+            <a:off x="1372284" y="7214082"/>
+            <a:ext cx="13127487" cy="4513572"/>
+          </a:xfrm>
+          <a:prstGeom prst="rect">
+            <a:avLst/>
+          </a:prstGeom>
+          <a:noFill/>
+          <a:ln w="98425" cap="flat" cmpd="sng" algn="ctr">
+            <a:solidFill>
+              <a:srgbClr val="CB1028"/>
+            </a:solidFill>
+            <a:prstDash val="solid"/>
+            <a:round/>
+            <a:headEnd type="none" w="med" len="med"/>
+            <a:tailEnd type="none" w="med" len="med"/>
+          </a:ln>
+          <a:effectLst/>
+          <a:extLst>
+            <a:ext uri="{909E8E84-426E-40DD-AFC4-6F175D3DCCD1}">
+              <a14:hiddenFill xmlns:a14="http://schemas.microsoft.com/office/drawing/2010/main">
+                <a:solidFill>
+                  <a:schemeClr val="accent1"/>
+                </a:solidFill>
+              </a14:hiddenFill>
+            </a:ext>
+            <a:ext uri="{AF507438-7753-43E0-B8FC-AC1667EBCBE1}">
+              <a14:hiddenEffects xmlns:a14="http://schemas.microsoft.com/office/drawing/2010/main">
+                <a:effectLst>
+                  <a:outerShdw dist="35921" dir="2700000" algn="ctr" rotWithShape="0">
+                    <a:schemeClr val="bg2"/>
+                  </a:outerShdw>
+                </a:effectLst>
+              </a14:hiddenEffects>
+            </a:ext>
+          </a:extLst>
+        </p:spPr>
+        <p:txBody>
+          <a:bodyPr vert="horz" wrap="square" lIns="90000" tIns="46800" rIns="90000" bIns="46800" numCol="1" rtlCol="0" anchor="t" anchorCtr="0" compatLnSpc="1">
+            <a:prstTxWarp prst="textNoShape">
+              <a:avLst/>
+            </a:prstTxWarp>
+          </a:bodyPr>
+          <a:lstStyle/>
+          <a:p>
+            <a:pPr marL="0" marR="0" indent="0" algn="l" defTabSz="914400" rtl="0" eaLnBrk="0" fontAlgn="base" latinLnBrk="0" hangingPunct="0">
+              <a:lnSpc>
+                <a:spcPct val="100000"/>
+              </a:lnSpc>
+              <a:spcBef>
+                <a:spcPct val="0"/>
+              </a:spcBef>
+              <a:spcAft>
+                <a:spcPct val="0"/>
+              </a:spcAft>
+              <a:buClrTx/>
+              <a:buSzTx/>
+              <a:buFontTx/>
+              <a:buNone/>
+              <a:tabLst/>
+            </a:pPr>
+            <a:endParaRPr kumimoji="0" lang="de-DE" sz="2400" b="0" i="0" u="none" strike="noStrike" cap="none" normalizeH="0" baseline="0" smtClean="0">
+              <a:ln>
+                <a:noFill/>
+              </a:ln>
+              <a:solidFill>
+                <a:srgbClr val="000000"/>
+              </a:solidFill>
+              <a:effectLst/>
+              <a:latin typeface="Arial" charset="0"/>
+              <a:ea typeface="ＭＳ Ｐゴシック" pitchFamily="124" charset="-128"/>
+            </a:endParaRPr>
+          </a:p>
+        </p:txBody>
+      </p:sp>
     </p:spTree>
   </p:cSld>
   <p:clrMapOvr>

--- a/poster/lex2018_poster_Profilensembles.pptx
+++ b/poster/lex2018_poster_Profilensembles.pptx
@@ -295,7 +295,7 @@
               <a:pPr>
                 <a:defRPr/>
               </a:pPr>
-              <a:t>01.10.18</a:t>
+              <a:t>02.10.2018</a:t>
             </a:fld>
             <a:endParaRPr lang="de-DE"/>
           </a:p>
@@ -598,7 +598,7 @@
               <a14:shadowObscured xmlns:a14="http://schemas.microsoft.com/office/drawing/2010/main" val="1"/>
             </a:ext>
             <a:ext uri="{FAA26D3D-D897-4be2-8F04-BA451C77F1D7}">
-              <ma14:placeholderFlag xmlns:ma14="http://schemas.microsoft.com/office/mac/drawingml/2011/main" val="1"/>
+              <ma14:placeholderFlag xmlns:ma14="http://schemas.microsoft.com/office/mac/drawingml/2011/main" xmlns="" val="1"/>
             </a:ext>
           </a:extLst>
         </p:spPr>
@@ -1148,7 +1148,7 @@
           <a:noFill/>
           <a:extLst>
             <a:ext uri="{FAA26D3D-D897-4be2-8F04-BA451C77F1D7}">
-              <ma14:placeholderFlag xmlns:ma14="http://schemas.microsoft.com/office/mac/drawingml/2011/main" val="1"/>
+              <ma14:placeholderFlag xmlns:ma14="http://schemas.microsoft.com/office/mac/drawingml/2011/main" xmlns="" val="1"/>
             </a:ext>
           </a:extLst>
         </p:spPr>
@@ -1944,7 +1944,7 @@
               <a:buNone/>
               <a:tabLst/>
             </a:pPr>
-            <a:endParaRPr kumimoji="0" lang="de-DE" sz="2400" b="0" i="0" u="none" strike="noStrike" cap="none" normalizeH="0" baseline="0" smtClean="0">
+            <a:endParaRPr kumimoji="0" lang="de-DE" sz="2400" b="0" i="0" u="none" strike="noStrike" cap="none" normalizeH="0" baseline="0">
               <a:ln>
                 <a:noFill/>
               </a:ln>
@@ -2200,14 +2200,9 @@
           </a:lstStyle>
           <a:p>
             <a:r>
-              <a:rPr lang="de-DE" sz="2400" i="1" dirty="0" smtClean="0"/>
-              <a:t>Temperatur</a:t>
-            </a:r>
-            <a:r>
-              <a:rPr lang="de-DE" sz="2400" i="1" dirty="0" smtClean="0"/>
-              <a:t>. (links) und Feuchteprofil einer Radiosonde (rot) und 30 simulierten Einzelprofilen der ALPACAS (farbig) sowie deren zeitliches Mittel (schwarz). Alle Profile stammen vom 29.8.2018 aus der Zeit zwischen 12:59 Uhr  und 13:02 Uhr.</a:t>
-            </a:r>
-            <a:endParaRPr lang="de-DE" sz="2400" i="1" dirty="0"/>
+              <a:rPr lang="de-DE" sz="2400" i="1" dirty="0"/>
+              <a:t>Temperatur. (links) und Feuchteprofil einer Radiosonde (rot) und 30 simulierten Einzelprofilen der ALPACAS (farbig) sowie deren zeitliches Mittel (schwarz). Alle Profile stammen vom 29.8.2018 aus der Zeit zwischen 12:59 Uhr  und 13:02 Uhr.</a:t>
+            </a:r>
           </a:p>
           <a:p>
             <a:endParaRPr lang="de-DE" sz="2000" dirty="0"/>
@@ -2961,26 +2956,10 @@
                   <a:schemeClr val="tx1"/>
                 </a:solidFill>
               </a:rPr>
-              <a:t>Laura </a:t>
-            </a:r>
-            <a:r>
-              <a:rPr lang="de-DE" sz="4400" b="1" dirty="0" smtClean="0">
-                <a:solidFill>
-                  <a:schemeClr val="tx1"/>
-                </a:solidFill>
-              </a:rPr>
-              <a:t>Dietrich, </a:t>
-            </a:r>
-            <a:r>
-              <a:rPr lang="de-DE" sz="4400" b="1" dirty="0">
-                <a:solidFill>
-                  <a:schemeClr val="tx1"/>
-                </a:solidFill>
-              </a:rPr>
-              <a:t>Henning </a:t>
-            </a:r>
-            <a:r>
-              <a:rPr lang="de-DE" sz="4400" b="1" dirty="0" err="1" smtClean="0">
+              <a:t>Laura Dietrich, Henning </a:t>
+            </a:r>
+            <a:r>
+              <a:rPr lang="de-DE" sz="4400" b="1" dirty="0" err="1">
                 <a:solidFill>
                   <a:schemeClr val="tx1"/>
                 </a:solidFill>
@@ -2988,34 +2967,13 @@
               <a:t>Dorff</a:t>
             </a:r>
             <a:r>
-              <a:rPr lang="de-DE" sz="4400" b="1" dirty="0" smtClean="0">
+              <a:rPr lang="de-DE" sz="4400" b="1" dirty="0">
                 <a:solidFill>
                   <a:schemeClr val="tx1"/>
                 </a:solidFill>
               </a:rPr>
-              <a:t>, </a:t>
-            </a:r>
-            <a:r>
-              <a:rPr lang="de-DE" sz="4400" b="1" dirty="0">
-                <a:solidFill>
-                  <a:schemeClr val="tx1"/>
-                </a:solidFill>
-              </a:rPr>
-              <a:t>Jakob </a:t>
-            </a:r>
-            <a:r>
-              <a:rPr lang="de-DE" sz="4400" b="1" dirty="0" smtClean="0">
-                <a:solidFill>
-                  <a:schemeClr val="tx1"/>
-                </a:solidFill>
-              </a:rPr>
-              <a:t>Dörr, </a:t>
-            </a:r>
-            <a:endParaRPr lang="de-DE" sz="4400" b="1" dirty="0">
-              <a:solidFill>
-                <a:schemeClr val="tx1"/>
-              </a:solidFill>
-            </a:endParaRPr>
+              <a:t>, Jakob Dörr, </a:t>
+            </a:r>
           </a:p>
           <a:p>
             <a:pPr>
@@ -3040,7 +2998,7 @@
               <a:t> </a:t>
             </a:r>
             <a:r>
-              <a:rPr lang="de-DE" sz="4400" b="1" dirty="0" err="1" smtClean="0">
+              <a:rPr lang="de-DE" sz="4400" b="1" dirty="0" err="1">
                 <a:solidFill>
                   <a:schemeClr val="tx1"/>
                 </a:solidFill>
@@ -3048,44 +3006,12 @@
               <a:t>Fregin</a:t>
             </a:r>
             <a:r>
-              <a:rPr lang="de-DE" sz="4400" b="1" dirty="0" smtClean="0">
+              <a:rPr lang="de-DE" sz="4400" b="1" dirty="0">
                 <a:solidFill>
                   <a:schemeClr val="tx1"/>
                 </a:solidFill>
               </a:rPr>
-              <a:t>, </a:t>
-            </a:r>
-            <a:r>
-              <a:rPr lang="de-DE" sz="4400" b="1" dirty="0">
-                <a:solidFill>
-                  <a:schemeClr val="tx1"/>
-                </a:solidFill>
-              </a:rPr>
-              <a:t>Theresa </a:t>
-            </a:r>
-            <a:r>
-              <a:rPr lang="de-DE" sz="4400" b="1" dirty="0" smtClean="0">
-                <a:solidFill>
-                  <a:schemeClr val="tx1"/>
-                </a:solidFill>
-              </a:rPr>
-              <a:t>Lang, </a:t>
-            </a:r>
-            <a:r>
-              <a:rPr lang="de-DE" sz="4400" b="1" dirty="0">
-                <a:solidFill>
-                  <a:schemeClr val="tx1"/>
-                </a:solidFill>
-              </a:rPr>
-              <a:t>Simon </a:t>
-            </a:r>
-            <a:r>
-              <a:rPr lang="de-DE" sz="4400" b="1" dirty="0" smtClean="0">
-                <a:solidFill>
-                  <a:schemeClr val="tx1"/>
-                </a:solidFill>
-              </a:rPr>
-              <a:t>Michel</a:t>
+              <a:t>, Theresa Lang, Simon Michel</a:t>
             </a:r>
           </a:p>
           <a:p>
@@ -3094,7 +3020,7 @@
                 <a:spcPct val="110000"/>
               </a:lnSpc>
             </a:pPr>
-            <a:endParaRPr lang="de-DE" sz="2000" b="1" dirty="0" smtClean="0">
+            <a:endParaRPr lang="de-DE" sz="2000" b="1" dirty="0">
               <a:solidFill>
                 <a:schemeClr val="tx1"/>
               </a:solidFill>
@@ -3509,10 +3435,9 @@
           <a:lstStyle/>
           <a:p>
             <a:r>
-              <a:rPr lang="de-DE" sz="3600" dirty="0" smtClean="0"/>
+              <a:rPr lang="de-DE" sz="3600" dirty="0"/>
               <a:t>Helikite</a:t>
             </a:r>
-            <a:endParaRPr lang="de-DE" sz="3600" dirty="0"/>
           </a:p>
         </p:txBody>
       </p:sp>
@@ -3539,7 +3464,7 @@
           <a:lstStyle/>
           <a:p>
             <a:r>
-              <a:rPr lang="de-DE" sz="3600" dirty="0" smtClean="0"/>
+              <a:rPr lang="de-DE" sz="3600" dirty="0"/>
               <a:t>Radiosonde</a:t>
             </a:r>
             <a:endParaRPr lang="de-DE" dirty="0"/>
@@ -3614,7 +3539,7 @@
               <a:buNone/>
               <a:tabLst/>
             </a:pPr>
-            <a:endParaRPr kumimoji="0" lang="de-DE" sz="2400" b="0" i="0" u="none" strike="noStrike" cap="none" normalizeH="0" baseline="0" smtClean="0">
+            <a:endParaRPr kumimoji="0" lang="de-DE" sz="2400" b="0" i="0" u="none" strike="noStrike" cap="none" normalizeH="0" baseline="0">
               <a:ln>
                 <a:noFill/>
               </a:ln>
@@ -3696,7 +3621,7 @@
               <a:buNone/>
               <a:tabLst/>
             </a:pPr>
-            <a:endParaRPr kumimoji="0" lang="de-DE" sz="2400" b="0" i="0" u="none" strike="noStrike" cap="none" normalizeH="0" baseline="0" smtClean="0">
+            <a:endParaRPr kumimoji="0" lang="de-DE" sz="2400" b="0" i="0" u="none" strike="noStrike" cap="none" normalizeH="0" baseline="0">
               <a:ln>
                 <a:noFill/>
               </a:ln>
@@ -3733,7 +3658,7 @@
           <a:lstStyle/>
           <a:p>
             <a:r>
-              <a:rPr lang="de-DE" sz="5400" b="1" dirty="0" smtClean="0">
+              <a:rPr lang="de-DE" sz="5400" b="1" dirty="0">
                 <a:solidFill>
                   <a:srgbClr val="CB1028"/>
                 </a:solidFill>
@@ -3744,99 +3669,63 @@
           <a:p>
             <a:pPr algn="just"/>
             <a:r>
-              <a:rPr lang="de-DE" sz="3600" dirty="0" smtClean="0"/>
+              <a:rPr lang="de-DE" sz="3600" dirty="0"/>
               <a:t>Zur Einschätzung der Variabilität der Grenzschicht während eines Aufstieges wurde eine Messung einer Radiosonde mit gleichzeitigen kontinuierlichen Messungen der Grenzschicht verglichen. Die </a:t>
             </a:r>
             <a:r>
-              <a:rPr lang="de-DE" sz="3600" dirty="0" err="1" smtClean="0"/>
+              <a:rPr lang="de-DE" sz="3600" dirty="0" err="1"/>
               <a:t>Mes-sungen</a:t>
             </a:r>
             <a:r>
-              <a:rPr lang="de-DE" sz="3600" dirty="0" smtClean="0"/>
-              <a:t> </a:t>
-            </a:r>
-            <a:r>
-              <a:rPr lang="de-DE" sz="3600" dirty="0" smtClean="0"/>
-              <a:t>wurden am 29.8.2018 in Marienleuchte durchgeführt. Um die Temperatur und Feuchte in der Grenzschicht kontinuierlich zu messen, wurden elf ALPACAs an der Leine eines </a:t>
-            </a:r>
-            <a:r>
-              <a:rPr lang="de-DE" sz="3600" dirty="0" err="1" smtClean="0"/>
+              <a:rPr lang="de-DE" sz="3600" dirty="0"/>
+              <a:t> wurden am 29.8.2018 in Marienleuchte durchgeführt. Um die Temperatur und Feuchte in der Grenzschicht kontinuierlich zu messen, wurden elf ALPACAs an der Leine eines </a:t>
+            </a:r>
+            <a:r>
+              <a:rPr lang="de-DE" sz="3600" dirty="0" err="1"/>
               <a:t>Helikites</a:t>
             </a:r>
             <a:r>
-              <a:rPr lang="de-DE" sz="3600" dirty="0" smtClean="0"/>
-              <a:t> in verschiedenen Höhen befestigt. Während der Messung wurde </a:t>
-            </a:r>
-            <a:r>
-              <a:rPr lang="de-DE" sz="3600" dirty="0" smtClean="0"/>
-              <a:t>ein </a:t>
-            </a:r>
-            <a:r>
-              <a:rPr lang="de-DE" sz="3600" dirty="0" err="1" smtClean="0"/>
+              <a:rPr lang="de-DE" sz="3600" dirty="0"/>
+              <a:t> in verschiedenen Höhen befestigt. Während der Messung wurde ein </a:t>
+            </a:r>
+            <a:r>
+              <a:rPr lang="de-DE" sz="3600" dirty="0" err="1"/>
               <a:t>Radiosondenaufstieg</a:t>
             </a:r>
             <a:r>
-              <a:rPr lang="de-DE" sz="3600" dirty="0" smtClean="0"/>
-              <a:t> </a:t>
-            </a:r>
-            <a:r>
-              <a:rPr lang="de-DE" sz="3600" dirty="0" smtClean="0"/>
-              <a:t>möglichst nahe am Helikite </a:t>
-            </a:r>
-            <a:r>
-              <a:rPr lang="de-DE" sz="3600" dirty="0" smtClean="0"/>
-              <a:t>durchgeführt</a:t>
-            </a:r>
-            <a:r>
-              <a:rPr lang="de-DE" sz="3600" dirty="0" smtClean="0"/>
-              <a:t>. </a:t>
-            </a:r>
-            <a:r>
-              <a:rPr lang="de-DE" sz="3600" dirty="0" smtClean="0"/>
-              <a:t>Aus den 3-sekündlichen </a:t>
-            </a:r>
-            <a:r>
-              <a:rPr lang="de-DE" sz="3600" dirty="0" smtClean="0"/>
-              <a:t>ALPACA Messungen während des </a:t>
-            </a:r>
-            <a:r>
-              <a:rPr lang="de-DE" sz="3600" dirty="0" err="1" smtClean="0"/>
+              <a:rPr lang="de-DE" sz="3600" dirty="0"/>
+              <a:t> möglichst nahe am Helikite durchgeführt. Aus den 3-sekündlichen ALPACA Messungen während des </a:t>
+            </a:r>
+            <a:r>
+              <a:rPr lang="de-DE" sz="3600" dirty="0" err="1"/>
               <a:t>Radiosondenaufstiegs</a:t>
             </a:r>
             <a:r>
-              <a:rPr lang="de-DE" sz="3600" dirty="0" smtClean="0"/>
+              <a:rPr lang="de-DE" sz="3600" dirty="0"/>
               <a:t> (ca. 2-3 Minuten) wurde ein Ensemble von 30 </a:t>
             </a:r>
             <a:r>
-              <a:rPr lang="de-DE" sz="3600" dirty="0" err="1" smtClean="0"/>
+              <a:rPr lang="de-DE" sz="3600" dirty="0" err="1"/>
               <a:t>instantanen</a:t>
             </a:r>
             <a:r>
-              <a:rPr lang="de-DE" sz="3600" dirty="0" smtClean="0"/>
-              <a:t> </a:t>
-            </a:r>
-            <a:r>
-              <a:rPr lang="de-DE" sz="3600" dirty="0" smtClean="0"/>
-              <a:t>Einzelprofilen </a:t>
-            </a:r>
-            <a:r>
-              <a:rPr lang="de-DE" sz="3600" dirty="0" err="1" smtClean="0"/>
+              <a:rPr lang="de-DE" sz="3600" dirty="0"/>
+              <a:t> Einzelprofilen </a:t>
+            </a:r>
+            <a:r>
+              <a:rPr lang="de-DE" sz="3600" dirty="0" err="1"/>
               <a:t>ge</a:t>
             </a:r>
             <a:r>
-              <a:rPr lang="de-DE" sz="3600" dirty="0" smtClean="0"/>
-              <a:t>-messen. </a:t>
-            </a:r>
-            <a:r>
-              <a:rPr lang="de-DE" sz="3600" dirty="0" smtClean="0"/>
-              <a:t>Anhand dieses Ensembles lässt sich bestimmen, wie stark Temperatur und Feuchte während des </a:t>
-            </a:r>
-            <a:r>
-              <a:rPr lang="de-DE" sz="3600" dirty="0" err="1" smtClean="0"/>
+              <a:rPr lang="de-DE" sz="3600" dirty="0"/>
+              <a:t>-messen. Anhand dieses Ensembles lässt sich bestimmen, wie stark Temperatur und Feuchte während des </a:t>
+            </a:r>
+            <a:r>
+              <a:rPr lang="de-DE" sz="3600" dirty="0" err="1"/>
               <a:t>Radiosondenaufstieges</a:t>
             </a:r>
             <a:r>
-              <a:rPr lang="de-DE" sz="3600" dirty="0" smtClean="0"/>
+              <a:rPr lang="de-DE" sz="3600" dirty="0"/>
               <a:t> variieren.</a:t>
             </a:r>
           </a:p>
@@ -3865,18 +3754,13 @@
           <a:lstStyle/>
           <a:p>
             <a:r>
-              <a:rPr lang="de-DE" sz="5400" b="1" dirty="0" smtClean="0">
+              <a:rPr lang="de-DE" sz="5400" b="1" dirty="0">
                 <a:solidFill>
                   <a:srgbClr val="CB1028"/>
                 </a:solidFill>
               </a:rPr>
               <a:t>Ergebnisse</a:t>
             </a:r>
-            <a:endParaRPr lang="de-DE" sz="5400" b="1" dirty="0" smtClean="0">
-              <a:solidFill>
-                <a:srgbClr val="CB1028"/>
-              </a:solidFill>
-            </a:endParaRPr>
           </a:p>
           <a:p>
             <a:pPr marL="571500" indent="-571500" algn="just">
@@ -3884,32 +3768,8 @@
               <a:buChar char="•"/>
             </a:pPr>
             <a:r>
-              <a:rPr lang="de-DE" sz="3600" dirty="0" smtClean="0"/>
-              <a:t>Temperatur- </a:t>
-            </a:r>
-            <a:r>
-              <a:rPr lang="de-DE" sz="3600" dirty="0" smtClean="0"/>
-              <a:t>und Feuchteprofil der Radiosonde </a:t>
-            </a:r>
-            <a:r>
-              <a:rPr lang="de-DE" sz="3600" dirty="0" smtClean="0"/>
-              <a:t>decken </a:t>
-            </a:r>
-            <a:r>
-              <a:rPr lang="de-DE" sz="3600" dirty="0" smtClean="0"/>
-              <a:t>sich größtenteils mit den </a:t>
-            </a:r>
-            <a:r>
-              <a:rPr lang="de-DE" sz="3600" dirty="0" smtClean="0"/>
-              <a:t>ALPACA Ensembles </a:t>
-            </a:r>
-            <a:r>
-              <a:rPr lang="de-DE" sz="3600" dirty="0" smtClean="0"/>
-              <a:t>(</a:t>
-            </a:r>
-            <a:r>
-              <a:rPr lang="de-DE" sz="3600" dirty="0" smtClean="0"/>
-              <a:t>Abbildung)</a:t>
+              <a:rPr lang="de-DE" sz="3600" dirty="0"/>
+              <a:t>Temperatur- und Feuchteprofil der Radiosonde decken sich größtenteils mit den ALPACA Ensembles (Abbildung)</a:t>
             </a:r>
           </a:p>
           <a:p>
@@ -3918,46 +3778,17 @@
               <a:buChar char="•"/>
             </a:pPr>
             <a:r>
-              <a:rPr lang="de-DE" sz="3600" dirty="0" smtClean="0"/>
-              <a:t>Oberkante </a:t>
-            </a:r>
-            <a:r>
-              <a:rPr lang="de-DE" sz="3600" dirty="0" smtClean="0"/>
-              <a:t>einer </a:t>
-            </a:r>
-            <a:r>
               <a:rPr lang="de-DE" sz="3600" dirty="0"/>
-              <a:t>Grenzschicht </a:t>
-            </a:r>
-            <a:r>
-              <a:rPr lang="de-DE" sz="3600" dirty="0" smtClean="0"/>
-              <a:t>in </a:t>
+              <a:t>Oberkante einer Grenzschicht in etwa 400 m Höhe, </a:t>
+            </a:r>
+            <a:r>
+              <a:rPr lang="de-DE" sz="3600" dirty="0" err="1"/>
+              <a:t>beson-ders</a:t>
             </a:r>
             <a:r>
               <a:rPr lang="de-DE" sz="3600" dirty="0"/>
-              <a:t>etwa 400 m </a:t>
-            </a:r>
-            <a:r>
-              <a:rPr lang="de-DE" sz="3600" dirty="0" smtClean="0"/>
-              <a:t>Höhe, </a:t>
-            </a:r>
-            <a:r>
-              <a:rPr lang="de-DE" sz="3600" dirty="0" err="1" smtClean="0"/>
-              <a:t>beson-ders</a:t>
-            </a:r>
-            <a:r>
-              <a:rPr lang="de-DE" sz="3600" dirty="0" smtClean="0"/>
-              <a:t> </a:t>
-            </a:r>
-            <a:r>
-              <a:rPr lang="de-DE" sz="3600" dirty="0" smtClean="0"/>
-              <a:t>am starken Gradienten der relativen Feuchte zu </a:t>
-            </a:r>
-            <a:r>
-              <a:rPr lang="de-DE" sz="3600" dirty="0" smtClean="0"/>
-              <a:t>er-kennen </a:t>
-            </a:r>
-            <a:endParaRPr lang="de-DE" sz="3600" dirty="0" smtClean="0"/>
+              <a:t> am starken Gradienten der relativen Feuchte zu er-kennen </a:t>
+            </a:r>
           </a:p>
           <a:p>
             <a:pPr marL="571500" indent="-571500" algn="just">
@@ -3965,16 +3796,8 @@
               <a:buChar char="•"/>
             </a:pPr>
             <a:r>
-              <a:rPr lang="de-DE" sz="3600" dirty="0" smtClean="0"/>
-              <a:t>Temperatur </a:t>
-            </a:r>
-            <a:r>
-              <a:rPr lang="de-DE" sz="3600" dirty="0" smtClean="0"/>
-              <a:t>variiert im Messzeitraum um bis zu 1 K, meist jedoch unter 0,5 </a:t>
-            </a:r>
-            <a:r>
-              <a:rPr lang="de-DE" sz="3600" dirty="0" smtClean="0"/>
-              <a:t>K</a:t>
+              <a:rPr lang="de-DE" sz="3600" dirty="0"/>
+              <a:t>Temperatur variiert im Messzeitraum um bis zu 1 K, meist jedoch unter 0,5 K</a:t>
             </a:r>
           </a:p>
           <a:p>
@@ -3983,34 +3806,9 @@
               <a:buChar char="•"/>
             </a:pPr>
             <a:r>
-              <a:rPr lang="de-DE" sz="3600" dirty="0" smtClean="0"/>
-              <a:t>relative </a:t>
-            </a:r>
-            <a:r>
-              <a:rPr lang="de-DE" sz="3600" dirty="0" smtClean="0"/>
-              <a:t>Feuchte variiert stärker, meist 3 </a:t>
-            </a:r>
-            <a:r>
               <a:rPr lang="de-DE" sz="3600" dirty="0"/>
-              <a:t>-</a:t>
-            </a:r>
-            <a:r>
-              <a:rPr lang="de-DE" sz="3600" dirty="0" smtClean="0"/>
-              <a:t> 5 %. An der </a:t>
-            </a:r>
-            <a:r>
-              <a:rPr lang="de-DE" sz="3600" dirty="0" smtClean="0"/>
-              <a:t>Ober-kante </a:t>
-            </a:r>
-            <a:r>
-              <a:rPr lang="de-DE" sz="3600" dirty="0" smtClean="0"/>
-              <a:t>der Grenzschicht variiert die Feuchte bis zu 10 %, da die Höhe der Oberkante innerhalb der Zeit stark </a:t>
-            </a:r>
-            <a:r>
-              <a:rPr lang="de-DE" sz="3600" dirty="0" smtClean="0"/>
-              <a:t>schwankt</a:t>
-            </a:r>
-            <a:endParaRPr lang="de-DE" sz="3600" dirty="0" smtClean="0"/>
+              <a:t>relative Feuchte variiert stärker, meist 3 - 5 %. An der Ober-kante der Grenzschicht variiert die Feuchte bis zu 10 %, da die Höhe der Oberkante innerhalb der Zeit stark schwankt</a:t>
+            </a:r>
           </a:p>
           <a:p>
             <a:pPr marL="571500" indent="-571500" algn="just">
@@ -4018,40 +3816,16 @@
               <a:buChar char="•"/>
             </a:pPr>
             <a:r>
-              <a:rPr lang="de-DE" sz="3600" dirty="0" smtClean="0"/>
-              <a:t>I</a:t>
-            </a:r>
-            <a:r>
-              <a:rPr lang="de-DE" sz="3600" dirty="0" smtClean="0"/>
-              <a:t>m </a:t>
-            </a:r>
-            <a:r>
-              <a:rPr lang="de-DE" sz="3600" dirty="0" smtClean="0"/>
-              <a:t>unteren Bereich ähneln die Werte der Radiosonde den Einzelprofilen am Anfang des </a:t>
-            </a:r>
-            <a:r>
-              <a:rPr lang="de-DE" sz="3600" dirty="0" smtClean="0"/>
-              <a:t>Aufstieges, im </a:t>
-            </a:r>
-            <a:r>
-              <a:rPr lang="de-DE" sz="3600" dirty="0" smtClean="0"/>
-              <a:t>oberen </a:t>
-            </a:r>
-            <a:r>
-              <a:rPr lang="de-DE" sz="3600" dirty="0" err="1" smtClean="0"/>
+              <a:rPr lang="de-DE" sz="3600" dirty="0"/>
+              <a:t>Im unteren Bereich ähneln die Werte der Radiosonde den Einzelprofilen am Anfang des Aufstieges, im oberen </a:t>
+            </a:r>
+            <a:r>
+              <a:rPr lang="de-DE" sz="3600" dirty="0" err="1"/>
               <a:t>Be</a:t>
             </a:r>
             <a:r>
-              <a:rPr lang="de-DE" sz="3600" dirty="0" smtClean="0"/>
-              <a:t>-reich </a:t>
-            </a:r>
-            <a:r>
-              <a:rPr lang="de-DE" sz="3600" dirty="0" smtClean="0"/>
-              <a:t>denen am Ende des </a:t>
-            </a:r>
-            <a:r>
-              <a:rPr lang="de-DE" sz="3600" dirty="0" smtClean="0"/>
-              <a:t>Aufstieges.</a:t>
+              <a:rPr lang="de-DE" sz="3600" dirty="0"/>
+              <a:t>-reich denen am Ende des Aufstieges.</a:t>
             </a:r>
           </a:p>
           <a:p>
@@ -4060,38 +3834,30 @@
               <a:buChar char="•"/>
             </a:pPr>
             <a:r>
-              <a:rPr lang="de-DE" sz="3600" dirty="0" smtClean="0"/>
-              <a:t>Das </a:t>
-            </a:r>
-            <a:r>
-              <a:rPr lang="de-DE" sz="3600" dirty="0" smtClean="0"/>
-              <a:t>Einzelprofil der Radiosonde setzt sich also aus </a:t>
-            </a:r>
-            <a:r>
-              <a:rPr lang="de-DE" sz="3600" dirty="0" err="1" smtClean="0"/>
+              <a:rPr lang="de-DE" sz="3600" dirty="0"/>
+              <a:t>Das Einzelprofil der Radiosonde setzt sich also aus </a:t>
+            </a:r>
+            <a:r>
+              <a:rPr lang="de-DE" sz="3600" dirty="0" err="1"/>
               <a:t>ver-schiedenen</a:t>
             </a:r>
             <a:r>
-              <a:rPr lang="de-DE" sz="3600" dirty="0" smtClean="0"/>
-              <a:t> </a:t>
-            </a:r>
-            <a:r>
-              <a:rPr lang="de-DE" sz="3600" dirty="0" smtClean="0"/>
-              <a:t>Zuständen der Grenzschicht zusammen, die sich im oberen Bereich erheblich unterscheiden  </a:t>
+              <a:rPr lang="de-DE" sz="3600" dirty="0"/>
+              <a:t> Zuständen der Grenzschicht zusammen, die sich im oberen Bereich erheblich unterscheiden  </a:t>
             </a:r>
           </a:p>
           <a:p>
             <a:pPr algn="just"/>
-            <a:endParaRPr lang="de-DE" sz="3600" dirty="0" smtClean="0"/>
+            <a:endParaRPr lang="de-DE" sz="3600" dirty="0"/>
           </a:p>
           <a:p>
             <a:pPr algn="just"/>
-            <a:endParaRPr lang="de-DE" sz="3600" dirty="0" smtClean="0"/>
+            <a:endParaRPr lang="de-DE" sz="3600" dirty="0"/>
           </a:p>
           <a:p>
             <a:pPr algn="just"/>
             <a:r>
-              <a:rPr lang="de-DE" sz="4000" dirty="0" smtClean="0"/>
+              <a:rPr lang="de-DE" sz="4000" dirty="0"/>
               <a:t> </a:t>
             </a:r>
           </a:p>
@@ -4113,11 +3879,7 @@
           </a:prstGeom>
           <a:noFill/>
           <a:ln>
-            <a:solidFill>
-              <a:schemeClr val="bg1">
-                <a:lumMod val="50000"/>
-              </a:schemeClr>
-            </a:solidFill>
+            <a:noFill/>
           </a:ln>
           <a:effectLst/>
           <a:extLst/>
@@ -4147,7 +3909,7 @@
               <a:tabLst/>
             </a:pPr>
             <a:r>
-              <a:rPr kumimoji="0" lang="de-DE" sz="5400" b="1" i="0" u="none" strike="noStrike" cap="none" normalizeH="0" baseline="0" dirty="0" smtClean="0">
+              <a:rPr kumimoji="0" lang="de-DE" sz="5400" b="1" i="0" u="none" strike="noStrike" cap="none" normalizeH="0" baseline="0" dirty="0">
                 <a:ln>
                   <a:noFill/>
                 </a:ln>
@@ -4164,43 +3926,43 @@
           <a:p>
             <a:pPr algn="just"/>
             <a:r>
-              <a:rPr lang="de-DE" sz="3600" b="1" i="1" dirty="0" smtClean="0">
+              <a:rPr lang="de-DE" sz="3600" b="1" i="1" dirty="0">
                 <a:ea typeface="ＭＳ Ｐゴシック" pitchFamily="124" charset="-128"/>
               </a:rPr>
               <a:t>Während der kurzen Zeit eines </a:t>
             </a:r>
             <a:r>
-              <a:rPr lang="de-DE" sz="3600" b="1" i="1" dirty="0" err="1" smtClean="0">
+              <a:rPr lang="de-DE" sz="3600" b="1" i="1" dirty="0" err="1">
                 <a:ea typeface="ＭＳ Ｐゴシック" pitchFamily="124" charset="-128"/>
               </a:rPr>
               <a:t>Radiosondenaufstieges</a:t>
             </a:r>
             <a:r>
-              <a:rPr lang="de-DE" sz="3600" b="1" i="1" dirty="0" smtClean="0">
+              <a:rPr lang="de-DE" sz="3600" b="1" i="1" dirty="0">
                 <a:ea typeface="ＭＳ Ｐゴシック" pitchFamily="124" charset="-128"/>
               </a:rPr>
               <a:t> schwankt die Temperatur und besonders die Feuchte in der Grenzschicht stark. Ein </a:t>
             </a:r>
             <a:r>
-              <a:rPr lang="de-DE" sz="3600" b="1" i="1" dirty="0" err="1" smtClean="0">
+              <a:rPr lang="de-DE" sz="3600" b="1" i="1" dirty="0" err="1">
                 <a:ea typeface="ＭＳ Ｐゴシック" pitchFamily="124" charset="-128"/>
               </a:rPr>
               <a:t>Radiosondenprofil</a:t>
             </a:r>
             <a:r>
-              <a:rPr lang="de-DE" sz="3600" b="1" i="1" dirty="0" smtClean="0">
+              <a:rPr lang="de-DE" sz="3600" b="1" i="1" dirty="0">
                 <a:ea typeface="ＭＳ Ｐゴシック" pitchFamily="124" charset="-128"/>
               </a:rPr>
               <a:t> ist somit weder repräsentativ für den mittleren, noch für den </a:t>
             </a:r>
             <a:r>
-              <a:rPr lang="de-DE" sz="3600" b="1" i="1" dirty="0" err="1" smtClean="0">
+              <a:rPr lang="de-DE" sz="3600" b="1" i="1" dirty="0" err="1">
                 <a:ea typeface="ＭＳ Ｐゴシック" pitchFamily="124" charset="-128"/>
               </a:rPr>
               <a:t>instantanen</a:t>
             </a:r>
             <a:r>
-              <a:rPr lang="de-DE" sz="3600" b="1" i="1" dirty="0" smtClean="0">
+              <a:rPr lang="de-DE" sz="3600" b="1" i="1" dirty="0">
                 <a:ea typeface="ＭＳ Ｐゴシック" pitchFamily="124" charset="-128"/>
               </a:rPr>
               <a:t> Zustand der Grenzschicht!</a:t>
@@ -4256,7 +4018,7 @@
               <a:tabLst/>
             </a:pPr>
             <a:r>
-              <a:rPr kumimoji="0" lang="de-DE" sz="5400" b="1" i="0" u="none" strike="noStrike" cap="none" normalizeH="0" baseline="0" dirty="0" smtClean="0">
+              <a:rPr kumimoji="0" lang="de-DE" sz="5400" b="1" i="0" u="none" strike="noStrike" cap="none" normalizeH="0" baseline="0" dirty="0">
                 <a:ln>
                   <a:noFill/>
                 </a:ln>
@@ -4269,22 +4031,11 @@
               </a:rPr>
               <a:t>Einleitung</a:t>
             </a:r>
-            <a:endParaRPr kumimoji="0" lang="de-DE" sz="5400" b="1" i="0" u="none" strike="noStrike" cap="none" normalizeH="0" baseline="0" dirty="0" smtClean="0">
-              <a:ln>
-                <a:noFill/>
-              </a:ln>
-              <a:solidFill>
-                <a:srgbClr val="CB1028"/>
-              </a:solidFill>
-              <a:effectLst/>
-              <a:latin typeface="Arial" charset="0"/>
-              <a:ea typeface="ＭＳ Ｐゴシック" pitchFamily="124" charset="-128"/>
-            </a:endParaRPr>
           </a:p>
           <a:p>
             <a:pPr algn="just"/>
             <a:r>
-              <a:rPr kumimoji="0" lang="de-DE" sz="3600" b="0" i="1" u="none" strike="noStrike" cap="none" normalizeH="0" baseline="0" dirty="0" smtClean="0">
+              <a:rPr kumimoji="0" lang="de-DE" sz="3600" b="0" i="1" u="none" strike="noStrike" cap="none" normalizeH="0" baseline="0" dirty="0">
                 <a:ln>
                   <a:noFill/>
                 </a:ln>
@@ -4297,7 +4048,7 @@
               <a:t>Für Profilmessungen der Grenzschicht werden oft</a:t>
             </a:r>
             <a:r>
-              <a:rPr kumimoji="0" lang="de-DE" sz="3600" b="0" i="1" u="none" strike="noStrike" cap="none" normalizeH="0" dirty="0" smtClean="0">
+              <a:rPr kumimoji="0" lang="de-DE" sz="3600" b="0" i="1" u="none" strike="noStrike" cap="none" normalizeH="0" dirty="0">
                 <a:ln>
                   <a:noFill/>
                 </a:ln>
@@ -4307,36 +4058,10 @@
                 <a:effectLst/>
                 <a:ea typeface="ＭＳ Ｐゴシック" pitchFamily="124" charset="-128"/>
               </a:rPr>
-              <a:t> </a:t>
-            </a:r>
-            <a:r>
-              <a:rPr kumimoji="0" lang="de-DE" sz="3600" b="0" i="1" u="none" strike="noStrike" cap="none" normalizeH="0" dirty="0" smtClean="0">
-                <a:ln>
-                  <a:noFill/>
-                </a:ln>
-                <a:solidFill>
-                  <a:srgbClr val="000000"/>
-                </a:solidFill>
-                <a:effectLst/>
-                <a:ea typeface="ＭＳ Ｐゴシック" pitchFamily="124" charset="-128"/>
-              </a:rPr>
-              <a:t>Ballon-aufstiege </a:t>
-            </a:r>
-            <a:r>
-              <a:rPr kumimoji="0" lang="de-DE" sz="3600" b="0" i="1" u="none" strike="noStrike" cap="none" normalizeH="0" dirty="0" smtClean="0">
-                <a:ln>
-                  <a:noFill/>
-                </a:ln>
-                <a:solidFill>
-                  <a:srgbClr val="000000"/>
-                </a:solidFill>
-                <a:effectLst/>
-                <a:ea typeface="ＭＳ Ｐゴシック" pitchFamily="124" charset="-128"/>
-              </a:rPr>
-              <a:t>durchgeführt.</a:t>
-            </a:r>
-            <a:r>
-              <a:rPr lang="de-DE" sz="3600" i="1" dirty="0" smtClean="0">
+              <a:t> Ballon-aufstiege durchgeführt.</a:t>
+            </a:r>
+            <a:r>
+              <a:rPr lang="de-DE" sz="3600" i="1" dirty="0">
                 <a:ea typeface="ＭＳ Ｐゴシック" pitchFamily="124" charset="-128"/>
               </a:rPr>
               <a:t> Da die Grenzschicht zeitlich und räumlich stark variabel ist, ist ein Einzelaufstieg meist nicht repräsentativ für den mittleren Zustand der Grenzschicht. </a:t>
@@ -4367,10 +4092,9 @@
           <a:lstStyle/>
           <a:p>
             <a:r>
-              <a:rPr lang="de-DE" sz="3600" dirty="0" smtClean="0"/>
+              <a:rPr lang="de-DE" sz="3600" dirty="0"/>
               <a:t>Leine mit ALPACAs</a:t>
             </a:r>
-            <a:endParaRPr lang="de-DE" sz="3600" dirty="0"/>
           </a:p>
         </p:txBody>
       </p:sp>
@@ -4472,7 +4196,7 @@
               <a:buNone/>
               <a:tabLst/>
             </a:pPr>
-            <a:endParaRPr kumimoji="0" lang="de-DE" sz="2400" b="0" i="0" u="none" strike="noStrike" cap="none" normalizeH="0" baseline="0" smtClean="0">
+            <a:endParaRPr kumimoji="0" lang="de-DE" sz="2400" b="0" i="0" u="none" strike="noStrike" cap="none" normalizeH="0" baseline="0">
               <a:ln>
                 <a:noFill/>
               </a:ln>
@@ -4563,7 +4287,7 @@
           <a:lstStyle/>
           <a:p>
             <a:r>
-              <a:rPr lang="de-DE" sz="2800" i="1" dirty="0" err="1" smtClean="0">
+              <a:rPr lang="de-DE" sz="2800" i="1" dirty="0" err="1">
                 <a:solidFill>
                   <a:schemeClr val="tx1">
                     <a:lumMod val="65000"/>
@@ -4748,7 +4472,7 @@
               <a:tabLst/>
             </a:pPr>
             <a:r>
-              <a:rPr kumimoji="0" lang="de-DE" sz="5400" b="1" i="0" u="none" strike="noStrike" cap="none" normalizeH="0" baseline="0" dirty="0" smtClean="0">
+              <a:rPr kumimoji="0" lang="de-DE" sz="5400" b="1" i="0" u="none" strike="noStrike" cap="none" normalizeH="0" baseline="0" dirty="0">
                 <a:ln>
                   <a:noFill/>
                 </a:ln>
@@ -4761,31 +4485,14 @@
               </a:rPr>
               <a:t>Fragestellung</a:t>
             </a:r>
-            <a:endParaRPr kumimoji="0" lang="de-DE" sz="5400" b="1" i="0" u="none" strike="noStrike" cap="none" normalizeH="0" baseline="0" dirty="0" smtClean="0">
-              <a:ln>
-                <a:noFill/>
-              </a:ln>
-              <a:solidFill>
-                <a:srgbClr val="CB1028"/>
-              </a:solidFill>
-              <a:effectLst/>
-              <a:latin typeface="Arial" charset="0"/>
-              <a:ea typeface="ＭＳ Ｐゴシック" pitchFamily="124" charset="-128"/>
-            </a:endParaRPr>
           </a:p>
           <a:p>
             <a:pPr algn="just"/>
-            <a:r>
-              <a:rPr lang="de-DE" sz="3600" i="1" dirty="0" smtClean="0">
-                <a:ea typeface="ＭＳ Ｐゴシック" pitchFamily="124" charset="-128"/>
-              </a:rPr>
-              <a:t>Wie </a:t>
-            </a:r>
             <a:r>
               <a:rPr lang="de-DE" sz="3600" i="1" dirty="0">
                 <a:ea typeface="ＭＳ Ｐゴシック" pitchFamily="124" charset="-128"/>
               </a:rPr>
-              <a:t>gut repräsentiert ein einzelner Aufstieg den </a:t>
+              <a:t>Wie gut repräsentiert ein einzelner Aufstieg den </a:t>
             </a:r>
             <a:r>
               <a:rPr lang="de-DE" sz="3600" i="1" dirty="0" err="1">
@@ -4797,55 +4504,7 @@
               <a:rPr lang="de-DE" sz="3600" i="1" dirty="0">
                 <a:ea typeface="ＭＳ Ｐゴシック" pitchFamily="124" charset="-128"/>
               </a:rPr>
-              <a:t> Zustand der Grenzschicht? </a:t>
-            </a:r>
-            <a:r>
-              <a:rPr lang="de-DE" sz="3600" i="1" dirty="0" smtClean="0">
-                <a:ea typeface="ＭＳ Ｐゴシック" pitchFamily="124" charset="-128"/>
-              </a:rPr>
-              <a:t>Welcher Fehler </a:t>
-            </a:r>
-            <a:r>
-              <a:rPr lang="de-DE" sz="3600" i="1" dirty="0">
-                <a:ea typeface="ＭＳ Ｐゴシック" pitchFamily="124" charset="-128"/>
-              </a:rPr>
-              <a:t>entsteht </a:t>
-            </a:r>
-            <a:r>
-              <a:rPr lang="de-DE" sz="3600" i="1" dirty="0" smtClean="0">
-                <a:ea typeface="ＭＳ Ｐゴシック" pitchFamily="124" charset="-128"/>
-              </a:rPr>
-              <a:t>da-durch</a:t>
-            </a:r>
-            <a:r>
-              <a:rPr lang="de-DE" sz="3600" i="1" dirty="0">
-                <a:ea typeface="ＭＳ Ｐゴシック" pitchFamily="124" charset="-128"/>
-              </a:rPr>
-              <a:t>, dass der Sensor nicht an einem Zeitpunkt die ganze Grenzschicht misst? Mit den </a:t>
-            </a:r>
-            <a:r>
-              <a:rPr lang="de-DE" sz="3600" i="1" dirty="0" smtClean="0">
-                <a:ea typeface="ＭＳ Ｐゴシック" pitchFamily="124" charset="-128"/>
-              </a:rPr>
-              <a:t>kontinuierlichen Messungen </a:t>
-            </a:r>
-            <a:r>
-              <a:rPr lang="de-DE" sz="3600" i="1" dirty="0">
-                <a:ea typeface="ＭＳ Ｐゴシック" pitchFamily="124" charset="-128"/>
-              </a:rPr>
-              <a:t>der ALPACAs lassen sich diese Fragen </a:t>
-            </a:r>
-            <a:r>
-              <a:rPr lang="de-DE" sz="3600" i="1" dirty="0" smtClean="0">
-                <a:ea typeface="ＭＳ Ｐゴシック" pitchFamily="124" charset="-128"/>
-              </a:rPr>
-              <a:t>beantworten</a:t>
-            </a:r>
-            <a:r>
-              <a:rPr lang="de-DE" sz="3600" i="1" dirty="0">
-                <a:ea typeface="ＭＳ Ｐゴシック" pitchFamily="124" charset="-128"/>
-              </a:rPr>
-              <a:t>.</a:t>
+              <a:t> Zustand der Grenzschicht? Welcher Fehler entsteht da-durch, dass der Sensor nicht an einem Zeitpunkt die ganze Grenzschicht misst? Mit den kontinuierlichen Messungen der ALPACAs lassen sich diese Fragen beantworten.</a:t>
             </a:r>
           </a:p>
           <a:p>
@@ -4865,7 +4524,7 @@
               <a:buNone/>
               <a:tabLst/>
             </a:pPr>
-            <a:endParaRPr lang="de-DE" sz="3600" i="1" dirty="0" smtClean="0">
+            <a:endParaRPr lang="de-DE" sz="3600" i="1" dirty="0">
               <a:ea typeface="ＭＳ Ｐゴシック" pitchFamily="124" charset="-128"/>
             </a:endParaRPr>
           </a:p>
@@ -4939,7 +4598,7 @@
               <a:buNone/>
               <a:tabLst/>
             </a:pPr>
-            <a:endParaRPr kumimoji="0" lang="de-DE" sz="2400" b="0" i="0" u="none" strike="noStrike" cap="none" normalizeH="0" baseline="0" smtClean="0">
+            <a:endParaRPr kumimoji="0" lang="de-DE" sz="2400" b="0" i="0" u="none" strike="noStrike" cap="none" normalizeH="0" baseline="0">
               <a:ln>
                 <a:noFill/>
               </a:ln>
@@ -4958,13 +4617,6 @@
   <p:clrMapOvr>
     <a:masterClrMapping/>
   </p:clrMapOvr>
-  <p:timing>
-    <p:tnLst>
-      <p:par>
-        <p:cTn id="1" dur="indefinite" restart="never" nodeType="tmRoot"/>
-      </p:par>
-    </p:tnLst>
-  </p:timing>
 </p:sld>
 </file>
 

--- a/poster/lex2018_poster_Profilensembles.pptx
+++ b/poster/lex2018_poster_Profilensembles.pptx
@@ -142,7 +142,7 @@
   </p:defaultTextStyle>
   <p:extLst>
     <p:ext uri="{EFAFB233-063F-42B5-8137-9DF3F51BA10A}">
-      <p15:sldGuideLst xmlns:p15="http://schemas.microsoft.com/office/powerpoint/2012/main">
+      <p15:sldGuideLst xmlns:p15="http://schemas.microsoft.com/office/powerpoint/2012/main" xmlns="">
         <p15:guide id="1" orient="horz" pos="3167">
           <p15:clr>
             <a:srgbClr val="A4A3A4"/>
@@ -295,7 +295,7 @@
               <a:pPr>
                 <a:defRPr/>
               </a:pPr>
-              <a:t>02.10.2018</a:t>
+              <a:t>03.10.2018</a:t>
             </a:fld>
             <a:endParaRPr lang="de-DE"/>
           </a:p>
@@ -598,7 +598,7 @@
               <a14:shadowObscured xmlns:a14="http://schemas.microsoft.com/office/drawing/2010/main" val="1"/>
             </a:ext>
             <a:ext uri="{FAA26D3D-D897-4be2-8F04-BA451C77F1D7}">
-              <ma14:placeholderFlag xmlns:ma14="http://schemas.microsoft.com/office/mac/drawingml/2011/main" xmlns="" val="1"/>
+              <ma14:placeholderFlag xmlns="" xmlns:ma14="http://schemas.microsoft.com/office/mac/drawingml/2011/main" val="1"/>
             </a:ext>
           </a:extLst>
         </p:spPr>
@@ -1148,7 +1148,7 @@
           <a:noFill/>
           <a:extLst>
             <a:ext uri="{FAA26D3D-D897-4be2-8F04-BA451C77F1D7}">
-              <ma14:placeholderFlag xmlns:ma14="http://schemas.microsoft.com/office/mac/drawingml/2011/main" xmlns="" val="1"/>
+              <ma14:placeholderFlag xmlns="" xmlns:ma14="http://schemas.microsoft.com/office/mac/drawingml/2011/main" val="1"/>
             </a:ext>
           </a:extLst>
         </p:spPr>
@@ -4287,7 +4287,7 @@
           <a:lstStyle/>
           <a:p>
             <a:r>
-              <a:rPr lang="de-DE" sz="2800" i="1" dirty="0" err="1">
+              <a:rPr lang="de-DE" sz="2800" i="1" dirty="0">
                 <a:solidFill>
                   <a:schemeClr val="tx1">
                     <a:lumMod val="65000"/>
@@ -4295,10 +4295,10 @@
                   </a:schemeClr>
                 </a:solidFill>
               </a:rPr>
-              <a:t>laura.dietrich@studium.uni-hamburg.de</a:t>
-            </a:r>
-            <a:r>
-              <a:rPr lang="de-DE" sz="2800" i="1" dirty="0">
+              <a:t>laura.dietrich@studium.uni-hamburg.de, </a:t>
+            </a:r>
+            <a:r>
+              <a:rPr lang="de-DE" sz="2800" i="1" dirty="0" smtClean="0">
                 <a:solidFill>
                   <a:schemeClr val="tx1">
                     <a:lumMod val="65000"/>
@@ -4306,10 +4306,10 @@
                   </a:schemeClr>
                 </a:solidFill>
               </a:rPr>
-              <a:t>, </a:t>
-            </a:r>
-            <a:r>
-              <a:rPr lang="de-DE" sz="2800" i="1" dirty="0" err="1">
+              <a:t>henning.dorff@studium.uni-hamburg.de</a:t>
+            </a:r>
+            <a:r>
+              <a:rPr lang="de-DE" sz="2800" i="1" dirty="0">
                 <a:solidFill>
                   <a:schemeClr val="tx1">
                     <a:lumMod val="65000"/>
@@ -4317,106 +4317,7 @@
                   </a:schemeClr>
                 </a:solidFill>
               </a:rPr>
-              <a:t>hennig.dorff@studium.uni-hamburg.de</a:t>
-            </a:r>
-            <a:r>
-              <a:rPr lang="de-DE" sz="2800" i="1" dirty="0">
-                <a:solidFill>
-                  <a:schemeClr val="tx1">
-                    <a:lumMod val="65000"/>
-                    <a:lumOff val="35000"/>
-                  </a:schemeClr>
-                </a:solidFill>
-              </a:rPr>
-              <a:t>, </a:t>
-            </a:r>
-            <a:r>
-              <a:rPr lang="de-DE" sz="2800" i="1" dirty="0" err="1">
-                <a:solidFill>
-                  <a:schemeClr val="tx1">
-                    <a:lumMod val="65000"/>
-                    <a:lumOff val="35000"/>
-                  </a:schemeClr>
-                </a:solidFill>
-              </a:rPr>
-              <a:t>jakob.doerr@studium.uni-hamburg.de</a:t>
-            </a:r>
-            <a:r>
-              <a:rPr lang="de-DE" sz="2800" i="1" dirty="0">
-                <a:solidFill>
-                  <a:schemeClr val="tx1">
-                    <a:lumMod val="65000"/>
-                    <a:lumOff val="35000"/>
-                  </a:schemeClr>
-                </a:solidFill>
-              </a:rPr>
-              <a:t>, </a:t>
-            </a:r>
-            <a:r>
-              <a:rPr lang="de-DE" sz="2800" i="1" dirty="0" err="1">
-                <a:solidFill>
-                  <a:schemeClr val="tx1">
-                    <a:lumMod val="65000"/>
-                    <a:lumOff val="35000"/>
-                  </a:schemeClr>
-                </a:solidFill>
-              </a:rPr>
-              <a:t>joscha.fregin@studium.uni-hamburg.de</a:t>
-            </a:r>
-            <a:r>
-              <a:rPr lang="de-DE" sz="2800" i="1" dirty="0">
-                <a:solidFill>
-                  <a:schemeClr val="tx1">
-                    <a:lumMod val="65000"/>
-                    <a:lumOff val="35000"/>
-                  </a:schemeClr>
-                </a:solidFill>
-              </a:rPr>
-              <a:t>, </a:t>
-            </a:r>
-            <a:r>
-              <a:rPr lang="de-DE" sz="2800" i="1" dirty="0" err="1">
-                <a:solidFill>
-                  <a:schemeClr val="tx1">
-                    <a:lumMod val="65000"/>
-                    <a:lumOff val="35000"/>
-                  </a:schemeClr>
-                </a:solidFill>
-              </a:rPr>
-              <a:t>theresa.lang@studium.uni-hamburg.de</a:t>
-            </a:r>
-            <a:r>
-              <a:rPr lang="de-DE" sz="2800" i="1" dirty="0">
-                <a:solidFill>
-                  <a:schemeClr val="tx1">
-                    <a:lumMod val="65000"/>
-                    <a:lumOff val="35000"/>
-                  </a:schemeClr>
-                </a:solidFill>
-              </a:rPr>
-              <a:t>, </a:t>
-            </a:r>
-            <a:r>
-              <a:rPr lang="de-DE" sz="2800" i="1" dirty="0" err="1">
-                <a:solidFill>
-                  <a:schemeClr val="tx1">
-                    <a:lumMod val="65000"/>
-                    <a:lumOff val="35000"/>
-                  </a:schemeClr>
-                </a:solidFill>
-              </a:rPr>
-              <a:t>simon.michel@studium.uni-hamburg.de</a:t>
-            </a:r>
-            <a:r>
-              <a:rPr lang="de-DE" sz="2800" i="1" dirty="0">
-                <a:solidFill>
-                  <a:schemeClr val="tx1">
-                    <a:lumMod val="65000"/>
-                    <a:lumOff val="35000"/>
-                  </a:schemeClr>
-                </a:solidFill>
-              </a:rPr>
-              <a:t> </a:t>
+              <a:t>, jakob.doerr@studium.uni-hamburg.de, joscha.fregin@studium.uni-hamburg.de, theresa.lang@studium.uni-hamburg.de, simon.michel@studium.uni-hamburg.de </a:t>
             </a:r>
           </a:p>
           <a:p>
